--- a/bayes/project-slides.pptx
+++ b/bayes/project-slides.pptx
@@ -1,43 +1,43 @@
 
 <file path=ppt/presentation.xml><?xml version="1.0" encoding="utf-8"?>
-<p:presentation xmlns:a="http://schemas.openxmlformats.org/drawingml/2006/main" xmlns:r="http://schemas.openxmlformats.org/officeDocument/2006/relationships" xmlns:mc="http://schemas.openxmlformats.org/markup-compatibility/2006" xmlns:mv="urn:schemas-microsoft-com:mac:vml" xmlns:p="http://schemas.openxmlformats.org/presentationml/2006/main" mc:Ignorable="mv" mc:PreserveAttributes="mv:*" saveSubsetFonts="1" autoCompressPictures="0">
+<p:presentation xmlns:a="http://schemas.openxmlformats.org/drawingml/2006/main" xmlns:r="http://schemas.openxmlformats.org/officeDocument/2006/relationships" xmlns:p="http://schemas.openxmlformats.org/presentationml/2006/main" autoCompressPictures="0">
   <p:sldMasterIdLst>
     <p:sldMasterId id="2147483648" r:id="rId1"/>
   </p:sldMasterIdLst>
   <p:notesMasterIdLst>
-    <p:notesMasterId r:id="rId29"/>
+    <p:notesMasterId r:id="rId8"/>
   </p:notesMasterIdLst>
   <p:handoutMasterIdLst>
-    <p:handoutMasterId r:id="rId30"/>
+    <p:handoutMasterId r:id="rId31"/>
   </p:handoutMasterIdLst>
   <p:sldIdLst>
-    <p:sldId id="256" r:id="rId2"/>
-    <p:sldId id="257" r:id="rId3"/>
-    <p:sldId id="259" r:id="rId4"/>
-    <p:sldId id="260" r:id="rId5"/>
-    <p:sldId id="261" r:id="rId6"/>
-    <p:sldId id="262" r:id="rId7"/>
-    <p:sldId id="263" r:id="rId8"/>
-    <p:sldId id="281" r:id="rId9"/>
-    <p:sldId id="264" r:id="rId10"/>
-    <p:sldId id="265" r:id="rId11"/>
-    <p:sldId id="266" r:id="rId12"/>
-    <p:sldId id="267" r:id="rId13"/>
-    <p:sldId id="269" r:id="rId14"/>
-    <p:sldId id="271" r:id="rId15"/>
-    <p:sldId id="272" r:id="rId16"/>
-    <p:sldId id="270" r:id="rId17"/>
-    <p:sldId id="273" r:id="rId18"/>
-    <p:sldId id="274" r:id="rId19"/>
-    <p:sldId id="286" r:id="rId20"/>
-    <p:sldId id="277" r:id="rId21"/>
-    <p:sldId id="278" r:id="rId22"/>
-    <p:sldId id="279" r:id="rId23"/>
-    <p:sldId id="280" r:id="rId24"/>
-    <p:sldId id="282" r:id="rId25"/>
-    <p:sldId id="283" r:id="rId26"/>
-    <p:sldId id="284" r:id="rId27"/>
-    <p:sldId id="285" r:id="rId28"/>
+    <p:sldId id="256" r:id="rId3"/>
+    <p:sldId id="257" r:id="rId4"/>
+    <p:sldId id="284" r:id="rId5"/>
+    <p:sldId id="285" r:id="rId6"/>
+    <p:sldId id="259" r:id="rId7"/>
+    <p:sldId id="260" r:id="rId9"/>
+    <p:sldId id="261" r:id="rId10"/>
+    <p:sldId id="262" r:id="rId11"/>
+    <p:sldId id="263" r:id="rId12"/>
+    <p:sldId id="281" r:id="rId13"/>
+    <p:sldId id="264" r:id="rId14"/>
+    <p:sldId id="265" r:id="rId15"/>
+    <p:sldId id="266" r:id="rId16"/>
+    <p:sldId id="267" r:id="rId17"/>
+    <p:sldId id="269" r:id="rId18"/>
+    <p:sldId id="271" r:id="rId19"/>
+    <p:sldId id="272" r:id="rId20"/>
+    <p:sldId id="270" r:id="rId21"/>
+    <p:sldId id="273" r:id="rId22"/>
+    <p:sldId id="274" r:id="rId23"/>
+    <p:sldId id="286" r:id="rId24"/>
+    <p:sldId id="277" r:id="rId25"/>
+    <p:sldId id="278" r:id="rId26"/>
+    <p:sldId id="279" r:id="rId27"/>
+    <p:sldId id="280" r:id="rId28"/>
+    <p:sldId id="282" r:id="rId29"/>
+    <p:sldId id="283" r:id="rId30"/>
   </p:sldIdLst>
   <p:sldSz cx="9144000" cy="6858000" type="screen4x3"/>
   <p:notesSz cx="9144000" cy="6858000"/>
@@ -140,7 +140,7 @@
 </file>
 
 <file path=ppt/handoutMasters/handoutMaster1.xml><?xml version="1.0" encoding="utf-8"?>
-<p:handoutMaster xmlns:a="http://schemas.openxmlformats.org/drawingml/2006/main" xmlns:r="http://schemas.openxmlformats.org/officeDocument/2006/relationships" xmlns:mc="http://schemas.openxmlformats.org/markup-compatibility/2006" xmlns:mv="urn:schemas-microsoft-com:mac:vml" xmlns:p="http://schemas.openxmlformats.org/presentationml/2006/main" mc:Ignorable="mv" mc:PreserveAttributes="mv:*">
+<p:handoutMaster xmlns:a="http://schemas.openxmlformats.org/drawingml/2006/main" xmlns:r="http://schemas.openxmlformats.org/officeDocument/2006/relationships" xmlns:p="http://schemas.openxmlformats.org/presentationml/2006/main">
   <p:cSld>
     <p:bg>
       <p:bgRef idx="1001">
@@ -221,7 +221,6 @@
           <a:p>
             <a:fld id="{88AE10D1-0BB2-2D45-AE01-1469AC482212}" type="datetimeFigureOut">
               <a:rPr lang="en-US" smtClean="0"/>
-              <a:t>5/1/13</a:t>
             </a:fld>
             <a:endParaRPr lang="en-US"/>
           </a:p>
@@ -287,7 +286,6 @@
           <a:p>
             <a:fld id="{FF06D728-CF04-9F42-AABB-1948228C503D}" type="slidenum">
               <a:rPr lang="en-US" smtClean="0"/>
-              <a:t>‹#›</a:t>
             </a:fld>
             <a:endParaRPr lang="en-US"/>
           </a:p>
@@ -300,7 +298,7 @@
 </file>
 
 <file path=ppt/notesMasters/notesMaster1.xml><?xml version="1.0" encoding="utf-8"?>
-<p:notesMaster xmlns:a="http://schemas.openxmlformats.org/drawingml/2006/main" xmlns:r="http://schemas.openxmlformats.org/officeDocument/2006/relationships" xmlns:mc="http://schemas.openxmlformats.org/markup-compatibility/2006" xmlns:mv="urn:schemas-microsoft-com:mac:vml" xmlns:p="http://schemas.openxmlformats.org/presentationml/2006/main" mc:Ignorable="mv" mc:PreserveAttributes="mv:*">
+<p:notesMaster xmlns:a="http://schemas.openxmlformats.org/drawingml/2006/main" xmlns:r="http://schemas.openxmlformats.org/officeDocument/2006/relationships" xmlns:p="http://schemas.openxmlformats.org/presentationml/2006/main">
   <p:cSld>
     <p:bg>
       <p:bgRef idx="1001">
@@ -381,7 +379,6 @@
           <a:p>
             <a:fld id="{A99B57CC-62BC-EF4F-ACC0-6068D59D6562}" type="datetimeFigureOut">
               <a:rPr lang="en-US" smtClean="0"/>
-              <a:t>4/30/13</a:t>
             </a:fld>
             <a:endParaRPr lang="en-US"/>
           </a:p>
@@ -450,6 +447,7 @@
               <a:rPr lang="en-US" smtClean="0"/>
               <a:t>Click to edit Master text styles</a:t>
             </a:r>
+            <a:endParaRPr lang="en-US" smtClean="0"/>
           </a:p>
           <a:p>
             <a:pPr lvl="1"/>
@@ -457,6 +455,7 @@
               <a:rPr lang="en-US" smtClean="0"/>
               <a:t>Second level</a:t>
             </a:r>
+            <a:endParaRPr lang="en-US" smtClean="0"/>
           </a:p>
           <a:p>
             <a:pPr lvl="2"/>
@@ -464,6 +463,7 @@
               <a:rPr lang="en-US" smtClean="0"/>
               <a:t>Third level</a:t>
             </a:r>
+            <a:endParaRPr lang="en-US" smtClean="0"/>
           </a:p>
           <a:p>
             <a:pPr lvl="3"/>
@@ -471,6 +471,7 @@
               <a:rPr lang="en-US" smtClean="0"/>
               <a:t>Fourth level</a:t>
             </a:r>
+            <a:endParaRPr lang="en-US" smtClean="0"/>
           </a:p>
           <a:p>
             <a:pPr lvl="4"/>
@@ -542,7 +543,6 @@
           <a:p>
             <a:fld id="{9F37B374-C301-5247-ADAB-DED98B619D3F}" type="slidenum">
               <a:rPr lang="en-US" smtClean="0"/>
-              <a:t>‹#›</a:t>
             </a:fld>
             <a:endParaRPr lang="en-US"/>
           </a:p>
@@ -647,7 +647,7 @@
 </file>
 
 <file path=ppt/notesSlides/notesSlide1.xml><?xml version="1.0" encoding="utf-8"?>
-<p:notes xmlns:a="http://schemas.openxmlformats.org/drawingml/2006/main" xmlns:r="http://schemas.openxmlformats.org/officeDocument/2006/relationships" xmlns:mc="http://schemas.openxmlformats.org/markup-compatibility/2006" xmlns:mv="urn:schemas-microsoft-com:mac:vml" xmlns:p="http://schemas.openxmlformats.org/presentationml/2006/main" mc:Ignorable="mv" mc:PreserveAttributes="mv:*">
+<p:notes xmlns:a="http://schemas.openxmlformats.org/drawingml/2006/main" xmlns:r="http://schemas.openxmlformats.org/officeDocument/2006/relationships" xmlns:p="http://schemas.openxmlformats.org/presentationml/2006/main">
   <p:cSld>
     <p:spTree>
       <p:nvGrpSpPr>
@@ -721,7 +721,6 @@
           <a:p>
             <a:fld id="{9F37B374-C301-5247-ADAB-DED98B619D3F}" type="slidenum">
               <a:rPr lang="en-US" smtClean="0"/>
-              <a:t>3</a:t>
             </a:fld>
             <a:endParaRPr lang="en-US"/>
           </a:p>
@@ -736,7 +735,7 @@
 </file>
 
 <file path=ppt/notesSlides/notesSlide10.xml><?xml version="1.0" encoding="utf-8"?>
-<p:notes xmlns:a="http://schemas.openxmlformats.org/drawingml/2006/main" xmlns:r="http://schemas.openxmlformats.org/officeDocument/2006/relationships" xmlns:mc="http://schemas.openxmlformats.org/markup-compatibility/2006" xmlns:mv="urn:schemas-microsoft-com:mac:vml" xmlns:p="http://schemas.openxmlformats.org/presentationml/2006/main" mc:Ignorable="mv" mc:PreserveAttributes="mv:*">
+<p:notes xmlns:a="http://schemas.openxmlformats.org/drawingml/2006/main" xmlns:r="http://schemas.openxmlformats.org/officeDocument/2006/relationships" xmlns:p="http://schemas.openxmlformats.org/presentationml/2006/main">
   <p:cSld>
     <p:spTree>
       <p:nvGrpSpPr>
@@ -806,7 +805,6 @@
           <a:p>
             <a:fld id="{9F37B374-C301-5247-ADAB-DED98B619D3F}" type="slidenum">
               <a:rPr lang="en-US" smtClean="0"/>
-              <a:t>12</a:t>
             </a:fld>
             <a:endParaRPr lang="en-US"/>
           </a:p>
@@ -821,7 +819,7 @@
 </file>
 
 <file path=ppt/notesSlides/notesSlide11.xml><?xml version="1.0" encoding="utf-8"?>
-<p:notes xmlns:a="http://schemas.openxmlformats.org/drawingml/2006/main" xmlns:r="http://schemas.openxmlformats.org/officeDocument/2006/relationships" xmlns:mc="http://schemas.openxmlformats.org/markup-compatibility/2006" xmlns:mv="urn:schemas-microsoft-com:mac:vml" xmlns:p="http://schemas.openxmlformats.org/presentationml/2006/main" mc:Ignorable="mv" mc:PreserveAttributes="mv:*">
+<p:notes xmlns:a="http://schemas.openxmlformats.org/drawingml/2006/main" xmlns:r="http://schemas.openxmlformats.org/officeDocument/2006/relationships" xmlns:p="http://schemas.openxmlformats.org/presentationml/2006/main">
   <p:cSld>
     <p:spTree>
       <p:nvGrpSpPr>
@@ -895,7 +893,6 @@
           <a:p>
             <a:fld id="{9F37B374-C301-5247-ADAB-DED98B619D3F}" type="slidenum">
               <a:rPr lang="en-US" smtClean="0"/>
-              <a:t>16</a:t>
             </a:fld>
             <a:endParaRPr lang="en-US"/>
           </a:p>
@@ -910,7 +907,7 @@
 </file>
 
 <file path=ppt/notesSlides/notesSlide12.xml><?xml version="1.0" encoding="utf-8"?>
-<p:notes xmlns:a="http://schemas.openxmlformats.org/drawingml/2006/main" xmlns:r="http://schemas.openxmlformats.org/officeDocument/2006/relationships" xmlns:mc="http://schemas.openxmlformats.org/markup-compatibility/2006" xmlns:mv="urn:schemas-microsoft-com:mac:vml" xmlns:p="http://schemas.openxmlformats.org/presentationml/2006/main" mc:Ignorable="mv" mc:PreserveAttributes="mv:*">
+<p:notes xmlns:a="http://schemas.openxmlformats.org/drawingml/2006/main" xmlns:r="http://schemas.openxmlformats.org/officeDocument/2006/relationships" xmlns:p="http://schemas.openxmlformats.org/presentationml/2006/main">
   <p:cSld>
     <p:spTree>
       <p:nvGrpSpPr>
@@ -961,15 +958,7 @@
             </a:r>
             <a:r>
               <a:rPr lang="en-US" baseline="0" dirty="0" smtClean="0"/>
-              <a:t> that there are BOTH kinds of disagreements:</a:t>
-            </a:r>
-            <a:r>
-              <a:rPr lang="en-US" baseline="0" dirty="0" smtClean="0"/>
-              <a:t> subjects in conditions where learning is generally poor are classified as learners even though they have low final block accuracies. More problematically,</a:t>
-            </a:r>
-            <a:r>
-              <a:rPr lang="en-US" baseline="0" dirty="0" smtClean="0"/>
-              <a:t> subjects who have high final block accuracies but low otherwise are classified by this model as non-learners.  </a:t>
+              <a:t> that there are BOTH kinds of disagreements: subjects in conditions where learning is generally poor are classified as learners even though they have low final block accuracies. More problematically, subjects who have high final block accuracies but low otherwise are classified by this model as non-learners.  </a:t>
             </a:r>
             <a:endParaRPr lang="en-US" dirty="0"/>
           </a:p>
@@ -992,7 +981,6 @@
           <a:p>
             <a:fld id="{9F37B374-C301-5247-ADAB-DED98B619D3F}" type="slidenum">
               <a:rPr lang="en-US" smtClean="0"/>
-              <a:t>17</a:t>
             </a:fld>
             <a:endParaRPr lang="en-US"/>
           </a:p>
@@ -1007,7 +995,7 @@
 </file>
 
 <file path=ppt/notesSlides/notesSlide13.xml><?xml version="1.0" encoding="utf-8"?>
-<p:notes xmlns:a="http://schemas.openxmlformats.org/drawingml/2006/main" xmlns:r="http://schemas.openxmlformats.org/officeDocument/2006/relationships" xmlns:mc="http://schemas.openxmlformats.org/markup-compatibility/2006" xmlns:mv="urn:schemas-microsoft-com:mac:vml" xmlns:p="http://schemas.openxmlformats.org/presentationml/2006/main" mc:Ignorable="mv" mc:PreserveAttributes="mv:*">
+<p:notes xmlns:a="http://schemas.openxmlformats.org/drawingml/2006/main" xmlns:r="http://schemas.openxmlformats.org/officeDocument/2006/relationships" xmlns:p="http://schemas.openxmlformats.org/presentationml/2006/main">
   <p:cSld>
     <p:spTree>
       <p:nvGrpSpPr>
@@ -1081,7 +1069,6 @@
           <a:p>
             <a:fld id="{9F37B374-C301-5247-ADAB-DED98B619D3F}" type="slidenum">
               <a:rPr lang="en-US" smtClean="0"/>
-              <a:t>18</a:t>
             </a:fld>
             <a:endParaRPr lang="en-US"/>
           </a:p>
@@ -1096,7 +1083,7 @@
 </file>
 
 <file path=ppt/notesSlides/notesSlide14.xml><?xml version="1.0" encoding="utf-8"?>
-<p:notes xmlns:a="http://schemas.openxmlformats.org/drawingml/2006/main" xmlns:r="http://schemas.openxmlformats.org/officeDocument/2006/relationships" xmlns:mc="http://schemas.openxmlformats.org/markup-compatibility/2006" xmlns:mv="urn:schemas-microsoft-com:mac:vml" xmlns:p="http://schemas.openxmlformats.org/presentationml/2006/main" mc:Ignorable="mv" mc:PreserveAttributes="mv:*">
+<p:notes xmlns:a="http://schemas.openxmlformats.org/drawingml/2006/main" xmlns:r="http://schemas.openxmlformats.org/officeDocument/2006/relationships" xmlns:p="http://schemas.openxmlformats.org/presentationml/2006/main">
   <p:cSld>
     <p:spTree>
       <p:nvGrpSpPr>
@@ -1170,7 +1157,6 @@
           <a:p>
             <a:fld id="{9F37B374-C301-5247-ADAB-DED98B619D3F}" type="slidenum">
               <a:rPr lang="en-US" smtClean="0"/>
-              <a:t>21</a:t>
             </a:fld>
             <a:endParaRPr lang="en-US"/>
           </a:p>
@@ -1185,7 +1171,7 @@
 </file>
 
 <file path=ppt/notesSlides/notesSlide15.xml><?xml version="1.0" encoding="utf-8"?>
-<p:notes xmlns:a="http://schemas.openxmlformats.org/drawingml/2006/main" xmlns:r="http://schemas.openxmlformats.org/officeDocument/2006/relationships" xmlns:mc="http://schemas.openxmlformats.org/markup-compatibility/2006" xmlns:mv="urn:schemas-microsoft-com:mac:vml" xmlns:p="http://schemas.openxmlformats.org/presentationml/2006/main" mc:Ignorable="mv" mc:PreserveAttributes="mv:*">
+<p:notes xmlns:a="http://schemas.openxmlformats.org/drawingml/2006/main" xmlns:r="http://schemas.openxmlformats.org/officeDocument/2006/relationships" xmlns:p="http://schemas.openxmlformats.org/presentationml/2006/main">
   <p:cSld>
     <p:spTree>
       <p:nvGrpSpPr>
@@ -1275,7 +1261,6 @@
           <a:p>
             <a:fld id="{9F37B374-C301-5247-ADAB-DED98B619D3F}" type="slidenum">
               <a:rPr lang="en-US" smtClean="0"/>
-              <a:t>22</a:t>
             </a:fld>
             <a:endParaRPr lang="en-US"/>
           </a:p>
@@ -1290,7 +1275,7 @@
 </file>
 
 <file path=ppt/notesSlides/notesSlide16.xml><?xml version="1.0" encoding="utf-8"?>
-<p:notes xmlns:a="http://schemas.openxmlformats.org/drawingml/2006/main" xmlns:r="http://schemas.openxmlformats.org/officeDocument/2006/relationships" xmlns:mc="http://schemas.openxmlformats.org/markup-compatibility/2006" xmlns:mv="urn:schemas-microsoft-com:mac:vml" xmlns:p="http://schemas.openxmlformats.org/presentationml/2006/main" mc:Ignorable="mv" mc:PreserveAttributes="mv:*">
+<p:notes xmlns:a="http://schemas.openxmlformats.org/drawingml/2006/main" xmlns:r="http://schemas.openxmlformats.org/officeDocument/2006/relationships" xmlns:p="http://schemas.openxmlformats.org/presentationml/2006/main">
   <p:cSld>
     <p:spTree>
       <p:nvGrpSpPr>
@@ -1364,7 +1349,6 @@
           <a:p>
             <a:fld id="{9F37B374-C301-5247-ADAB-DED98B619D3F}" type="slidenum">
               <a:rPr lang="en-US" smtClean="0"/>
-              <a:t>23</a:t>
             </a:fld>
             <a:endParaRPr lang="en-US"/>
           </a:p>
@@ -1379,7 +1363,7 @@
 </file>
 
 <file path=ppt/notesSlides/notesSlide2.xml><?xml version="1.0" encoding="utf-8"?>
-<p:notes xmlns:a="http://schemas.openxmlformats.org/drawingml/2006/main" xmlns:r="http://schemas.openxmlformats.org/officeDocument/2006/relationships" xmlns:mc="http://schemas.openxmlformats.org/markup-compatibility/2006" xmlns:mv="urn:schemas-microsoft-com:mac:vml" xmlns:p="http://schemas.openxmlformats.org/presentationml/2006/main" mc:Ignorable="mv" mc:PreserveAttributes="mv:*">
+<p:notes xmlns:a="http://schemas.openxmlformats.org/drawingml/2006/main" xmlns:r="http://schemas.openxmlformats.org/officeDocument/2006/relationships" xmlns:p="http://schemas.openxmlformats.org/presentationml/2006/main">
   <p:cSld>
     <p:spTree>
       <p:nvGrpSpPr>
@@ -1453,7 +1437,6 @@
           <a:p>
             <a:fld id="{9F37B374-C301-5247-ADAB-DED98B619D3F}" type="slidenum">
               <a:rPr lang="en-US" smtClean="0"/>
-              <a:t>4</a:t>
             </a:fld>
             <a:endParaRPr lang="en-US"/>
           </a:p>
@@ -1468,7 +1451,7 @@
 </file>
 
 <file path=ppt/notesSlides/notesSlide3.xml><?xml version="1.0" encoding="utf-8"?>
-<p:notes xmlns:a="http://schemas.openxmlformats.org/drawingml/2006/main" xmlns:r="http://schemas.openxmlformats.org/officeDocument/2006/relationships" xmlns:mc="http://schemas.openxmlformats.org/markup-compatibility/2006" xmlns:mv="urn:schemas-microsoft-com:mac:vml" xmlns:p="http://schemas.openxmlformats.org/presentationml/2006/main" mc:Ignorable="mv" mc:PreserveAttributes="mv:*">
+<p:notes xmlns:a="http://schemas.openxmlformats.org/drawingml/2006/main" xmlns:r="http://schemas.openxmlformats.org/officeDocument/2006/relationships" xmlns:p="http://schemas.openxmlformats.org/presentationml/2006/main">
   <p:cSld>
     <p:spTree>
       <p:nvGrpSpPr>
@@ -1542,7 +1525,6 @@
           <a:p>
             <a:fld id="{9F37B374-C301-5247-ADAB-DED98B619D3F}" type="slidenum">
               <a:rPr lang="en-US" smtClean="0"/>
-              <a:t>5</a:t>
             </a:fld>
             <a:endParaRPr lang="en-US"/>
           </a:p>
@@ -1557,7 +1539,7 @@
 </file>
 
 <file path=ppt/notesSlides/notesSlide4.xml><?xml version="1.0" encoding="utf-8"?>
-<p:notes xmlns:a="http://schemas.openxmlformats.org/drawingml/2006/main" xmlns:r="http://schemas.openxmlformats.org/officeDocument/2006/relationships" xmlns:mc="http://schemas.openxmlformats.org/markup-compatibility/2006" xmlns:mv="urn:schemas-microsoft-com:mac:vml" xmlns:p="http://schemas.openxmlformats.org/presentationml/2006/main" mc:Ignorable="mv" mc:PreserveAttributes="mv:*">
+<p:notes xmlns:a="http://schemas.openxmlformats.org/drawingml/2006/main" xmlns:r="http://schemas.openxmlformats.org/officeDocument/2006/relationships" xmlns:p="http://schemas.openxmlformats.org/presentationml/2006/main">
   <p:cSld>
     <p:spTree>
       <p:nvGrpSpPr>
@@ -1631,7 +1613,6 @@
           <a:p>
             <a:fld id="{9F37B374-C301-5247-ADAB-DED98B619D3F}" type="slidenum">
               <a:rPr lang="en-US" smtClean="0"/>
-              <a:t>6</a:t>
             </a:fld>
             <a:endParaRPr lang="en-US"/>
           </a:p>
@@ -1646,7 +1627,7 @@
 </file>
 
 <file path=ppt/notesSlides/notesSlide5.xml><?xml version="1.0" encoding="utf-8"?>
-<p:notes xmlns:a="http://schemas.openxmlformats.org/drawingml/2006/main" xmlns:r="http://schemas.openxmlformats.org/officeDocument/2006/relationships" xmlns:mc="http://schemas.openxmlformats.org/markup-compatibility/2006" xmlns:mv="urn:schemas-microsoft-com:mac:vml" xmlns:p="http://schemas.openxmlformats.org/presentationml/2006/main" mc:Ignorable="mv" mc:PreserveAttributes="mv:*">
+<p:notes xmlns:a="http://schemas.openxmlformats.org/drawingml/2006/main" xmlns:r="http://schemas.openxmlformats.org/officeDocument/2006/relationships" xmlns:p="http://schemas.openxmlformats.org/presentationml/2006/main">
   <p:cSld>
     <p:spTree>
       <p:nvGrpSpPr>
@@ -1720,7 +1701,6 @@
           <a:p>
             <a:fld id="{9F37B374-C301-5247-ADAB-DED98B619D3F}" type="slidenum">
               <a:rPr lang="en-US" smtClean="0"/>
-              <a:t>7</a:t>
             </a:fld>
             <a:endParaRPr lang="en-US"/>
           </a:p>
@@ -1735,7 +1715,7 @@
 </file>
 
 <file path=ppt/notesSlides/notesSlide6.xml><?xml version="1.0" encoding="utf-8"?>
-<p:notes xmlns:a="http://schemas.openxmlformats.org/drawingml/2006/main" xmlns:r="http://schemas.openxmlformats.org/officeDocument/2006/relationships" xmlns:mc="http://schemas.openxmlformats.org/markup-compatibility/2006" xmlns:mv="urn:schemas-microsoft-com:mac:vml" xmlns:p="http://schemas.openxmlformats.org/presentationml/2006/main" mc:Ignorable="mv" mc:PreserveAttributes="mv:*">
+<p:notes xmlns:a="http://schemas.openxmlformats.org/drawingml/2006/main" xmlns:r="http://schemas.openxmlformats.org/officeDocument/2006/relationships" xmlns:p="http://schemas.openxmlformats.org/presentationml/2006/main">
   <p:cSld>
     <p:spTree>
       <p:nvGrpSpPr>
@@ -1825,7 +1805,6 @@
           <a:p>
             <a:fld id="{9F37B374-C301-5247-ADAB-DED98B619D3F}" type="slidenum">
               <a:rPr lang="en-US" smtClean="0"/>
-              <a:t>8</a:t>
             </a:fld>
             <a:endParaRPr lang="en-US"/>
           </a:p>
@@ -1840,7 +1819,7 @@
 </file>
 
 <file path=ppt/notesSlides/notesSlide7.xml><?xml version="1.0" encoding="utf-8"?>
-<p:notes xmlns:a="http://schemas.openxmlformats.org/drawingml/2006/main" xmlns:r="http://schemas.openxmlformats.org/officeDocument/2006/relationships" xmlns:mc="http://schemas.openxmlformats.org/markup-compatibility/2006" xmlns:mv="urn:schemas-microsoft-com:mac:vml" xmlns:p="http://schemas.openxmlformats.org/presentationml/2006/main" mc:Ignorable="mv" mc:PreserveAttributes="mv:*">
+<p:notes xmlns:a="http://schemas.openxmlformats.org/drawingml/2006/main" xmlns:r="http://schemas.openxmlformats.org/officeDocument/2006/relationships" xmlns:p="http://schemas.openxmlformats.org/presentationml/2006/main">
   <p:cSld>
     <p:spTree>
       <p:nvGrpSpPr>
@@ -1899,7 +1878,6 @@
               <a:buSzTx/>
               <a:buFontTx/>
               <a:buNone/>
-              <a:tabLst/>
               <a:defRPr/>
             </a:pPr>
             <a:r>
@@ -1908,15 +1886,7 @@
             </a:r>
             <a:r>
               <a:rPr lang="en-US" baseline="0" dirty="0" smtClean="0"/>
-              <a:t> second question is modeled using a straightforward logistic regression model, where the number of successful trials</a:t>
-            </a:r>
-            <a:r>
-              <a:rPr lang="en-US" baseline="0" dirty="0" smtClean="0"/>
-              <a:t> (out of 80) </a:t>
-            </a:r>
-            <a:r>
-              <a:rPr lang="en-US" baseline="0" dirty="0" smtClean="0"/>
-              <a:t>in block </a:t>
+              <a:t> second question is modeled using a straightforward logistic regression model, where the number of successful trials (out of 80) in block </a:t>
             </a:r>
             <a:r>
               <a:rPr lang="en-US" baseline="0" dirty="0" err="1" smtClean="0"/>
@@ -1955,7 +1925,6 @@
           <a:p>
             <a:fld id="{9F37B374-C301-5247-ADAB-DED98B619D3F}" type="slidenum">
               <a:rPr lang="en-US" smtClean="0"/>
-              <a:t>9</a:t>
             </a:fld>
             <a:endParaRPr lang="en-US"/>
           </a:p>
@@ -1970,7 +1939,7 @@
 </file>
 
 <file path=ppt/notesSlides/notesSlide8.xml><?xml version="1.0" encoding="utf-8"?>
-<p:notes xmlns:a="http://schemas.openxmlformats.org/drawingml/2006/main" xmlns:r="http://schemas.openxmlformats.org/officeDocument/2006/relationships" xmlns:mc="http://schemas.openxmlformats.org/markup-compatibility/2006" xmlns:mv="urn:schemas-microsoft-com:mac:vml" xmlns:p="http://schemas.openxmlformats.org/presentationml/2006/main" mc:Ignorable="mv" mc:PreserveAttributes="mv:*">
+<p:notes xmlns:a="http://schemas.openxmlformats.org/drawingml/2006/main" xmlns:r="http://schemas.openxmlformats.org/officeDocument/2006/relationships" xmlns:p="http://schemas.openxmlformats.org/presentationml/2006/main">
   <p:cSld>
     <p:spTree>
       <p:nvGrpSpPr>
@@ -2048,7 +2017,6 @@
           <a:p>
             <a:fld id="{9F37B374-C301-5247-ADAB-DED98B619D3F}" type="slidenum">
               <a:rPr lang="en-US" smtClean="0"/>
-              <a:t>10</a:t>
             </a:fld>
             <a:endParaRPr lang="en-US"/>
           </a:p>
@@ -2063,7 +2031,7 @@
 </file>
 
 <file path=ppt/notesSlides/notesSlide9.xml><?xml version="1.0" encoding="utf-8"?>
-<p:notes xmlns:a="http://schemas.openxmlformats.org/drawingml/2006/main" xmlns:r="http://schemas.openxmlformats.org/officeDocument/2006/relationships" xmlns:mc="http://schemas.openxmlformats.org/markup-compatibility/2006" xmlns:mv="urn:schemas-microsoft-com:mac:vml" xmlns:p="http://schemas.openxmlformats.org/presentationml/2006/main" mc:Ignorable="mv" mc:PreserveAttributes="mv:*">
+<p:notes xmlns:a="http://schemas.openxmlformats.org/drawingml/2006/main" xmlns:r="http://schemas.openxmlformats.org/officeDocument/2006/relationships" xmlns:p="http://schemas.openxmlformats.org/presentationml/2006/main">
   <p:cSld>
     <p:spTree>
       <p:nvGrpSpPr>
@@ -2137,7 +2105,6 @@
           <a:p>
             <a:fld id="{9F37B374-C301-5247-ADAB-DED98B619D3F}" type="slidenum">
               <a:rPr lang="en-US" smtClean="0"/>
-              <a:t>11</a:t>
             </a:fld>
             <a:endParaRPr lang="en-US"/>
           </a:p>
@@ -2152,7 +2119,7 @@
 </file>
 
 <file path=ppt/slideLayouts/slideLayout1.xml><?xml version="1.0" encoding="utf-8"?>
-<p:sldLayout xmlns:a="http://schemas.openxmlformats.org/drawingml/2006/main" xmlns:r="http://schemas.openxmlformats.org/officeDocument/2006/relationships" xmlns:mc="http://schemas.openxmlformats.org/markup-compatibility/2006" xmlns:mv="urn:schemas-microsoft-com:mac:vml" xmlns:p="http://schemas.openxmlformats.org/presentationml/2006/main" mc:Ignorable="mv" mc:PreserveAttributes="mv:*" type="title" preserve="1">
+<p:sldLayout xmlns:a="http://schemas.openxmlformats.org/drawingml/2006/main" xmlns:r="http://schemas.openxmlformats.org/officeDocument/2006/relationships" xmlns:p="http://schemas.openxmlformats.org/presentationml/2006/main" type="title" preserve="1">
   <p:cSld name="Title Slide">
     <p:spTree>
       <p:nvGrpSpPr>
@@ -2332,8 +2299,6 @@
           <a:p>
             <a:fld id="{4F11CD2E-6D13-2C4E-8136-539B63CC5C00}" type="datetimeFigureOut">
               <a:rPr lang="en-US" smtClean="0"/>
-              <a:pPr/>
-              <a:t>4/30/13</a:t>
             </a:fld>
             <a:endParaRPr lang="en-US"/>
           </a:p>
@@ -2375,8 +2340,6 @@
           <a:p>
             <a:fld id="{AA377F8E-D678-9D4E-954D-A352778F8C46}" type="slidenum">
               <a:rPr lang="en-US" smtClean="0"/>
-              <a:pPr/>
-              <a:t>‹#›</a:t>
             </a:fld>
             <a:endParaRPr lang="en-US"/>
           </a:p>
@@ -2391,7 +2354,7 @@
 </file>
 
 <file path=ppt/slideLayouts/slideLayout10.xml><?xml version="1.0" encoding="utf-8"?>
-<p:sldLayout xmlns:a="http://schemas.openxmlformats.org/drawingml/2006/main" xmlns:r="http://schemas.openxmlformats.org/officeDocument/2006/relationships" xmlns:mc="http://schemas.openxmlformats.org/markup-compatibility/2006" xmlns:mv="urn:schemas-microsoft-com:mac:vml" xmlns:p="http://schemas.openxmlformats.org/presentationml/2006/main" mc:Ignorable="mv" mc:PreserveAttributes="mv:*" type="vertTx" preserve="1">
+<p:sldLayout xmlns:a="http://schemas.openxmlformats.org/drawingml/2006/main" xmlns:r="http://schemas.openxmlformats.org/officeDocument/2006/relationships" xmlns:p="http://schemas.openxmlformats.org/presentationml/2006/main" type="vertTx" preserve="1">
   <p:cSld name="Title and Vertical Text">
     <p:spTree>
       <p:nvGrpSpPr>
@@ -2450,6 +2413,7 @@
               <a:rPr lang="en-US" smtClean="0"/>
               <a:t>Click to edit Master text styles</a:t>
             </a:r>
+            <a:endParaRPr lang="en-US" smtClean="0"/>
           </a:p>
           <a:p>
             <a:pPr lvl="1"/>
@@ -2457,6 +2421,7 @@
               <a:rPr lang="en-US" smtClean="0"/>
               <a:t>Second level</a:t>
             </a:r>
+            <a:endParaRPr lang="en-US" smtClean="0"/>
           </a:p>
           <a:p>
             <a:pPr lvl="2"/>
@@ -2464,6 +2429,7 @@
               <a:rPr lang="en-US" smtClean="0"/>
               <a:t>Third level</a:t>
             </a:r>
+            <a:endParaRPr lang="en-US" smtClean="0"/>
           </a:p>
           <a:p>
             <a:pPr lvl="3"/>
@@ -2471,6 +2437,7 @@
               <a:rPr lang="en-US" smtClean="0"/>
               <a:t>Fourth level</a:t>
             </a:r>
+            <a:endParaRPr lang="en-US" smtClean="0"/>
           </a:p>
           <a:p>
             <a:pPr lvl="4"/>
@@ -2499,8 +2466,6 @@
           <a:p>
             <a:fld id="{4F11CD2E-6D13-2C4E-8136-539B63CC5C00}" type="datetimeFigureOut">
               <a:rPr lang="en-US" smtClean="0"/>
-              <a:pPr/>
-              <a:t>4/30/13</a:t>
             </a:fld>
             <a:endParaRPr lang="en-US"/>
           </a:p>
@@ -2542,8 +2507,6 @@
           <a:p>
             <a:fld id="{AA377F8E-D678-9D4E-954D-A352778F8C46}" type="slidenum">
               <a:rPr lang="en-US" smtClean="0"/>
-              <a:pPr/>
-              <a:t>‹#›</a:t>
             </a:fld>
             <a:endParaRPr lang="en-US"/>
           </a:p>
@@ -2558,7 +2521,7 @@
 </file>
 
 <file path=ppt/slideLayouts/slideLayout11.xml><?xml version="1.0" encoding="utf-8"?>
-<p:sldLayout xmlns:a="http://schemas.openxmlformats.org/drawingml/2006/main" xmlns:r="http://schemas.openxmlformats.org/officeDocument/2006/relationships" xmlns:mc="http://schemas.openxmlformats.org/markup-compatibility/2006" xmlns:mv="urn:schemas-microsoft-com:mac:vml" xmlns:p="http://schemas.openxmlformats.org/presentationml/2006/main" mc:Ignorable="mv" mc:PreserveAttributes="mv:*" type="vertTitleAndTx" preserve="1">
+<p:sldLayout xmlns:a="http://schemas.openxmlformats.org/drawingml/2006/main" xmlns:r="http://schemas.openxmlformats.org/officeDocument/2006/relationships" xmlns:p="http://schemas.openxmlformats.org/presentationml/2006/main" type="vertTitleAndTx" preserve="1">
   <p:cSld name="Vertical Title and Text">
     <p:spTree>
       <p:nvGrpSpPr>
@@ -2627,6 +2590,7 @@
               <a:rPr lang="en-US" smtClean="0"/>
               <a:t>Click to edit Master text styles</a:t>
             </a:r>
+            <a:endParaRPr lang="en-US" smtClean="0"/>
           </a:p>
           <a:p>
             <a:pPr lvl="1"/>
@@ -2634,6 +2598,7 @@
               <a:rPr lang="en-US" smtClean="0"/>
               <a:t>Second level</a:t>
             </a:r>
+            <a:endParaRPr lang="en-US" smtClean="0"/>
           </a:p>
           <a:p>
             <a:pPr lvl="2"/>
@@ -2641,6 +2606,7 @@
               <a:rPr lang="en-US" smtClean="0"/>
               <a:t>Third level</a:t>
             </a:r>
+            <a:endParaRPr lang="en-US" smtClean="0"/>
           </a:p>
           <a:p>
             <a:pPr lvl="3"/>
@@ -2648,6 +2614,7 @@
               <a:rPr lang="en-US" smtClean="0"/>
               <a:t>Fourth level</a:t>
             </a:r>
+            <a:endParaRPr lang="en-US" smtClean="0"/>
           </a:p>
           <a:p>
             <a:pPr lvl="4"/>
@@ -2676,8 +2643,6 @@
           <a:p>
             <a:fld id="{4F11CD2E-6D13-2C4E-8136-539B63CC5C00}" type="datetimeFigureOut">
               <a:rPr lang="en-US" smtClean="0"/>
-              <a:pPr/>
-              <a:t>4/30/13</a:t>
             </a:fld>
             <a:endParaRPr lang="en-US"/>
           </a:p>
@@ -2719,8 +2684,6 @@
           <a:p>
             <a:fld id="{AA377F8E-D678-9D4E-954D-A352778F8C46}" type="slidenum">
               <a:rPr lang="en-US" smtClean="0"/>
-              <a:pPr/>
-              <a:t>‹#›</a:t>
             </a:fld>
             <a:endParaRPr lang="en-US"/>
           </a:p>
@@ -2735,7 +2698,7 @@
 </file>
 
 <file path=ppt/slideLayouts/slideLayout2.xml><?xml version="1.0" encoding="utf-8"?>
-<p:sldLayout xmlns:a="http://schemas.openxmlformats.org/drawingml/2006/main" xmlns:r="http://schemas.openxmlformats.org/officeDocument/2006/relationships" xmlns:mc="http://schemas.openxmlformats.org/markup-compatibility/2006" xmlns:mv="urn:schemas-microsoft-com:mac:vml" xmlns:p="http://schemas.openxmlformats.org/presentationml/2006/main" mc:Ignorable="mv" mc:PreserveAttributes="mv:*" type="obj" preserve="1">
+<p:sldLayout xmlns:a="http://schemas.openxmlformats.org/drawingml/2006/main" xmlns:r="http://schemas.openxmlformats.org/officeDocument/2006/relationships" xmlns:p="http://schemas.openxmlformats.org/presentationml/2006/main" type="obj" preserve="1">
   <p:cSld name="Title and Content">
     <p:spTree>
       <p:nvGrpSpPr>
@@ -2794,6 +2757,7 @@
               <a:rPr lang="en-US" smtClean="0"/>
               <a:t>Click to edit Master text styles</a:t>
             </a:r>
+            <a:endParaRPr lang="en-US" smtClean="0"/>
           </a:p>
           <a:p>
             <a:pPr lvl="1"/>
@@ -2801,6 +2765,7 @@
               <a:rPr lang="en-US" smtClean="0"/>
               <a:t>Second level</a:t>
             </a:r>
+            <a:endParaRPr lang="en-US" smtClean="0"/>
           </a:p>
           <a:p>
             <a:pPr lvl="2"/>
@@ -2808,6 +2773,7 @@
               <a:rPr lang="en-US" smtClean="0"/>
               <a:t>Third level</a:t>
             </a:r>
+            <a:endParaRPr lang="en-US" smtClean="0"/>
           </a:p>
           <a:p>
             <a:pPr lvl="3"/>
@@ -2815,6 +2781,7 @@
               <a:rPr lang="en-US" smtClean="0"/>
               <a:t>Fourth level</a:t>
             </a:r>
+            <a:endParaRPr lang="en-US" smtClean="0"/>
           </a:p>
           <a:p>
             <a:pPr lvl="4"/>
@@ -2843,8 +2810,6 @@
           <a:p>
             <a:fld id="{4F11CD2E-6D13-2C4E-8136-539B63CC5C00}" type="datetimeFigureOut">
               <a:rPr lang="en-US" smtClean="0"/>
-              <a:pPr/>
-              <a:t>4/30/13</a:t>
             </a:fld>
             <a:endParaRPr lang="en-US"/>
           </a:p>
@@ -2886,8 +2851,6 @@
           <a:p>
             <a:fld id="{AA377F8E-D678-9D4E-954D-A352778F8C46}" type="slidenum">
               <a:rPr lang="en-US" smtClean="0"/>
-              <a:pPr/>
-              <a:t>‹#›</a:t>
             </a:fld>
             <a:endParaRPr lang="en-US"/>
           </a:p>
@@ -2902,7 +2865,7 @@
 </file>
 
 <file path=ppt/slideLayouts/slideLayout3.xml><?xml version="1.0" encoding="utf-8"?>
-<p:sldLayout xmlns:a="http://schemas.openxmlformats.org/drawingml/2006/main" xmlns:r="http://schemas.openxmlformats.org/officeDocument/2006/relationships" xmlns:mc="http://schemas.openxmlformats.org/markup-compatibility/2006" xmlns:mv="urn:schemas-microsoft-com:mac:vml" xmlns:p="http://schemas.openxmlformats.org/presentationml/2006/main" mc:Ignorable="mv" mc:PreserveAttributes="mv:*" type="secHead" preserve="1">
+<p:sldLayout xmlns:a="http://schemas.openxmlformats.org/drawingml/2006/main" xmlns:r="http://schemas.openxmlformats.org/officeDocument/2006/relationships" xmlns:p="http://schemas.openxmlformats.org/presentationml/2006/main" type="secHead" preserve="1">
   <p:cSld name="Section Header">
     <p:spTree>
       <p:nvGrpSpPr>
@@ -3066,6 +3029,7 @@
               <a:rPr lang="en-US" dirty="0" smtClean="0"/>
               <a:t>Click to edit Master text styles</a:t>
             </a:r>
+            <a:endParaRPr lang="en-US" dirty="0" smtClean="0"/>
           </a:p>
         </p:txBody>
       </p:sp>
@@ -3086,8 +3050,6 @@
           <a:p>
             <a:fld id="{4F11CD2E-6D13-2C4E-8136-539B63CC5C00}" type="datetimeFigureOut">
               <a:rPr lang="en-US" smtClean="0"/>
-              <a:pPr/>
-              <a:t>4/30/13</a:t>
             </a:fld>
             <a:endParaRPr lang="en-US"/>
           </a:p>
@@ -3129,8 +3091,6 @@
           <a:p>
             <a:fld id="{AA377F8E-D678-9D4E-954D-A352778F8C46}" type="slidenum">
               <a:rPr lang="en-US" smtClean="0"/>
-              <a:pPr/>
-              <a:t>‹#›</a:t>
             </a:fld>
             <a:endParaRPr lang="en-US"/>
           </a:p>
@@ -3145,7 +3105,7 @@
 </file>
 
 <file path=ppt/slideLayouts/slideLayout4.xml><?xml version="1.0" encoding="utf-8"?>
-<p:sldLayout xmlns:a="http://schemas.openxmlformats.org/drawingml/2006/main" xmlns:r="http://schemas.openxmlformats.org/officeDocument/2006/relationships" xmlns:mc="http://schemas.openxmlformats.org/markup-compatibility/2006" xmlns:mv="urn:schemas-microsoft-com:mac:vml" xmlns:p="http://schemas.openxmlformats.org/presentationml/2006/main" mc:Ignorable="mv" mc:PreserveAttributes="mv:*" type="twoObj" preserve="1">
+<p:sldLayout xmlns:a="http://schemas.openxmlformats.org/drawingml/2006/main" xmlns:r="http://schemas.openxmlformats.org/officeDocument/2006/relationships" xmlns:p="http://schemas.openxmlformats.org/presentationml/2006/main" type="twoObj" preserve="1">
   <p:cSld name="Two Content">
     <p:spTree>
       <p:nvGrpSpPr>
@@ -3237,6 +3197,7 @@
               <a:rPr lang="en-US" smtClean="0"/>
               <a:t>Click to edit Master text styles</a:t>
             </a:r>
+            <a:endParaRPr lang="en-US" smtClean="0"/>
           </a:p>
           <a:p>
             <a:pPr lvl="1"/>
@@ -3244,6 +3205,7 @@
               <a:rPr lang="en-US" smtClean="0"/>
               <a:t>Second level</a:t>
             </a:r>
+            <a:endParaRPr lang="en-US" smtClean="0"/>
           </a:p>
           <a:p>
             <a:pPr lvl="2"/>
@@ -3251,6 +3213,7 @@
               <a:rPr lang="en-US" smtClean="0"/>
               <a:t>Third level</a:t>
             </a:r>
+            <a:endParaRPr lang="en-US" smtClean="0"/>
           </a:p>
           <a:p>
             <a:pPr lvl="3"/>
@@ -3258,6 +3221,7 @@
               <a:rPr lang="en-US" smtClean="0"/>
               <a:t>Fourth level</a:t>
             </a:r>
+            <a:endParaRPr lang="en-US" smtClean="0"/>
           </a:p>
           <a:p>
             <a:pPr lvl="4"/>
@@ -3322,6 +3286,7 @@
               <a:rPr lang="en-US" smtClean="0"/>
               <a:t>Click to edit Master text styles</a:t>
             </a:r>
+            <a:endParaRPr lang="en-US" smtClean="0"/>
           </a:p>
           <a:p>
             <a:pPr lvl="1"/>
@@ -3329,6 +3294,7 @@
               <a:rPr lang="en-US" smtClean="0"/>
               <a:t>Second level</a:t>
             </a:r>
+            <a:endParaRPr lang="en-US" smtClean="0"/>
           </a:p>
           <a:p>
             <a:pPr lvl="2"/>
@@ -3336,6 +3302,7 @@
               <a:rPr lang="en-US" smtClean="0"/>
               <a:t>Third level</a:t>
             </a:r>
+            <a:endParaRPr lang="en-US" smtClean="0"/>
           </a:p>
           <a:p>
             <a:pPr lvl="3"/>
@@ -3343,6 +3310,7 @@
               <a:rPr lang="en-US" smtClean="0"/>
               <a:t>Fourth level</a:t>
             </a:r>
+            <a:endParaRPr lang="en-US" smtClean="0"/>
           </a:p>
           <a:p>
             <a:pPr lvl="4"/>
@@ -3371,8 +3339,6 @@
           <a:p>
             <a:fld id="{4F11CD2E-6D13-2C4E-8136-539B63CC5C00}" type="datetimeFigureOut">
               <a:rPr lang="en-US" smtClean="0"/>
-              <a:pPr/>
-              <a:t>4/30/13</a:t>
             </a:fld>
             <a:endParaRPr lang="en-US"/>
           </a:p>
@@ -3414,8 +3380,6 @@
           <a:p>
             <a:fld id="{AA377F8E-D678-9D4E-954D-A352778F8C46}" type="slidenum">
               <a:rPr lang="en-US" smtClean="0"/>
-              <a:pPr/>
-              <a:t>‹#›</a:t>
             </a:fld>
             <a:endParaRPr lang="en-US"/>
           </a:p>
@@ -3430,7 +3394,7 @@
 </file>
 
 <file path=ppt/slideLayouts/slideLayout5.xml><?xml version="1.0" encoding="utf-8"?>
-<p:sldLayout xmlns:a="http://schemas.openxmlformats.org/drawingml/2006/main" xmlns:r="http://schemas.openxmlformats.org/officeDocument/2006/relationships" xmlns:mc="http://schemas.openxmlformats.org/markup-compatibility/2006" xmlns:mv="urn:schemas-microsoft-com:mac:vml" xmlns:p="http://schemas.openxmlformats.org/presentationml/2006/main" mc:Ignorable="mv" mc:PreserveAttributes="mv:*" type="twoTxTwoObj" preserve="1">
+<p:sldLayout xmlns:a="http://schemas.openxmlformats.org/drawingml/2006/main" xmlns:r="http://schemas.openxmlformats.org/officeDocument/2006/relationships" xmlns:p="http://schemas.openxmlformats.org/presentationml/2006/main" type="twoTxTwoObj" preserve="1">
   <p:cSld name="Comparison">
     <p:spTree>
       <p:nvGrpSpPr>
@@ -3535,6 +3499,7 @@
               <a:rPr lang="en-US" dirty="0" smtClean="0"/>
               <a:t>Click to edit Master text styles</a:t>
             </a:r>
+            <a:endParaRPr lang="en-US" dirty="0" smtClean="0"/>
           </a:p>
         </p:txBody>
       </p:sp>
@@ -3591,6 +3556,7 @@
               <a:rPr lang="en-US" smtClean="0"/>
               <a:t>Click to edit Master text styles</a:t>
             </a:r>
+            <a:endParaRPr lang="en-US" smtClean="0"/>
           </a:p>
           <a:p>
             <a:pPr lvl="1"/>
@@ -3598,6 +3564,7 @@
               <a:rPr lang="en-US" smtClean="0"/>
               <a:t>Second level</a:t>
             </a:r>
+            <a:endParaRPr lang="en-US" smtClean="0"/>
           </a:p>
           <a:p>
             <a:pPr lvl="2"/>
@@ -3605,6 +3572,7 @@
               <a:rPr lang="en-US" smtClean="0"/>
               <a:t>Third level</a:t>
             </a:r>
+            <a:endParaRPr lang="en-US" smtClean="0"/>
           </a:p>
           <a:p>
             <a:pPr lvl="3"/>
@@ -3612,6 +3580,7 @@
               <a:rPr lang="en-US" smtClean="0"/>
               <a:t>Fourth level</a:t>
             </a:r>
+            <a:endParaRPr lang="en-US" smtClean="0"/>
           </a:p>
           <a:p>
             <a:pPr lvl="4"/>
@@ -3685,6 +3654,7 @@
               <a:rPr lang="en-US" smtClean="0"/>
               <a:t>Click to edit Master text styles</a:t>
             </a:r>
+            <a:endParaRPr lang="en-US" smtClean="0"/>
           </a:p>
         </p:txBody>
       </p:sp>
@@ -3741,6 +3711,7 @@
               <a:rPr lang="en-US" smtClean="0"/>
               <a:t>Click to edit Master text styles</a:t>
             </a:r>
+            <a:endParaRPr lang="en-US" smtClean="0"/>
           </a:p>
           <a:p>
             <a:pPr lvl="1"/>
@@ -3748,6 +3719,7 @@
               <a:rPr lang="en-US" smtClean="0"/>
               <a:t>Second level</a:t>
             </a:r>
+            <a:endParaRPr lang="en-US" smtClean="0"/>
           </a:p>
           <a:p>
             <a:pPr lvl="2"/>
@@ -3755,6 +3727,7 @@
               <a:rPr lang="en-US" smtClean="0"/>
               <a:t>Third level</a:t>
             </a:r>
+            <a:endParaRPr lang="en-US" smtClean="0"/>
           </a:p>
           <a:p>
             <a:pPr lvl="3"/>
@@ -3762,6 +3735,7 @@
               <a:rPr lang="en-US" smtClean="0"/>
               <a:t>Fourth level</a:t>
             </a:r>
+            <a:endParaRPr lang="en-US" smtClean="0"/>
           </a:p>
           <a:p>
             <a:pPr lvl="4"/>
@@ -3790,8 +3764,6 @@
           <a:p>
             <a:fld id="{4F11CD2E-6D13-2C4E-8136-539B63CC5C00}" type="datetimeFigureOut">
               <a:rPr lang="en-US" smtClean="0"/>
-              <a:pPr/>
-              <a:t>4/30/13</a:t>
             </a:fld>
             <a:endParaRPr lang="en-US"/>
           </a:p>
@@ -3833,8 +3805,6 @@
           <a:p>
             <a:fld id="{AA377F8E-D678-9D4E-954D-A352778F8C46}" type="slidenum">
               <a:rPr lang="en-US" smtClean="0"/>
-              <a:pPr/>
-              <a:t>‹#›</a:t>
             </a:fld>
             <a:endParaRPr lang="en-US"/>
           </a:p>
@@ -3849,7 +3819,7 @@
 </file>
 
 <file path=ppt/slideLayouts/slideLayout6.xml><?xml version="1.0" encoding="utf-8"?>
-<p:sldLayout xmlns:a="http://schemas.openxmlformats.org/drawingml/2006/main" xmlns:r="http://schemas.openxmlformats.org/officeDocument/2006/relationships" xmlns:mc="http://schemas.openxmlformats.org/markup-compatibility/2006" xmlns:mv="urn:schemas-microsoft-com:mac:vml" xmlns:p="http://schemas.openxmlformats.org/presentationml/2006/main" mc:Ignorable="mv" mc:PreserveAttributes="mv:*" type="titleOnly" preserve="1">
+<p:sldLayout xmlns:a="http://schemas.openxmlformats.org/drawingml/2006/main" xmlns:r="http://schemas.openxmlformats.org/officeDocument/2006/relationships" xmlns:p="http://schemas.openxmlformats.org/presentationml/2006/main" type="titleOnly" preserve="1">
   <p:cSld name="Title Only">
     <p:spTree>
       <p:nvGrpSpPr>
@@ -3905,8 +3875,6 @@
           <a:p>
             <a:fld id="{4F11CD2E-6D13-2C4E-8136-539B63CC5C00}" type="datetimeFigureOut">
               <a:rPr lang="en-US" smtClean="0"/>
-              <a:pPr/>
-              <a:t>4/30/13</a:t>
             </a:fld>
             <a:endParaRPr lang="en-US"/>
           </a:p>
@@ -3948,8 +3916,6 @@
           <a:p>
             <a:fld id="{AA377F8E-D678-9D4E-954D-A352778F8C46}" type="slidenum">
               <a:rPr lang="en-US" smtClean="0"/>
-              <a:pPr/>
-              <a:t>‹#›</a:t>
             </a:fld>
             <a:endParaRPr lang="en-US"/>
           </a:p>
@@ -3964,7 +3930,7 @@
 </file>
 
 <file path=ppt/slideLayouts/slideLayout7.xml><?xml version="1.0" encoding="utf-8"?>
-<p:sldLayout xmlns:a="http://schemas.openxmlformats.org/drawingml/2006/main" xmlns:r="http://schemas.openxmlformats.org/officeDocument/2006/relationships" xmlns:mc="http://schemas.openxmlformats.org/markup-compatibility/2006" xmlns:mv="urn:schemas-microsoft-com:mac:vml" xmlns:p="http://schemas.openxmlformats.org/presentationml/2006/main" mc:Ignorable="mv" mc:PreserveAttributes="mv:*" type="blank" preserve="1">
+<p:sldLayout xmlns:a="http://schemas.openxmlformats.org/drawingml/2006/main" xmlns:r="http://schemas.openxmlformats.org/officeDocument/2006/relationships" xmlns:p="http://schemas.openxmlformats.org/presentationml/2006/main" type="blank" preserve="1">
   <p:cSld name="Blank">
     <p:spTree>
       <p:nvGrpSpPr>
@@ -3997,8 +3963,6 @@
           <a:p>
             <a:fld id="{4F11CD2E-6D13-2C4E-8136-539B63CC5C00}" type="datetimeFigureOut">
               <a:rPr lang="en-US" smtClean="0"/>
-              <a:pPr/>
-              <a:t>4/30/13</a:t>
             </a:fld>
             <a:endParaRPr lang="en-US"/>
           </a:p>
@@ -4040,8 +4004,6 @@
           <a:p>
             <a:fld id="{AA377F8E-D678-9D4E-954D-A352778F8C46}" type="slidenum">
               <a:rPr lang="en-US" smtClean="0"/>
-              <a:pPr/>
-              <a:t>‹#›</a:t>
             </a:fld>
             <a:endParaRPr lang="en-US"/>
           </a:p>
@@ -4056,7 +4018,7 @@
 </file>
 
 <file path=ppt/slideLayouts/slideLayout8.xml><?xml version="1.0" encoding="utf-8"?>
-<p:sldLayout xmlns:a="http://schemas.openxmlformats.org/drawingml/2006/main" xmlns:r="http://schemas.openxmlformats.org/officeDocument/2006/relationships" xmlns:mc="http://schemas.openxmlformats.org/markup-compatibility/2006" xmlns:mv="urn:schemas-microsoft-com:mac:vml" xmlns:p="http://schemas.openxmlformats.org/presentationml/2006/main" mc:Ignorable="mv" mc:PreserveAttributes="mv:*" type="objTx" preserve="1">
+<p:sldLayout xmlns:a="http://schemas.openxmlformats.org/drawingml/2006/main" xmlns:r="http://schemas.openxmlformats.org/officeDocument/2006/relationships" xmlns:p="http://schemas.openxmlformats.org/presentationml/2006/main" type="objTx" preserve="1">
   <p:cSld name="Content with Caption">
     <p:spTree>
       <p:nvGrpSpPr>
@@ -4157,6 +4119,7 @@
               <a:rPr lang="en-US" smtClean="0"/>
               <a:t>Click to edit Master text styles</a:t>
             </a:r>
+            <a:endParaRPr lang="en-US" smtClean="0"/>
           </a:p>
           <a:p>
             <a:pPr lvl="1"/>
@@ -4164,6 +4127,7 @@
               <a:rPr lang="en-US" smtClean="0"/>
               <a:t>Second level</a:t>
             </a:r>
+            <a:endParaRPr lang="en-US" smtClean="0"/>
           </a:p>
           <a:p>
             <a:pPr lvl="2"/>
@@ -4171,6 +4135,7 @@
               <a:rPr lang="en-US" smtClean="0"/>
               <a:t>Third level</a:t>
             </a:r>
+            <a:endParaRPr lang="en-US" smtClean="0"/>
           </a:p>
           <a:p>
             <a:pPr lvl="3"/>
@@ -4178,6 +4143,7 @@
               <a:rPr lang="en-US" smtClean="0"/>
               <a:t>Fourth level</a:t>
             </a:r>
+            <a:endParaRPr lang="en-US" smtClean="0"/>
           </a:p>
           <a:p>
             <a:pPr lvl="4"/>
@@ -4251,6 +4217,7 @@
               <a:rPr lang="en-US" smtClean="0"/>
               <a:t>Click to edit Master text styles</a:t>
             </a:r>
+            <a:endParaRPr lang="en-US" smtClean="0"/>
           </a:p>
         </p:txBody>
       </p:sp>
@@ -4271,8 +4238,6 @@
           <a:p>
             <a:fld id="{4F11CD2E-6D13-2C4E-8136-539B63CC5C00}" type="datetimeFigureOut">
               <a:rPr lang="en-US" smtClean="0"/>
-              <a:pPr/>
-              <a:t>4/30/13</a:t>
             </a:fld>
             <a:endParaRPr lang="en-US"/>
           </a:p>
@@ -4314,8 +4279,6 @@
           <a:p>
             <a:fld id="{AA377F8E-D678-9D4E-954D-A352778F8C46}" type="slidenum">
               <a:rPr lang="en-US" smtClean="0"/>
-              <a:pPr/>
-              <a:t>‹#›</a:t>
             </a:fld>
             <a:endParaRPr lang="en-US"/>
           </a:p>
@@ -4330,7 +4293,7 @@
 </file>
 
 <file path=ppt/slideLayouts/slideLayout9.xml><?xml version="1.0" encoding="utf-8"?>
-<p:sldLayout xmlns:a="http://schemas.openxmlformats.org/drawingml/2006/main" xmlns:r="http://schemas.openxmlformats.org/officeDocument/2006/relationships" xmlns:mc="http://schemas.openxmlformats.org/markup-compatibility/2006" xmlns:mv="urn:schemas-microsoft-com:mac:vml" xmlns:p="http://schemas.openxmlformats.org/presentationml/2006/main" mc:Ignorable="mv" mc:PreserveAttributes="mv:*" type="picTx" preserve="1">
+<p:sldLayout xmlns:a="http://schemas.openxmlformats.org/drawingml/2006/main" xmlns:r="http://schemas.openxmlformats.org/officeDocument/2006/relationships" xmlns:p="http://schemas.openxmlformats.org/presentationml/2006/main" type="picTx" preserve="1">
   <p:cSld name="Picture with Caption">
     <p:spTree>
       <p:nvGrpSpPr>
@@ -4501,6 +4464,7 @@
               <a:rPr lang="en-US" smtClean="0"/>
               <a:t>Click to edit Master text styles</a:t>
             </a:r>
+            <a:endParaRPr lang="en-US" smtClean="0"/>
           </a:p>
         </p:txBody>
       </p:sp>
@@ -4521,8 +4485,6 @@
           <a:p>
             <a:fld id="{4F11CD2E-6D13-2C4E-8136-539B63CC5C00}" type="datetimeFigureOut">
               <a:rPr lang="en-US" smtClean="0"/>
-              <a:pPr/>
-              <a:t>4/30/13</a:t>
             </a:fld>
             <a:endParaRPr lang="en-US"/>
           </a:p>
@@ -4564,8 +4526,6 @@
           <a:p>
             <a:fld id="{AA377F8E-D678-9D4E-954D-A352778F8C46}" type="slidenum">
               <a:rPr lang="en-US" smtClean="0"/>
-              <a:pPr/>
-              <a:t>‹#›</a:t>
             </a:fld>
             <a:endParaRPr lang="en-US"/>
           </a:p>
@@ -4580,7 +4540,7 @@
 </file>
 
 <file path=ppt/slideMasters/slideMaster1.xml><?xml version="1.0" encoding="utf-8"?>
-<p:sldMaster xmlns:a="http://schemas.openxmlformats.org/drawingml/2006/main" xmlns:r="http://schemas.openxmlformats.org/officeDocument/2006/relationships" xmlns:mc="http://schemas.openxmlformats.org/markup-compatibility/2006" xmlns:mv="urn:schemas-microsoft-com:mac:vml" xmlns:p="http://schemas.openxmlformats.org/presentationml/2006/main" mc:Ignorable="mv" mc:PreserveAttributes="mv:*">
+<p:sldMaster xmlns:a="http://schemas.openxmlformats.org/drawingml/2006/main" xmlns:r="http://schemas.openxmlformats.org/officeDocument/2006/relationships" xmlns:p="http://schemas.openxmlformats.org/presentationml/2006/main">
   <p:cSld>
     <p:bg>
       <p:bgRef idx="1001">
@@ -4664,6 +4624,7 @@
               <a:rPr lang="en-US" smtClean="0"/>
               <a:t>Click to edit Master text styles</a:t>
             </a:r>
+            <a:endParaRPr lang="en-US" smtClean="0"/>
           </a:p>
           <a:p>
             <a:pPr lvl="1"/>
@@ -4671,6 +4632,7 @@
               <a:rPr lang="en-US" smtClean="0"/>
               <a:t>Second level</a:t>
             </a:r>
+            <a:endParaRPr lang="en-US" smtClean="0"/>
           </a:p>
           <a:p>
             <a:pPr lvl="2"/>
@@ -4678,6 +4640,7 @@
               <a:rPr lang="en-US" smtClean="0"/>
               <a:t>Third level</a:t>
             </a:r>
+            <a:endParaRPr lang="en-US" smtClean="0"/>
           </a:p>
           <a:p>
             <a:pPr lvl="3"/>
@@ -4685,6 +4648,7 @@
               <a:rPr lang="en-US" smtClean="0"/>
               <a:t>Fourth level</a:t>
             </a:r>
+            <a:endParaRPr lang="en-US" smtClean="0"/>
           </a:p>
           <a:p>
             <a:pPr lvl="4"/>
@@ -4733,8 +4697,6 @@
           <a:p>
             <a:fld id="{4F11CD2E-6D13-2C4E-8136-539B63CC5C00}" type="datetimeFigureOut">
               <a:rPr lang="en-US" smtClean="0"/>
-              <a:pPr/>
-              <a:t>4/30/13</a:t>
             </a:fld>
             <a:endParaRPr lang="en-US"/>
           </a:p>
@@ -4816,8 +4778,6 @@
           <a:p>
             <a:fld id="{AA377F8E-D678-9D4E-954D-A352778F8C46}" type="slidenum">
               <a:rPr lang="en-US" smtClean="0"/>
-              <a:pPr/>
-              <a:t>‹#›</a:t>
             </a:fld>
             <a:endParaRPr lang="en-US"/>
           </a:p>
@@ -4864,7 +4824,7 @@
         <a:spcBef>
           <a:spcPct val="20000"/>
         </a:spcBef>
-        <a:buFont typeface="Arial"/>
+        <a:buFont typeface="Arial" panose="020B0604020202020204"/>
         <a:buChar char="•"/>
         <a:defRPr sz="3200" kern="1200">
           <a:solidFill>
@@ -4879,7 +4839,7 @@
         <a:spcBef>
           <a:spcPct val="20000"/>
         </a:spcBef>
-        <a:buFont typeface="Arial"/>
+        <a:buFont typeface="Arial" panose="020B0604020202020204"/>
         <a:buChar char="–"/>
         <a:defRPr sz="2800" kern="1200">
           <a:solidFill>
@@ -4894,7 +4854,7 @@
         <a:spcBef>
           <a:spcPct val="20000"/>
         </a:spcBef>
-        <a:buFont typeface="Arial"/>
+        <a:buFont typeface="Arial" panose="020B0604020202020204"/>
         <a:buChar char="•"/>
         <a:defRPr sz="2400" kern="1200">
           <a:solidFill>
@@ -4909,7 +4869,7 @@
         <a:spcBef>
           <a:spcPct val="20000"/>
         </a:spcBef>
-        <a:buFont typeface="Arial"/>
+        <a:buFont typeface="Arial" panose="020B0604020202020204"/>
         <a:buChar char="–"/>
         <a:defRPr sz="2000" kern="1200">
           <a:solidFill>
@@ -4924,7 +4884,7 @@
         <a:spcBef>
           <a:spcPct val="20000"/>
         </a:spcBef>
-        <a:buFont typeface="Arial"/>
+        <a:buFont typeface="Arial" panose="020B0604020202020204"/>
         <a:buChar char="»"/>
         <a:defRPr sz="2000" kern="1200">
           <a:solidFill>
@@ -4939,7 +4899,7 @@
         <a:spcBef>
           <a:spcPct val="20000"/>
         </a:spcBef>
-        <a:buFont typeface="Arial"/>
+        <a:buFont typeface="Arial" panose="020B0604020202020204"/>
         <a:buChar char="•"/>
         <a:defRPr sz="2000" kern="1200">
           <a:solidFill>
@@ -4954,7 +4914,7 @@
         <a:spcBef>
           <a:spcPct val="20000"/>
         </a:spcBef>
-        <a:buFont typeface="Arial"/>
+        <a:buFont typeface="Arial" panose="020B0604020202020204"/>
         <a:buChar char="•"/>
         <a:defRPr sz="2000" kern="1200">
           <a:solidFill>
@@ -4969,7 +4929,7 @@
         <a:spcBef>
           <a:spcPct val="20000"/>
         </a:spcBef>
-        <a:buFont typeface="Arial"/>
+        <a:buFont typeface="Arial" panose="020B0604020202020204"/>
         <a:buChar char="•"/>
         <a:defRPr sz="2000" kern="1200">
           <a:solidFill>
@@ -4984,7 +4944,7 @@
         <a:spcBef>
           <a:spcPct val="20000"/>
         </a:spcBef>
-        <a:buFont typeface="Arial"/>
+        <a:buFont typeface="Arial" panose="020B0604020202020204"/>
         <a:buChar char="•"/>
         <a:defRPr sz="2000" kern="1200">
           <a:solidFill>
@@ -5096,7 +5056,7 @@
 </file>
 
 <file path=ppt/slides/slide1.xml><?xml version="1.0" encoding="utf-8"?>
-<p:sld xmlns:a="http://schemas.openxmlformats.org/drawingml/2006/main" xmlns:r="http://schemas.openxmlformats.org/officeDocument/2006/relationships" xmlns:mc="http://schemas.openxmlformats.org/markup-compatibility/2006" xmlns:mv="urn:schemas-microsoft-com:mac:vml" xmlns:p="http://schemas.openxmlformats.org/presentationml/2006/main" mc:Ignorable="mv" mc:PreserveAttributes="mv:*">
+<p:sld xmlns:a="http://schemas.openxmlformats.org/drawingml/2006/main" xmlns:r="http://schemas.openxmlformats.org/officeDocument/2006/relationships" xmlns:p="http://schemas.openxmlformats.org/presentationml/2006/main">
   <p:cSld>
     <p:spTree>
       <p:nvGrpSpPr>
@@ -5162,16 +5122,13 @@
               <a:rPr lang="en-US" dirty="0" smtClean="0"/>
               <a:t>Dave Kleinschmidt</a:t>
             </a:r>
+            <a:endParaRPr lang="en-US" dirty="0" smtClean="0"/>
           </a:p>
           <a:p>
             <a:pPr algn="l"/>
             <a:r>
               <a:rPr lang="en-US" sz="2300" dirty="0" smtClean="0"/>
-              <a:t>BST 413 // </a:t>
-            </a:r>
-            <a:r>
-              <a:rPr lang="en-US" sz="2300" dirty="0" smtClean="0"/>
-              <a:t>May 1, 2013</a:t>
+              <a:t>BST 413 // May 1, 2013</a:t>
             </a:r>
             <a:endParaRPr lang="en-US" sz="2300" dirty="0"/>
           </a:p>
@@ -5193,7 +5150,7 @@
 </file>
 
 <file path=ppt/slides/slide10.xml><?xml version="1.0" encoding="utf-8"?>
-<p:sld xmlns:a="http://schemas.openxmlformats.org/drawingml/2006/main" xmlns:r="http://schemas.openxmlformats.org/officeDocument/2006/relationships" xmlns:mc="http://schemas.openxmlformats.org/markup-compatibility/2006" xmlns:mv="urn:schemas-microsoft-com:mac:vml" xmlns:p="http://schemas.openxmlformats.org/presentationml/2006/main" mc:Ignorable="mv" mc:PreserveAttributes="mv:*">
+<p:sld xmlns:a="http://schemas.openxmlformats.org/drawingml/2006/main" xmlns:r="http://schemas.openxmlformats.org/officeDocument/2006/relationships" xmlns:p="http://schemas.openxmlformats.org/presentationml/2006/main">
   <p:cSld>
     <p:spTree>
       <p:nvGrpSpPr>
@@ -5221,14 +5178,12 @@
         </p:nvSpPr>
         <p:spPr/>
         <p:txBody>
-          <a:bodyPr>
-            <a:normAutofit fontScale="90000"/>
-          </a:bodyPr>
+          <a:bodyPr/>
           <a:lstStyle/>
           <a:p>
             <a:r>
               <a:rPr lang="en-US" dirty="0" smtClean="0"/>
-              <a:t>FIT USING GIBBS SAMPLING (JAGS/BUGS)</a:t>
+              <a:t>Questions</a:t>
             </a:r>
             <a:endParaRPr lang="en-US" dirty="0"/>
           </a:p>
@@ -5244,377 +5199,31 @@
             <p:ph idx="1"/>
           </p:nvPr>
         </p:nvSpPr>
-        <p:spPr>
-          <a:xfrm>
-            <a:off x="457200" y="1917700"/>
-            <a:ext cx="8686800" cy="4208463"/>
-          </a:xfrm>
-        </p:spPr>
-        <p:txBody>
-          <a:bodyPr>
-            <a:normAutofit/>
-          </a:bodyPr>
-          <a:lstStyle/>
-          <a:p>
-            <a:pPr>
-              <a:buNone/>
-            </a:pPr>
-            <a:r>
-              <a:rPr lang="en-US" sz="1200" dirty="0" smtClean="0">
-                <a:latin typeface="Monaco"/>
-                <a:cs typeface="Monaco"/>
-              </a:rPr>
-              <a:t>model {</a:t>
-            </a:r>
-          </a:p>
-          <a:p>
-            <a:pPr>
-              <a:buNone/>
-            </a:pPr>
-            <a:r>
-              <a:rPr lang="en-US" sz="1200" dirty="0" smtClean="0">
-                <a:latin typeface="Monaco"/>
-                <a:cs typeface="Monaco"/>
-              </a:rPr>
-              <a:t>    for (</a:t>
-            </a:r>
-            <a:r>
-              <a:rPr lang="en-US" sz="1200" dirty="0" err="1" smtClean="0">
-                <a:latin typeface="Monaco"/>
-                <a:cs typeface="Monaco"/>
-              </a:rPr>
-              <a:t>c</a:t>
-            </a:r>
-            <a:r>
-              <a:rPr lang="en-US" sz="1200" dirty="0" smtClean="0">
-                <a:latin typeface="Monaco"/>
-                <a:cs typeface="Monaco"/>
-              </a:rPr>
-              <a:t> in 1:Ncond) {</a:t>
-            </a:r>
-          </a:p>
-          <a:p>
-            <a:pPr>
-              <a:buNone/>
-            </a:pPr>
-            <a:r>
-              <a:rPr lang="en-US" sz="1200" dirty="0" smtClean="0">
-                <a:latin typeface="Monaco"/>
-                <a:cs typeface="Monaco"/>
-              </a:rPr>
-              <a:t>        </a:t>
-            </a:r>
-            <a:r>
-              <a:rPr lang="en-US" sz="1200" dirty="0" err="1" smtClean="0">
-                <a:latin typeface="Monaco"/>
-                <a:cs typeface="Monaco"/>
-              </a:rPr>
-              <a:t>intercept[c</a:t>
-            </a:r>
-            <a:r>
-              <a:rPr lang="en-US" sz="1200" dirty="0" smtClean="0">
-                <a:latin typeface="Monaco"/>
-                <a:cs typeface="Monaco"/>
-              </a:rPr>
-              <a:t>] ~ dnorm(0, 1e-3)</a:t>
-            </a:r>
-          </a:p>
-          <a:p>
-            <a:pPr>
-              <a:buNone/>
-            </a:pPr>
-            <a:r>
-              <a:rPr lang="en-US" sz="1200" dirty="0" smtClean="0">
-                <a:latin typeface="Monaco"/>
-                <a:cs typeface="Monaco"/>
-              </a:rPr>
-              <a:t>        </a:t>
-            </a:r>
-            <a:r>
-              <a:rPr lang="en-US" sz="1200" dirty="0" err="1" smtClean="0">
-                <a:latin typeface="Monaco"/>
-                <a:cs typeface="Monaco"/>
-              </a:rPr>
-              <a:t>slope[c</a:t>
-            </a:r>
-            <a:r>
-              <a:rPr lang="en-US" sz="1200" dirty="0" smtClean="0">
-                <a:latin typeface="Monaco"/>
-                <a:cs typeface="Monaco"/>
-              </a:rPr>
-              <a:t>] ~ dnorm(0, 1e-3)</a:t>
-            </a:r>
-          </a:p>
-          <a:p>
-            <a:pPr>
-              <a:buNone/>
-            </a:pPr>
-            <a:r>
-              <a:rPr lang="en-US" sz="1200" dirty="0" smtClean="0">
-                <a:latin typeface="Monaco"/>
-                <a:cs typeface="Monaco"/>
-              </a:rPr>
-              <a:t>        for (block in 1:Nblock) {</a:t>
-            </a:r>
-          </a:p>
-          <a:p>
-            <a:pPr>
-              <a:buNone/>
-            </a:pPr>
-            <a:r>
-              <a:rPr lang="en-US" sz="1200" dirty="0" smtClean="0">
-                <a:latin typeface="Monaco"/>
-                <a:cs typeface="Monaco"/>
-              </a:rPr>
-              <a:t>            </a:t>
-            </a:r>
-            <a:r>
-              <a:rPr lang="en-US" sz="1200" dirty="0" err="1" smtClean="0">
-                <a:latin typeface="Monaco"/>
-                <a:cs typeface="Monaco"/>
-              </a:rPr>
-              <a:t>logit(theta[block</a:t>
-            </a:r>
-            <a:r>
-              <a:rPr lang="en-US" sz="1200" dirty="0" smtClean="0">
-                <a:latin typeface="Monaco"/>
-                <a:cs typeface="Monaco"/>
-              </a:rPr>
-              <a:t>, </a:t>
-            </a:r>
-            <a:r>
-              <a:rPr lang="en-US" sz="1200" dirty="0" err="1" smtClean="0">
-                <a:latin typeface="Monaco"/>
-                <a:cs typeface="Monaco"/>
-              </a:rPr>
-              <a:t>c</a:t>
-            </a:r>
-            <a:r>
-              <a:rPr lang="en-US" sz="1200" dirty="0" smtClean="0">
-                <a:latin typeface="Monaco"/>
-                <a:cs typeface="Monaco"/>
-              </a:rPr>
-              <a:t>]) &lt;- </a:t>
-            </a:r>
-            <a:r>
-              <a:rPr lang="en-US" sz="1200" dirty="0" err="1" smtClean="0">
-                <a:latin typeface="Monaco"/>
-                <a:cs typeface="Monaco"/>
-              </a:rPr>
-              <a:t>intercept[c</a:t>
-            </a:r>
-            <a:r>
-              <a:rPr lang="en-US" sz="1200" dirty="0" smtClean="0">
-                <a:latin typeface="Monaco"/>
-                <a:cs typeface="Monaco"/>
-              </a:rPr>
-              <a:t>] + </a:t>
-            </a:r>
-            <a:r>
-              <a:rPr lang="en-US" sz="1200" dirty="0" err="1" smtClean="0">
-                <a:latin typeface="Monaco"/>
-                <a:cs typeface="Monaco"/>
-              </a:rPr>
-              <a:t>slope[c</a:t>
-            </a:r>
-            <a:r>
-              <a:rPr lang="en-US" sz="1200" dirty="0" smtClean="0">
-                <a:latin typeface="Monaco"/>
-                <a:cs typeface="Monaco"/>
-              </a:rPr>
-              <a:t>] * (block - Nblock/2 - 0.5)</a:t>
-            </a:r>
-          </a:p>
-          <a:p>
-            <a:pPr>
-              <a:buNone/>
-            </a:pPr>
-            <a:r>
-              <a:rPr lang="en-US" sz="1200" dirty="0" smtClean="0">
-                <a:latin typeface="Monaco"/>
-                <a:cs typeface="Monaco"/>
-              </a:rPr>
-              <a:t>        }</a:t>
-            </a:r>
-          </a:p>
-          <a:p>
-            <a:pPr>
-              <a:buNone/>
-            </a:pPr>
-            <a:r>
-              <a:rPr lang="en-US" sz="1200" dirty="0" smtClean="0">
-                <a:latin typeface="Monaco"/>
-                <a:cs typeface="Monaco"/>
-              </a:rPr>
-              <a:t>    </a:t>
-            </a:r>
-            <a:r>
-              <a:rPr lang="en-US" sz="1200" dirty="0" smtClean="0">
-                <a:latin typeface="Monaco"/>
-                <a:cs typeface="Monaco"/>
-              </a:rPr>
-              <a:t>}</a:t>
-            </a:r>
-          </a:p>
-          <a:p>
-            <a:pPr>
-              <a:buNone/>
-            </a:pPr>
-            <a:r>
-              <a:rPr lang="en-US" sz="1200" dirty="0" smtClean="0">
-                <a:latin typeface="Monaco"/>
-                <a:cs typeface="Monaco"/>
-              </a:rPr>
-              <a:t>    for (</a:t>
-            </a:r>
-            <a:r>
-              <a:rPr lang="en-US" sz="1200" dirty="0" err="1" smtClean="0">
-                <a:latin typeface="Monaco"/>
-                <a:cs typeface="Monaco"/>
-              </a:rPr>
-              <a:t>subj</a:t>
-            </a:r>
-            <a:r>
-              <a:rPr lang="en-US" sz="1200" dirty="0" smtClean="0">
-                <a:latin typeface="Monaco"/>
-                <a:cs typeface="Monaco"/>
-              </a:rPr>
-              <a:t> in 1:Nsubj) {</a:t>
-            </a:r>
-          </a:p>
-          <a:p>
-            <a:pPr>
-              <a:buNone/>
-            </a:pPr>
-            <a:r>
-              <a:rPr lang="en-US" sz="1200" dirty="0" smtClean="0">
-                <a:latin typeface="Monaco"/>
-                <a:cs typeface="Monaco"/>
-              </a:rPr>
-              <a:t>        for (block in 1:Nblock) {</a:t>
-            </a:r>
-          </a:p>
-          <a:p>
-            <a:pPr>
-              <a:buNone/>
-            </a:pPr>
-            <a:r>
-              <a:rPr lang="en-US" sz="1200" dirty="0" smtClean="0">
-                <a:latin typeface="Monaco"/>
-                <a:cs typeface="Monaco"/>
-              </a:rPr>
-              <a:t>           </a:t>
-            </a:r>
-            <a:r>
-              <a:rPr lang="en-US" sz="1200" dirty="0" smtClean="0">
-                <a:latin typeface="Monaco"/>
-                <a:cs typeface="Monaco"/>
-              </a:rPr>
-              <a:t> </a:t>
-            </a:r>
-            <a:r>
-              <a:rPr lang="en-US" sz="1200" dirty="0" err="1" smtClean="0">
-                <a:latin typeface="Monaco"/>
-                <a:cs typeface="Monaco"/>
-              </a:rPr>
-              <a:t>y[</a:t>
-            </a:r>
-            <a:r>
-              <a:rPr lang="en-US" sz="1200" dirty="0" err="1" smtClean="0">
-                <a:latin typeface="Monaco"/>
-                <a:cs typeface="Monaco"/>
-              </a:rPr>
-              <a:t>subj</a:t>
-            </a:r>
-            <a:r>
-              <a:rPr lang="en-US" sz="1200" dirty="0" smtClean="0">
-                <a:latin typeface="Monaco"/>
-                <a:cs typeface="Monaco"/>
-              </a:rPr>
-              <a:t>, block] ~ </a:t>
-            </a:r>
-            <a:r>
-              <a:rPr lang="en-US" sz="1200" dirty="0" err="1" smtClean="0">
-                <a:latin typeface="Monaco"/>
-                <a:cs typeface="Monaco"/>
-              </a:rPr>
-              <a:t>dbinom(theta[block</a:t>
-            </a:r>
-            <a:r>
-              <a:rPr lang="en-US" sz="1200" dirty="0" smtClean="0">
-                <a:latin typeface="Monaco"/>
-                <a:cs typeface="Monaco"/>
-              </a:rPr>
-              <a:t>, </a:t>
-            </a:r>
-            <a:r>
-              <a:rPr lang="en-US" sz="1200" dirty="0" err="1" smtClean="0">
-                <a:latin typeface="Monaco"/>
-                <a:cs typeface="Monaco"/>
-              </a:rPr>
-              <a:t>cond[subj</a:t>
-            </a:r>
-            <a:r>
-              <a:rPr lang="en-US" sz="1200" dirty="0" smtClean="0">
-                <a:latin typeface="Monaco"/>
-                <a:cs typeface="Monaco"/>
-              </a:rPr>
-              <a:t>]], </a:t>
-            </a:r>
-            <a:r>
-              <a:rPr lang="en-US" sz="1200" dirty="0" err="1" smtClean="0">
-                <a:latin typeface="Monaco"/>
-                <a:cs typeface="Monaco"/>
-              </a:rPr>
-              <a:t>n[subj</a:t>
-            </a:r>
-            <a:r>
-              <a:rPr lang="en-US" sz="1200" dirty="0" smtClean="0">
-                <a:latin typeface="Monaco"/>
-                <a:cs typeface="Monaco"/>
-              </a:rPr>
-              <a:t>, block])</a:t>
-            </a:r>
-          </a:p>
-          <a:p>
-            <a:pPr>
-              <a:buNone/>
-            </a:pPr>
-            <a:r>
-              <a:rPr lang="en-US" sz="1200" dirty="0" smtClean="0">
-                <a:latin typeface="Monaco"/>
-                <a:cs typeface="Monaco"/>
-              </a:rPr>
-              <a:t>        }</a:t>
-            </a:r>
-          </a:p>
-          <a:p>
-            <a:pPr>
-              <a:buNone/>
-            </a:pPr>
-            <a:r>
-              <a:rPr lang="en-US" sz="1200" dirty="0" smtClean="0">
-                <a:latin typeface="Monaco"/>
-                <a:cs typeface="Monaco"/>
-              </a:rPr>
-              <a:t>    }</a:t>
-            </a:r>
-          </a:p>
-          <a:p>
-            <a:pPr>
-              <a:buNone/>
-            </a:pPr>
-            <a:r>
-              <a:rPr lang="en-US" sz="1200" dirty="0" smtClean="0">
-                <a:latin typeface="Monaco"/>
-                <a:cs typeface="Monaco"/>
-              </a:rPr>
-              <a:t>}</a:t>
-            </a:r>
-            <a:endParaRPr lang="en-US" sz="1200" dirty="0">
-              <a:latin typeface="Monaco"/>
-              <a:cs typeface="Monaco"/>
-            </a:endParaRPr>
+        <p:spPr/>
+        <p:txBody>
+          <a:bodyPr/>
+          <a:lstStyle/>
+          <a:p>
+            <a:r>
+              <a:rPr lang="en-US" dirty="0" smtClean="0"/>
+              <a:t>What are the effects of experimental conditions on </a:t>
+            </a:r>
+            <a:r>
+              <a:rPr lang="en-US" i="1" dirty="0" smtClean="0"/>
+              <a:t>who</a:t>
+            </a:r>
+            <a:r>
+              <a:rPr lang="en-US" dirty="0" smtClean="0"/>
+              <a:t> learns?</a:t>
+            </a:r>
+            <a:endParaRPr lang="en-US" i="1" dirty="0" smtClean="0"/>
+          </a:p>
+          <a:p>
+            <a:r>
+              <a:rPr lang="en-US" dirty="0" smtClean="0"/>
+              <a:t>On how well/fast they learn?</a:t>
+            </a:r>
+            <a:endParaRPr lang="en-US" dirty="0" smtClean="0"/>
           </a:p>
         </p:txBody>
       </p:sp>
@@ -5623,18 +5232,11 @@
   <p:clrMapOvr>
     <a:masterClrMapping/>
   </p:clrMapOvr>
-  <p:timing>
-    <p:tnLst>
-      <p:par>
-        <p:cTn id="1" dur="indefinite" restart="never" nodeType="tmRoot"/>
-      </p:par>
-    </p:tnLst>
-  </p:timing>
 </p:sld>
 </file>
 
 <file path=ppt/slides/slide11.xml><?xml version="1.0" encoding="utf-8"?>
-<p:sld xmlns:a="http://schemas.openxmlformats.org/drawingml/2006/main" xmlns:r="http://schemas.openxmlformats.org/officeDocument/2006/relationships" xmlns:mc="http://schemas.openxmlformats.org/markup-compatibility/2006" xmlns:mv="urn:schemas-microsoft-com:mac:vml" xmlns:p="http://schemas.openxmlformats.org/presentationml/2006/main" mc:Ignorable="mv" mc:PreserveAttributes="mv:*">
+<p:sld xmlns:a="http://schemas.openxmlformats.org/drawingml/2006/main" xmlns:r="http://schemas.openxmlformats.org/officeDocument/2006/relationships" xmlns:p="http://schemas.openxmlformats.org/presentationml/2006/main">
   <p:cSld>
     <p:spTree>
       <p:nvGrpSpPr>
@@ -5662,12 +5264,14 @@
         </p:nvSpPr>
         <p:spPr/>
         <p:txBody>
-          <a:bodyPr/>
+          <a:bodyPr>
+            <a:normAutofit fontScale="90000"/>
+          </a:bodyPr>
           <a:lstStyle/>
           <a:p>
             <a:r>
               <a:rPr lang="en-US" dirty="0" smtClean="0"/>
-              <a:t>Logistic regression fits</a:t>
+              <a:t>LEARNING CURVE MODEL: BAYESIAN LOGISTIC REGRESSION </a:t>
             </a:r>
             <a:endParaRPr lang="en-US" dirty="0"/>
           </a:p>
@@ -5675,19 +5279,16 @@
       </p:sp>
       <p:pic>
         <p:nvPicPr>
-          <p:cNvPr id="6" name="Content Placeholder 5" descr="alllearner-preds.pdf"/>
+          <p:cNvPr id="7" name="Picture 6" descr="latex-image-1.pdf"/>
           <p:cNvPicPr>
-            <a:picLocks noGrp="1" noChangeAspect="1"/>
+            <a:picLocks noChangeAspect="1"/>
           </p:cNvPicPr>
-          <p:nvPr>
-            <p:ph idx="1"/>
-          </p:nvPr>
+          <p:nvPr/>
         </p:nvPicPr>
-        <mc:AlternateContent>
-          <mc:Choice xmlns:ma="http://schemas.microsoft.com/office/mac/drawingml/2008/main" Requires="ma">
+        <mc:AlternateContent xmlns:mc="http://schemas.openxmlformats.org/markup-compatibility/2006">
+          <mc:Choice xmlns:mv="urn:schemas-microsoft-com:mac:vml" xmlns:ma="http://schemas.microsoft.com/office/mac/drawingml/2008/main" Requires="ma">
             <p:blipFill>
-              <a:blip r:embed="rId3"/>
-              <a:srcRect t="-18184" b="-18184"/>
+              <a:blip r:embed="rId1"/>
               <a:stretch>
                 <a:fillRect/>
               </a:stretch>
@@ -5695,15 +5296,22 @@
           </mc:Choice>
           <mc:Fallback>
             <p:blipFill>
-              <a:blip r:embed="rId4"/>
-              <a:srcRect t="-18184" b="-18184"/>
+              <a:blip r:embed="rId2"/>
               <a:stretch>
                 <a:fillRect/>
               </a:stretch>
             </p:blipFill>
           </mc:Fallback>
         </mc:AlternateContent>
-        <p:spPr/>
+        <p:spPr>
+          <a:xfrm>
+            <a:off x="457200" y="2622585"/>
+            <a:ext cx="6769100" cy="1905000"/>
+          </a:xfrm>
+          <a:prstGeom prst="rect">
+            <a:avLst/>
+          </a:prstGeom>
+        </p:spPr>
       </p:pic>
     </p:spTree>
   </p:cSld>
@@ -5721,7 +5329,7 @@
 </file>
 
 <file path=ppt/slides/slide12.xml><?xml version="1.0" encoding="utf-8"?>
-<p:sld xmlns:a="http://schemas.openxmlformats.org/drawingml/2006/main" xmlns:r="http://schemas.openxmlformats.org/officeDocument/2006/relationships" xmlns:mc="http://schemas.openxmlformats.org/markup-compatibility/2006" xmlns:mv="urn:schemas-microsoft-com:mac:vml" xmlns:p="http://schemas.openxmlformats.org/presentationml/2006/main" mc:Ignorable="mv" mc:PreserveAttributes="mv:*">
+<p:sld xmlns:a="http://schemas.openxmlformats.org/drawingml/2006/main" xmlns:r="http://schemas.openxmlformats.org/officeDocument/2006/relationships" xmlns:p="http://schemas.openxmlformats.org/presentationml/2006/main">
   <p:cSld>
     <p:spTree>
       <p:nvGrpSpPr>
@@ -5749,6 +5357,565 @@
         </p:nvSpPr>
         <p:spPr/>
         <p:txBody>
+          <a:bodyPr>
+            <a:normAutofit fontScale="90000"/>
+          </a:bodyPr>
+          <a:lstStyle/>
+          <a:p>
+            <a:r>
+              <a:rPr lang="en-US" dirty="0" smtClean="0"/>
+              <a:t>FIT USING GIBBS SAMPLING (JAGS/BUGS)</a:t>
+            </a:r>
+            <a:endParaRPr lang="en-US" dirty="0"/>
+          </a:p>
+        </p:txBody>
+      </p:sp>
+      <p:sp>
+        <p:nvSpPr>
+          <p:cNvPr id="3" name="Content Placeholder 2"/>
+          <p:cNvSpPr>
+            <a:spLocks noGrp="1"/>
+          </p:cNvSpPr>
+          <p:nvPr>
+            <p:ph idx="1"/>
+          </p:nvPr>
+        </p:nvSpPr>
+        <p:spPr>
+          <a:xfrm>
+            <a:off x="457200" y="1917700"/>
+            <a:ext cx="8686800" cy="4208463"/>
+          </a:xfrm>
+        </p:spPr>
+        <p:txBody>
+          <a:bodyPr>
+            <a:normAutofit/>
+          </a:bodyPr>
+          <a:lstStyle/>
+          <a:p>
+            <a:pPr>
+              <a:buNone/>
+            </a:pPr>
+            <a:r>
+              <a:rPr lang="en-US" sz="1200" dirty="0" smtClean="0">
+                <a:latin typeface="Monaco"/>
+                <a:cs typeface="Monaco"/>
+              </a:rPr>
+              <a:t>model {</a:t>
+            </a:r>
+            <a:endParaRPr lang="en-US" sz="1200" dirty="0" smtClean="0">
+              <a:latin typeface="Monaco"/>
+              <a:cs typeface="Monaco"/>
+            </a:endParaRPr>
+          </a:p>
+          <a:p>
+            <a:pPr>
+              <a:buNone/>
+            </a:pPr>
+            <a:r>
+              <a:rPr lang="en-US" sz="1200" dirty="0" smtClean="0">
+                <a:latin typeface="Monaco"/>
+                <a:cs typeface="Monaco"/>
+              </a:rPr>
+              <a:t>    for (</a:t>
+            </a:r>
+            <a:r>
+              <a:rPr lang="en-US" sz="1200" dirty="0" err="1" smtClean="0">
+                <a:latin typeface="Monaco"/>
+                <a:cs typeface="Monaco"/>
+              </a:rPr>
+              <a:t>c</a:t>
+            </a:r>
+            <a:r>
+              <a:rPr lang="en-US" sz="1200" dirty="0" smtClean="0">
+                <a:latin typeface="Monaco"/>
+                <a:cs typeface="Monaco"/>
+              </a:rPr>
+              <a:t> in 1:Ncond) {</a:t>
+            </a:r>
+            <a:endParaRPr lang="en-US" sz="1200" dirty="0" smtClean="0">
+              <a:latin typeface="Monaco"/>
+              <a:cs typeface="Monaco"/>
+            </a:endParaRPr>
+          </a:p>
+          <a:p>
+            <a:pPr>
+              <a:buNone/>
+            </a:pPr>
+            <a:r>
+              <a:rPr lang="en-US" sz="1200" dirty="0" smtClean="0">
+                <a:latin typeface="Monaco"/>
+                <a:cs typeface="Monaco"/>
+              </a:rPr>
+              <a:t>        </a:t>
+            </a:r>
+            <a:r>
+              <a:rPr lang="en-US" sz="1200" dirty="0" err="1" smtClean="0">
+                <a:latin typeface="Monaco"/>
+                <a:cs typeface="Monaco"/>
+              </a:rPr>
+              <a:t>intercept[c</a:t>
+            </a:r>
+            <a:r>
+              <a:rPr lang="en-US" sz="1200" dirty="0" smtClean="0">
+                <a:latin typeface="Monaco"/>
+                <a:cs typeface="Monaco"/>
+              </a:rPr>
+              <a:t>] ~ dnorm(0, 1e-3)</a:t>
+            </a:r>
+            <a:endParaRPr lang="en-US" sz="1200" dirty="0" smtClean="0">
+              <a:latin typeface="Monaco"/>
+              <a:cs typeface="Monaco"/>
+            </a:endParaRPr>
+          </a:p>
+          <a:p>
+            <a:pPr>
+              <a:buNone/>
+            </a:pPr>
+            <a:r>
+              <a:rPr lang="en-US" sz="1200" dirty="0" smtClean="0">
+                <a:latin typeface="Monaco"/>
+                <a:cs typeface="Monaco"/>
+              </a:rPr>
+              <a:t>        </a:t>
+            </a:r>
+            <a:r>
+              <a:rPr lang="en-US" sz="1200" dirty="0" err="1" smtClean="0">
+                <a:latin typeface="Monaco"/>
+                <a:cs typeface="Monaco"/>
+              </a:rPr>
+              <a:t>slope[c</a:t>
+            </a:r>
+            <a:r>
+              <a:rPr lang="en-US" sz="1200" dirty="0" smtClean="0">
+                <a:latin typeface="Monaco"/>
+                <a:cs typeface="Monaco"/>
+              </a:rPr>
+              <a:t>] ~ dnorm(0, 1e-3)</a:t>
+            </a:r>
+            <a:endParaRPr lang="en-US" sz="1200" dirty="0" smtClean="0">
+              <a:latin typeface="Monaco"/>
+              <a:cs typeface="Monaco"/>
+            </a:endParaRPr>
+          </a:p>
+          <a:p>
+            <a:pPr>
+              <a:buNone/>
+            </a:pPr>
+            <a:r>
+              <a:rPr lang="en-US" sz="1200" dirty="0" smtClean="0">
+                <a:latin typeface="Monaco"/>
+                <a:cs typeface="Monaco"/>
+              </a:rPr>
+              <a:t>        for (block in 1:Nblock) {</a:t>
+            </a:r>
+            <a:endParaRPr lang="en-US" sz="1200" dirty="0" smtClean="0">
+              <a:latin typeface="Monaco"/>
+              <a:cs typeface="Monaco"/>
+            </a:endParaRPr>
+          </a:p>
+          <a:p>
+            <a:pPr>
+              <a:buNone/>
+            </a:pPr>
+            <a:r>
+              <a:rPr lang="en-US" sz="1200" dirty="0" smtClean="0">
+                <a:latin typeface="Monaco"/>
+                <a:cs typeface="Monaco"/>
+              </a:rPr>
+              <a:t>            </a:t>
+            </a:r>
+            <a:r>
+              <a:rPr lang="en-US" sz="1200" dirty="0" err="1" smtClean="0">
+                <a:latin typeface="Monaco"/>
+                <a:cs typeface="Monaco"/>
+              </a:rPr>
+              <a:t>logit(theta[block</a:t>
+            </a:r>
+            <a:r>
+              <a:rPr lang="en-US" sz="1200" dirty="0" smtClean="0">
+                <a:latin typeface="Monaco"/>
+                <a:cs typeface="Monaco"/>
+              </a:rPr>
+              <a:t>, </a:t>
+            </a:r>
+            <a:r>
+              <a:rPr lang="en-US" sz="1200" dirty="0" err="1" smtClean="0">
+                <a:latin typeface="Monaco"/>
+                <a:cs typeface="Monaco"/>
+              </a:rPr>
+              <a:t>c</a:t>
+            </a:r>
+            <a:r>
+              <a:rPr lang="en-US" sz="1200" dirty="0" smtClean="0">
+                <a:latin typeface="Monaco"/>
+                <a:cs typeface="Monaco"/>
+              </a:rPr>
+              <a:t>]) &lt;- </a:t>
+            </a:r>
+            <a:r>
+              <a:rPr lang="en-US" sz="1200" dirty="0" err="1" smtClean="0">
+                <a:latin typeface="Monaco"/>
+                <a:cs typeface="Monaco"/>
+              </a:rPr>
+              <a:t>intercept[c</a:t>
+            </a:r>
+            <a:r>
+              <a:rPr lang="en-US" sz="1200" dirty="0" smtClean="0">
+                <a:latin typeface="Monaco"/>
+                <a:cs typeface="Monaco"/>
+              </a:rPr>
+              <a:t>] + </a:t>
+            </a:r>
+            <a:r>
+              <a:rPr lang="en-US" sz="1200" dirty="0" err="1" smtClean="0">
+                <a:latin typeface="Monaco"/>
+                <a:cs typeface="Monaco"/>
+              </a:rPr>
+              <a:t>slope[c</a:t>
+            </a:r>
+            <a:r>
+              <a:rPr lang="en-US" sz="1200" dirty="0" smtClean="0">
+                <a:latin typeface="Monaco"/>
+                <a:cs typeface="Monaco"/>
+              </a:rPr>
+              <a:t>] * (block - Nblock/2 - 0.5)</a:t>
+            </a:r>
+            <a:endParaRPr lang="en-US" sz="1200" dirty="0" smtClean="0">
+              <a:latin typeface="Monaco"/>
+              <a:cs typeface="Monaco"/>
+            </a:endParaRPr>
+          </a:p>
+          <a:p>
+            <a:pPr>
+              <a:buNone/>
+            </a:pPr>
+            <a:r>
+              <a:rPr lang="en-US" sz="1200" dirty="0" smtClean="0">
+                <a:latin typeface="Monaco"/>
+                <a:cs typeface="Monaco"/>
+              </a:rPr>
+              <a:t>        }</a:t>
+            </a:r>
+            <a:endParaRPr lang="en-US" sz="1200" dirty="0" smtClean="0">
+              <a:latin typeface="Monaco"/>
+              <a:cs typeface="Monaco"/>
+            </a:endParaRPr>
+          </a:p>
+          <a:p>
+            <a:pPr>
+              <a:buNone/>
+            </a:pPr>
+            <a:r>
+              <a:rPr lang="en-US" sz="1200" dirty="0" smtClean="0">
+                <a:latin typeface="Monaco"/>
+                <a:cs typeface="Monaco"/>
+              </a:rPr>
+              <a:t>    }</a:t>
+            </a:r>
+            <a:endParaRPr lang="en-US" sz="1200" dirty="0" smtClean="0">
+              <a:latin typeface="Monaco"/>
+              <a:cs typeface="Monaco"/>
+            </a:endParaRPr>
+          </a:p>
+          <a:p>
+            <a:pPr>
+              <a:buNone/>
+            </a:pPr>
+            <a:r>
+              <a:rPr lang="en-US" sz="1200" dirty="0" smtClean="0">
+                <a:latin typeface="Monaco"/>
+                <a:cs typeface="Monaco"/>
+              </a:rPr>
+              <a:t>    for (</a:t>
+            </a:r>
+            <a:r>
+              <a:rPr lang="en-US" sz="1200" dirty="0" err="1" smtClean="0">
+                <a:latin typeface="Monaco"/>
+                <a:cs typeface="Monaco"/>
+              </a:rPr>
+              <a:t>subj</a:t>
+            </a:r>
+            <a:r>
+              <a:rPr lang="en-US" sz="1200" dirty="0" smtClean="0">
+                <a:latin typeface="Monaco"/>
+                <a:cs typeface="Monaco"/>
+              </a:rPr>
+              <a:t> in 1:Nsubj) {</a:t>
+            </a:r>
+            <a:endParaRPr lang="en-US" sz="1200" dirty="0" smtClean="0">
+              <a:latin typeface="Monaco"/>
+              <a:cs typeface="Monaco"/>
+            </a:endParaRPr>
+          </a:p>
+          <a:p>
+            <a:pPr>
+              <a:buNone/>
+            </a:pPr>
+            <a:r>
+              <a:rPr lang="en-US" sz="1200" dirty="0" smtClean="0">
+                <a:latin typeface="Monaco"/>
+                <a:cs typeface="Monaco"/>
+              </a:rPr>
+              <a:t>        for (block in 1:Nblock) {</a:t>
+            </a:r>
+            <a:endParaRPr lang="en-US" sz="1200" dirty="0" smtClean="0">
+              <a:latin typeface="Monaco"/>
+              <a:cs typeface="Monaco"/>
+            </a:endParaRPr>
+          </a:p>
+          <a:p>
+            <a:pPr>
+              <a:buNone/>
+            </a:pPr>
+            <a:r>
+              <a:rPr lang="en-US" sz="1200" dirty="0" smtClean="0">
+                <a:latin typeface="Monaco"/>
+                <a:cs typeface="Monaco"/>
+              </a:rPr>
+              <a:t>            </a:t>
+            </a:r>
+            <a:r>
+              <a:rPr lang="en-US" sz="1200" dirty="0" err="1" smtClean="0">
+                <a:latin typeface="Monaco"/>
+                <a:cs typeface="Monaco"/>
+              </a:rPr>
+              <a:t>y[subj</a:t>
+            </a:r>
+            <a:r>
+              <a:rPr lang="en-US" sz="1200" dirty="0" smtClean="0">
+                <a:latin typeface="Monaco"/>
+                <a:cs typeface="Monaco"/>
+              </a:rPr>
+              <a:t>, block] ~ </a:t>
+            </a:r>
+            <a:r>
+              <a:rPr lang="en-US" sz="1200" dirty="0" err="1" smtClean="0">
+                <a:latin typeface="Monaco"/>
+                <a:cs typeface="Monaco"/>
+              </a:rPr>
+              <a:t>dbinom(theta[block</a:t>
+            </a:r>
+            <a:r>
+              <a:rPr lang="en-US" sz="1200" dirty="0" smtClean="0">
+                <a:latin typeface="Monaco"/>
+                <a:cs typeface="Monaco"/>
+              </a:rPr>
+              <a:t>, </a:t>
+            </a:r>
+            <a:r>
+              <a:rPr lang="en-US" sz="1200" dirty="0" err="1" smtClean="0">
+                <a:latin typeface="Monaco"/>
+                <a:cs typeface="Monaco"/>
+              </a:rPr>
+              <a:t>cond[subj</a:t>
+            </a:r>
+            <a:r>
+              <a:rPr lang="en-US" sz="1200" dirty="0" smtClean="0">
+                <a:latin typeface="Monaco"/>
+                <a:cs typeface="Monaco"/>
+              </a:rPr>
+              <a:t>]], </a:t>
+            </a:r>
+            <a:r>
+              <a:rPr lang="en-US" sz="1200" dirty="0" err="1" smtClean="0">
+                <a:latin typeface="Monaco"/>
+                <a:cs typeface="Monaco"/>
+              </a:rPr>
+              <a:t>n[subj</a:t>
+            </a:r>
+            <a:r>
+              <a:rPr lang="en-US" sz="1200" dirty="0" smtClean="0">
+                <a:latin typeface="Monaco"/>
+                <a:cs typeface="Monaco"/>
+              </a:rPr>
+              <a:t>, block])</a:t>
+            </a:r>
+            <a:endParaRPr lang="en-US" sz="1200" dirty="0" smtClean="0">
+              <a:latin typeface="Monaco"/>
+              <a:cs typeface="Monaco"/>
+            </a:endParaRPr>
+          </a:p>
+          <a:p>
+            <a:pPr>
+              <a:buNone/>
+            </a:pPr>
+            <a:r>
+              <a:rPr lang="en-US" sz="1200" dirty="0" smtClean="0">
+                <a:latin typeface="Monaco"/>
+                <a:cs typeface="Monaco"/>
+              </a:rPr>
+              <a:t>        }</a:t>
+            </a:r>
+            <a:endParaRPr lang="en-US" sz="1200" dirty="0" smtClean="0">
+              <a:latin typeface="Monaco"/>
+              <a:cs typeface="Monaco"/>
+            </a:endParaRPr>
+          </a:p>
+          <a:p>
+            <a:pPr>
+              <a:buNone/>
+            </a:pPr>
+            <a:r>
+              <a:rPr lang="en-US" sz="1200" dirty="0" smtClean="0">
+                <a:latin typeface="Monaco"/>
+                <a:cs typeface="Monaco"/>
+              </a:rPr>
+              <a:t>    }</a:t>
+            </a:r>
+            <a:endParaRPr lang="en-US" sz="1200" dirty="0" smtClean="0">
+              <a:latin typeface="Monaco"/>
+              <a:cs typeface="Monaco"/>
+            </a:endParaRPr>
+          </a:p>
+          <a:p>
+            <a:pPr>
+              <a:buNone/>
+            </a:pPr>
+            <a:r>
+              <a:rPr lang="en-US" sz="1200" dirty="0" smtClean="0">
+                <a:latin typeface="Monaco"/>
+                <a:cs typeface="Monaco"/>
+              </a:rPr>
+              <a:t>}</a:t>
+            </a:r>
+            <a:endParaRPr lang="en-US" sz="1200" dirty="0">
+              <a:latin typeface="Monaco"/>
+              <a:cs typeface="Monaco"/>
+            </a:endParaRPr>
+          </a:p>
+        </p:txBody>
+      </p:sp>
+    </p:spTree>
+  </p:cSld>
+  <p:clrMapOvr>
+    <a:masterClrMapping/>
+  </p:clrMapOvr>
+  <p:timing>
+    <p:tnLst>
+      <p:par>
+        <p:cTn id="1" dur="indefinite" restart="never" nodeType="tmRoot"/>
+      </p:par>
+    </p:tnLst>
+  </p:timing>
+</p:sld>
+</file>
+
+<file path=ppt/slides/slide13.xml><?xml version="1.0" encoding="utf-8"?>
+<p:sld xmlns:a="http://schemas.openxmlformats.org/drawingml/2006/main" xmlns:r="http://schemas.openxmlformats.org/officeDocument/2006/relationships" xmlns:p="http://schemas.openxmlformats.org/presentationml/2006/main">
+  <p:cSld>
+    <p:spTree>
+      <p:nvGrpSpPr>
+        <p:cNvPr id="1" name=""/>
+        <p:cNvGrpSpPr/>
+        <p:nvPr/>
+      </p:nvGrpSpPr>
+      <p:grpSpPr>
+        <a:xfrm>
+          <a:off x="0" y="0"/>
+          <a:ext cx="0" cy="0"/>
+          <a:chOff x="0" y="0"/>
+          <a:chExt cx="0" cy="0"/>
+        </a:xfrm>
+      </p:grpSpPr>
+      <p:sp>
+        <p:nvSpPr>
+          <p:cNvPr id="2" name="Title 1"/>
+          <p:cNvSpPr>
+            <a:spLocks noGrp="1"/>
+          </p:cNvSpPr>
+          <p:nvPr>
+            <p:ph type="title"/>
+          </p:nvPr>
+        </p:nvSpPr>
+        <p:spPr/>
+        <p:txBody>
+          <a:bodyPr/>
+          <a:lstStyle/>
+          <a:p>
+            <a:r>
+              <a:rPr lang="en-US" dirty="0" smtClean="0"/>
+              <a:t>Logistic regression fits</a:t>
+            </a:r>
+            <a:endParaRPr lang="en-US" dirty="0"/>
+          </a:p>
+        </p:txBody>
+      </p:sp>
+      <p:pic>
+        <p:nvPicPr>
+          <p:cNvPr id="6" name="Content Placeholder 5" descr="alllearner-preds.pdf"/>
+          <p:cNvPicPr>
+            <a:picLocks noGrp="1" noChangeAspect="1"/>
+          </p:cNvPicPr>
+          <p:nvPr>
+            <p:ph idx="1"/>
+          </p:nvPr>
+        </p:nvPicPr>
+        <mc:AlternateContent xmlns:mc="http://schemas.openxmlformats.org/markup-compatibility/2006">
+          <mc:Choice xmlns:mv="urn:schemas-microsoft-com:mac:vml" xmlns:ma="http://schemas.microsoft.com/office/mac/drawingml/2008/main" Requires="ma">
+            <p:blipFill>
+              <a:blip r:embed="rId1"/>
+              <a:srcRect t="-18184" b="-18184"/>
+              <a:stretch>
+                <a:fillRect/>
+              </a:stretch>
+            </p:blipFill>
+          </mc:Choice>
+          <mc:Fallback>
+            <p:blipFill>
+              <a:blip r:embed="rId2"/>
+              <a:srcRect t="-18184" b="-18184"/>
+              <a:stretch>
+                <a:fillRect/>
+              </a:stretch>
+            </p:blipFill>
+          </mc:Fallback>
+        </mc:AlternateContent>
+        <p:spPr/>
+      </p:pic>
+    </p:spTree>
+  </p:cSld>
+  <p:clrMapOvr>
+    <a:masterClrMapping/>
+  </p:clrMapOvr>
+  <p:timing>
+    <p:tnLst>
+      <p:par>
+        <p:cTn id="1" dur="indefinite" restart="never" nodeType="tmRoot"/>
+      </p:par>
+    </p:tnLst>
+  </p:timing>
+</p:sld>
+</file>
+
+<file path=ppt/slides/slide14.xml><?xml version="1.0" encoding="utf-8"?>
+<p:sld xmlns:a="http://schemas.openxmlformats.org/drawingml/2006/main" xmlns:r="http://schemas.openxmlformats.org/officeDocument/2006/relationships" xmlns:p="http://schemas.openxmlformats.org/presentationml/2006/main">
+  <p:cSld>
+    <p:spTree>
+      <p:nvGrpSpPr>
+        <p:cNvPr id="1" name=""/>
+        <p:cNvGrpSpPr/>
+        <p:nvPr/>
+      </p:nvGrpSpPr>
+      <p:grpSpPr>
+        <a:xfrm>
+          <a:off x="0" y="0"/>
+          <a:ext cx="0" cy="0"/>
+          <a:chOff x="0" y="0"/>
+          <a:chExt cx="0" cy="0"/>
+        </a:xfrm>
+      </p:grpSpPr>
+      <p:sp>
+        <p:nvSpPr>
+          <p:cNvPr id="2" name="Title 1"/>
+          <p:cNvSpPr>
+            <a:spLocks noGrp="1"/>
+          </p:cNvSpPr>
+          <p:nvPr>
+            <p:ph type="title"/>
+          </p:nvPr>
+        </p:nvSpPr>
+        <p:spPr/>
+        <p:txBody>
           <a:bodyPr/>
           <a:lstStyle/>
           <a:p>
@@ -5768,10 +5935,10 @@
           </p:cNvPicPr>
           <p:nvPr/>
         </p:nvPicPr>
-        <mc:AlternateContent>
-          <mc:Choice xmlns:ma="http://schemas.microsoft.com/office/mac/drawingml/2008/main" Requires="ma">
+        <mc:AlternateContent xmlns:mc="http://schemas.openxmlformats.org/markup-compatibility/2006">
+          <mc:Choice xmlns:mv="urn:schemas-microsoft-com:mac:vml" xmlns:ma="http://schemas.microsoft.com/office/mac/drawingml/2008/main" Requires="ma">
             <p:blipFill>
-              <a:blip r:embed="rId3"/>
+              <a:blip r:embed="rId1"/>
               <a:stretch>
                 <a:fillRect/>
               </a:stretch>
@@ -5779,7 +5946,7 @@
           </mc:Choice>
           <mc:Fallback>
             <p:blipFill>
-              <a:blip r:embed="rId4"/>
+              <a:blip r:embed="rId2"/>
               <a:stretch>
                 <a:fillRect/>
               </a:stretch>
@@ -5811,8 +5978,8 @@
 </p:sld>
 </file>
 
-<file path=ppt/slides/slide13.xml><?xml version="1.0" encoding="utf-8"?>
-<p:sld xmlns:a="http://schemas.openxmlformats.org/drawingml/2006/main" xmlns:r="http://schemas.openxmlformats.org/officeDocument/2006/relationships" xmlns:mc="http://schemas.openxmlformats.org/markup-compatibility/2006" xmlns:mv="urn:schemas-microsoft-com:mac:vml" xmlns:p="http://schemas.openxmlformats.org/presentationml/2006/main" mc:Ignorable="mv" mc:PreserveAttributes="mv:*">
+<file path=ppt/slides/slide15.xml><?xml version="1.0" encoding="utf-8"?>
+<p:sld xmlns:a="http://schemas.openxmlformats.org/drawingml/2006/main" xmlns:r="http://schemas.openxmlformats.org/officeDocument/2006/relationships" xmlns:p="http://schemas.openxmlformats.org/presentationml/2006/main">
   <p:cSld>
     <p:spTree>
       <p:nvGrpSpPr>
@@ -5883,15 +6050,42 @@
                 <a:latin typeface="Monaco"/>
                 <a:cs typeface="Monaco"/>
               </a:rPr>
-              <a:t>model </a:t>
-            </a:r>
+              <a:t>model {</a:t>
+            </a:r>
+            <a:endParaRPr lang="en-US" sz="1200" dirty="0" smtClean="0">
+              <a:latin typeface="Monaco"/>
+              <a:cs typeface="Monaco"/>
+            </a:endParaRPr>
+          </a:p>
+          <a:p>
+            <a:pPr>
+              <a:buNone/>
+            </a:pPr>
             <a:r>
               <a:rPr lang="en-US" sz="1200" dirty="0" smtClean="0">
                 <a:latin typeface="Monaco"/>
                 <a:cs typeface="Monaco"/>
               </a:rPr>
-              <a:t>{</a:t>
-            </a:r>
+              <a:t>    for (</a:t>
+            </a:r>
+            <a:r>
+              <a:rPr lang="en-US" sz="1200" dirty="0" err="1" smtClean="0">
+                <a:latin typeface="Monaco"/>
+                <a:cs typeface="Monaco"/>
+              </a:rPr>
+              <a:t>c</a:t>
+            </a:r>
+            <a:r>
+              <a:rPr lang="en-US" sz="1200" dirty="0" smtClean="0">
+                <a:latin typeface="Monaco"/>
+                <a:cs typeface="Monaco"/>
+              </a:rPr>
+              <a:t> in 1:Ncond) {</a:t>
+            </a:r>
+            <a:endParaRPr lang="en-US" sz="1200" dirty="0" smtClean="0">
+              <a:latin typeface="Monaco"/>
+              <a:cs typeface="Monaco"/>
+            </a:endParaRPr>
           </a:p>
           <a:p>
             <a:pPr>
@@ -5902,6 +6096,248 @@
                 <a:latin typeface="Monaco"/>
                 <a:cs typeface="Monaco"/>
               </a:rPr>
+              <a:t>        # regression parameters</a:t>
+            </a:r>
+            <a:endParaRPr lang="en-US" sz="1200" dirty="0" smtClean="0">
+              <a:latin typeface="Monaco"/>
+              <a:cs typeface="Monaco"/>
+            </a:endParaRPr>
+          </a:p>
+          <a:p>
+            <a:pPr>
+              <a:buNone/>
+            </a:pPr>
+            <a:r>
+              <a:rPr lang="en-US" sz="1200" dirty="0" smtClean="0">
+                <a:latin typeface="Monaco"/>
+                <a:cs typeface="Monaco"/>
+              </a:rPr>
+              <a:t>        </a:t>
+            </a:r>
+            <a:r>
+              <a:rPr lang="en-US" sz="1200" dirty="0" err="1" smtClean="0">
+                <a:latin typeface="Monaco"/>
+                <a:cs typeface="Monaco"/>
+              </a:rPr>
+              <a:t>intercept[c</a:t>
+            </a:r>
+            <a:r>
+              <a:rPr lang="en-US" sz="1200" dirty="0" smtClean="0">
+                <a:latin typeface="Monaco"/>
+                <a:cs typeface="Monaco"/>
+              </a:rPr>
+              <a:t>] ~ dnorm(0, 1e-3)</a:t>
+            </a:r>
+            <a:endParaRPr lang="en-US" sz="1200" dirty="0" smtClean="0">
+              <a:latin typeface="Monaco"/>
+              <a:cs typeface="Monaco"/>
+            </a:endParaRPr>
+          </a:p>
+          <a:p>
+            <a:pPr>
+              <a:buNone/>
+            </a:pPr>
+            <a:r>
+              <a:rPr lang="en-US" sz="1200" dirty="0" smtClean="0">
+                <a:latin typeface="Monaco"/>
+                <a:cs typeface="Monaco"/>
+              </a:rPr>
+              <a:t>        </a:t>
+            </a:r>
+            <a:r>
+              <a:rPr lang="en-US" sz="1200" dirty="0" err="1" smtClean="0">
+                <a:latin typeface="Monaco"/>
+                <a:cs typeface="Monaco"/>
+              </a:rPr>
+              <a:t>slope[c</a:t>
+            </a:r>
+            <a:r>
+              <a:rPr lang="en-US" sz="1200" dirty="0" smtClean="0">
+                <a:latin typeface="Monaco"/>
+                <a:cs typeface="Monaco"/>
+              </a:rPr>
+              <a:t>] ~ dnorm(0, 1e-3)</a:t>
+            </a:r>
+            <a:endParaRPr lang="en-US" sz="1200" dirty="0" smtClean="0">
+              <a:latin typeface="Monaco"/>
+              <a:cs typeface="Monaco"/>
+            </a:endParaRPr>
+          </a:p>
+          <a:p>
+            <a:pPr>
+              <a:buNone/>
+            </a:pPr>
+            <a:r>
+              <a:rPr lang="en-US" sz="1200" dirty="0" smtClean="0">
+                <a:latin typeface="Monaco"/>
+                <a:cs typeface="Monaco"/>
+              </a:rPr>
+              <a:t>        for (block in 1:Nblock) {</a:t>
+            </a:r>
+            <a:endParaRPr lang="en-US" sz="1200" dirty="0" smtClean="0">
+              <a:latin typeface="Monaco"/>
+              <a:cs typeface="Monaco"/>
+            </a:endParaRPr>
+          </a:p>
+          <a:p>
+            <a:pPr>
+              <a:buNone/>
+            </a:pPr>
+            <a:r>
+              <a:rPr lang="en-US" sz="1200" dirty="0" smtClean="0">
+                <a:latin typeface="Monaco"/>
+                <a:cs typeface="Monaco"/>
+              </a:rPr>
+              <a:t>            </a:t>
+            </a:r>
+            <a:r>
+              <a:rPr lang="en-US" sz="1200" dirty="0" err="1" smtClean="0">
+                <a:latin typeface="Monaco"/>
+                <a:cs typeface="Monaco"/>
+              </a:rPr>
+              <a:t>logit(theta[block</a:t>
+            </a:r>
+            <a:r>
+              <a:rPr lang="en-US" sz="1200" dirty="0" smtClean="0">
+                <a:latin typeface="Monaco"/>
+                <a:cs typeface="Monaco"/>
+              </a:rPr>
+              <a:t>, </a:t>
+            </a:r>
+            <a:r>
+              <a:rPr lang="en-US" sz="1200" dirty="0" err="1" smtClean="0">
+                <a:latin typeface="Monaco"/>
+                <a:cs typeface="Monaco"/>
+              </a:rPr>
+              <a:t>c</a:t>
+            </a:r>
+            <a:r>
+              <a:rPr lang="en-US" sz="1200" dirty="0" smtClean="0">
+                <a:latin typeface="Monaco"/>
+                <a:cs typeface="Monaco"/>
+              </a:rPr>
+              <a:t>]) &lt;- </a:t>
+            </a:r>
+            <a:r>
+              <a:rPr lang="en-US" sz="1200" dirty="0" err="1" smtClean="0">
+                <a:latin typeface="Monaco"/>
+                <a:cs typeface="Monaco"/>
+              </a:rPr>
+              <a:t>intercept[c</a:t>
+            </a:r>
+            <a:r>
+              <a:rPr lang="en-US" sz="1200" dirty="0" smtClean="0">
+                <a:latin typeface="Monaco"/>
+                <a:cs typeface="Monaco"/>
+              </a:rPr>
+              <a:t>] + </a:t>
+            </a:r>
+            <a:r>
+              <a:rPr lang="en-US" sz="1200" dirty="0" err="1" smtClean="0">
+                <a:latin typeface="Monaco"/>
+                <a:cs typeface="Monaco"/>
+              </a:rPr>
+              <a:t>slope[c</a:t>
+            </a:r>
+            <a:r>
+              <a:rPr lang="en-US" sz="1200" dirty="0" smtClean="0">
+                <a:latin typeface="Monaco"/>
+                <a:cs typeface="Monaco"/>
+              </a:rPr>
+              <a:t>] * (block - Nblock/2 - 0.5)</a:t>
+            </a:r>
+            <a:endParaRPr lang="en-US" sz="1200" dirty="0" smtClean="0">
+              <a:latin typeface="Monaco"/>
+              <a:cs typeface="Monaco"/>
+            </a:endParaRPr>
+          </a:p>
+          <a:p>
+            <a:pPr>
+              <a:buNone/>
+            </a:pPr>
+            <a:r>
+              <a:rPr lang="en-US" sz="1200" dirty="0" smtClean="0">
+                <a:latin typeface="Monaco"/>
+                <a:cs typeface="Monaco"/>
+              </a:rPr>
+              <a:t>        }</a:t>
+            </a:r>
+            <a:endParaRPr lang="en-US" sz="1200" dirty="0" smtClean="0">
+              <a:latin typeface="Monaco"/>
+              <a:cs typeface="Monaco"/>
+            </a:endParaRPr>
+          </a:p>
+          <a:p>
+            <a:pPr>
+              <a:buNone/>
+            </a:pPr>
+            <a:r>
+              <a:rPr lang="en-US" sz="1200" dirty="0" smtClean="0">
+                <a:latin typeface="Monaco"/>
+                <a:cs typeface="Monaco"/>
+              </a:rPr>
+              <a:t>        # learner rate</a:t>
+            </a:r>
+            <a:endParaRPr lang="en-US" sz="1200" dirty="0" smtClean="0">
+              <a:latin typeface="Monaco"/>
+              <a:cs typeface="Monaco"/>
+            </a:endParaRPr>
+          </a:p>
+          <a:p>
+            <a:pPr>
+              <a:buNone/>
+            </a:pPr>
+            <a:r>
+              <a:rPr lang="en-US" sz="1200" dirty="0" smtClean="0">
+                <a:latin typeface="Monaco"/>
+                <a:cs typeface="Monaco"/>
+              </a:rPr>
+              <a:t>        </a:t>
+            </a:r>
+            <a:r>
+              <a:rPr lang="en-US" sz="1200" dirty="0" err="1" smtClean="0">
+                <a:latin typeface="Monaco"/>
+                <a:cs typeface="Monaco"/>
+              </a:rPr>
+              <a:t>learnerRate[c</a:t>
+            </a:r>
+            <a:r>
+              <a:rPr lang="en-US" sz="1200" dirty="0" smtClean="0">
+                <a:latin typeface="Monaco"/>
+                <a:cs typeface="Monaco"/>
+              </a:rPr>
+              <a:t>] ~ dbeta(0.5, 0.5)</a:t>
+            </a:r>
+            <a:endParaRPr lang="en-US" sz="1200" dirty="0" smtClean="0">
+              <a:latin typeface="Monaco"/>
+              <a:cs typeface="Monaco"/>
+            </a:endParaRPr>
+          </a:p>
+          <a:p>
+            <a:pPr>
+              <a:buNone/>
+            </a:pPr>
+            <a:r>
+              <a:rPr lang="en-US" sz="1200" dirty="0" smtClean="0">
+                <a:latin typeface="Monaco"/>
+                <a:cs typeface="Monaco"/>
+              </a:rPr>
+              <a:t>    }</a:t>
+            </a:r>
+            <a:endParaRPr lang="en-US" sz="1200" dirty="0" smtClean="0">
+              <a:latin typeface="Monaco"/>
+              <a:cs typeface="Monaco"/>
+            </a:endParaRPr>
+          </a:p>
+          <a:p>
+            <a:pPr>
+              <a:buNone/>
+            </a:pPr>
+            <a:r>
+              <a:rPr lang="en-US" sz="1200" dirty="0" smtClean="0">
+                <a:latin typeface="Monaco"/>
+                <a:cs typeface="Monaco"/>
+              </a:rPr>
               <a:t>    for (</a:t>
             </a:r>
             <a:r>
@@ -5909,15 +6345,19 @@
                 <a:latin typeface="Monaco"/>
                 <a:cs typeface="Monaco"/>
               </a:rPr>
-              <a:t>c</a:t>
+              <a:t>subj</a:t>
             </a:r>
             <a:r>
               <a:rPr lang="en-US" sz="1200" dirty="0" smtClean="0">
                 <a:latin typeface="Monaco"/>
                 <a:cs typeface="Monaco"/>
               </a:rPr>
-              <a:t> in 1:Ncond) {</a:t>
-            </a:r>
+              <a:t> in 1:Nsubj) {</a:t>
+            </a:r>
+            <a:endParaRPr lang="en-US" sz="1200" dirty="0" smtClean="0">
+              <a:latin typeface="Monaco"/>
+              <a:cs typeface="Monaco"/>
+            </a:endParaRPr>
           </a:p>
           <a:p>
             <a:pPr>
@@ -5928,8 +6368,12 @@
                 <a:latin typeface="Monaco"/>
                 <a:cs typeface="Monaco"/>
               </a:rPr>
-              <a:t>        # regression parameters</a:t>
-            </a:r>
+              <a:t>        # sample non-learner index</a:t>
+            </a:r>
+            <a:endParaRPr lang="en-US" sz="1200" dirty="0" smtClean="0">
+              <a:latin typeface="Monaco"/>
+              <a:cs typeface="Monaco"/>
+            </a:endParaRPr>
           </a:p>
           <a:p>
             <a:pPr>
@@ -5947,15 +6391,33 @@
                 <a:latin typeface="Monaco"/>
                 <a:cs typeface="Monaco"/>
               </a:rPr>
-              <a:t>intercept[c</a:t>
+              <a:t>Learner[subj</a:t>
             </a:r>
             <a:r>
               <a:rPr lang="en-US" sz="1200" dirty="0" smtClean="0">
                 <a:latin typeface="Monaco"/>
                 <a:cs typeface="Monaco"/>
               </a:rPr>
-              <a:t>] ~ dnorm(0, 1e-3)</a:t>
-            </a:r>
+              <a:t>] ~ </a:t>
+            </a:r>
+            <a:r>
+              <a:rPr lang="en-US" sz="1200" dirty="0" err="1" smtClean="0">
+                <a:latin typeface="Monaco"/>
+                <a:cs typeface="Monaco"/>
+              </a:rPr>
+              <a:t>dbern(learnerRate[cond[subj</a:t>
+            </a:r>
+            <a:r>
+              <a:rPr lang="en-US" sz="1200" dirty="0" smtClean="0">
+                <a:latin typeface="Monaco"/>
+                <a:cs typeface="Monaco"/>
+              </a:rPr>
+              <a:t>]])</a:t>
+            </a:r>
+            <a:endParaRPr lang="en-US" sz="1200" dirty="0" smtClean="0">
+              <a:latin typeface="Monaco"/>
+              <a:cs typeface="Monaco"/>
+            </a:endParaRPr>
           </a:p>
           <a:p>
             <a:pPr>
@@ -5966,22 +6428,84 @@
                 <a:latin typeface="Monaco"/>
                 <a:cs typeface="Monaco"/>
               </a:rPr>
-              <a:t>        </a:t>
+              <a:t>        for (block in 1:Nblock) {</a:t>
+            </a:r>
+            <a:endParaRPr lang="en-US" sz="1200" dirty="0" smtClean="0">
+              <a:latin typeface="Monaco"/>
+              <a:cs typeface="Monaco"/>
+            </a:endParaRPr>
+          </a:p>
+          <a:p>
+            <a:pPr>
+              <a:buNone/>
+            </a:pPr>
+            <a:r>
+              <a:rPr lang="en-US" sz="1200" dirty="0" smtClean="0">
+                <a:latin typeface="Monaco"/>
+                <a:cs typeface="Monaco"/>
+              </a:rPr>
+              <a:t>            </a:t>
             </a:r>
             <a:r>
               <a:rPr lang="en-US" sz="1200" dirty="0" err="1" smtClean="0">
                 <a:latin typeface="Monaco"/>
                 <a:cs typeface="Monaco"/>
               </a:rPr>
-              <a:t>slope[c</a:t>
+              <a:t>x[subj</a:t>
             </a:r>
             <a:r>
               <a:rPr lang="en-US" sz="1200" dirty="0" smtClean="0">
                 <a:latin typeface="Monaco"/>
                 <a:cs typeface="Monaco"/>
               </a:rPr>
-              <a:t>] ~ dnorm(0, 1e-3)</a:t>
-            </a:r>
+              <a:t>, block] ~ </a:t>
+            </a:r>
+            <a:r>
+              <a:rPr lang="en-US" sz="1200" dirty="0" err="1" smtClean="0">
+                <a:latin typeface="Monaco"/>
+                <a:cs typeface="Monaco"/>
+              </a:rPr>
+              <a:t>dbinom(theta[block</a:t>
+            </a:r>
+            <a:r>
+              <a:rPr lang="en-US" sz="1200" dirty="0" smtClean="0">
+                <a:latin typeface="Monaco"/>
+                <a:cs typeface="Monaco"/>
+              </a:rPr>
+              <a:t>, </a:t>
+            </a:r>
+            <a:r>
+              <a:rPr lang="en-US" sz="1200" dirty="0" err="1" smtClean="0">
+                <a:latin typeface="Monaco"/>
+                <a:cs typeface="Monaco"/>
+              </a:rPr>
+              <a:t>cond[subj</a:t>
+            </a:r>
+            <a:r>
+              <a:rPr lang="en-US" sz="1200" dirty="0" smtClean="0">
+                <a:latin typeface="Monaco"/>
+                <a:cs typeface="Monaco"/>
+              </a:rPr>
+              <a:t>]] * </a:t>
+            </a:r>
+            <a:r>
+              <a:rPr lang="en-US" sz="1200" dirty="0" err="1" smtClean="0">
+                <a:latin typeface="Monaco"/>
+                <a:cs typeface="Monaco"/>
+              </a:rPr>
+              <a:t>Learner[subj</a:t>
+            </a:r>
+            <a:r>
+              <a:rPr lang="en-US" sz="1200" dirty="0" smtClean="0">
+                <a:latin typeface="Monaco"/>
+                <a:cs typeface="Monaco"/>
+              </a:rPr>
+              <a:t>] + </a:t>
+            </a:r>
+            <a:endParaRPr lang="en-US" sz="1200" dirty="0" smtClean="0">
+              <a:latin typeface="Monaco"/>
+              <a:cs typeface="Monaco"/>
+            </a:endParaRPr>
           </a:p>
           <a:p>
             <a:pPr>
@@ -5992,8 +6516,12 @@
                 <a:latin typeface="Monaco"/>
                 <a:cs typeface="Monaco"/>
               </a:rPr>
-              <a:t>        for (block in 1:Nblock) {</a:t>
-            </a:r>
+              <a:t>                                      0.5 * (1-Learner[subj]),</a:t>
+            </a:r>
+            <a:endParaRPr lang="en-US" sz="1200" dirty="0" smtClean="0">
+              <a:latin typeface="Monaco"/>
+              <a:cs typeface="Monaco"/>
+            </a:endParaRPr>
           </a:p>
           <a:p>
             <a:pPr>
@@ -6004,374 +6532,58 @@
                 <a:latin typeface="Monaco"/>
                 <a:cs typeface="Monaco"/>
               </a:rPr>
-              <a:t>            </a:t>
+              <a:t>                                    </a:t>
             </a:r>
             <a:r>
               <a:rPr lang="en-US" sz="1200" dirty="0" err="1" smtClean="0">
                 <a:latin typeface="Monaco"/>
                 <a:cs typeface="Monaco"/>
               </a:rPr>
-              <a:t>logit(theta[block</a:t>
+              <a:t>n[subj</a:t>
             </a:r>
             <a:r>
               <a:rPr lang="en-US" sz="1200" dirty="0" smtClean="0">
                 <a:latin typeface="Monaco"/>
                 <a:cs typeface="Monaco"/>
               </a:rPr>
-              <a:t>, </a:t>
-            </a:r>
-            <a:r>
-              <a:rPr lang="en-US" sz="1200" dirty="0" err="1" smtClean="0">
-                <a:latin typeface="Monaco"/>
-                <a:cs typeface="Monaco"/>
-              </a:rPr>
-              <a:t>c</a:t>
-            </a:r>
+              <a:t>, block])</a:t>
+            </a:r>
+            <a:endParaRPr lang="en-US" sz="1200" dirty="0" smtClean="0">
+              <a:latin typeface="Monaco"/>
+              <a:cs typeface="Monaco"/>
+            </a:endParaRPr>
+          </a:p>
+          <a:p>
+            <a:pPr>
+              <a:buNone/>
+            </a:pPr>
             <a:r>
               <a:rPr lang="en-US" sz="1200" dirty="0" smtClean="0">
                 <a:latin typeface="Monaco"/>
                 <a:cs typeface="Monaco"/>
               </a:rPr>
-              <a:t>]) &lt;- </a:t>
-            </a:r>
-            <a:r>
-              <a:rPr lang="en-US" sz="1200" dirty="0" err="1" smtClean="0">
-                <a:latin typeface="Monaco"/>
-                <a:cs typeface="Monaco"/>
-              </a:rPr>
-              <a:t>intercept[c</a:t>
-            </a:r>
+              <a:t>        }</a:t>
+            </a:r>
+            <a:endParaRPr lang="en-US" sz="1200" dirty="0" smtClean="0">
+              <a:latin typeface="Monaco"/>
+              <a:cs typeface="Monaco"/>
+            </a:endParaRPr>
+          </a:p>
+          <a:p>
+            <a:pPr>
+              <a:buNone/>
+            </a:pPr>
             <a:r>
               <a:rPr lang="en-US" sz="1200" dirty="0" smtClean="0">
                 <a:latin typeface="Monaco"/>
                 <a:cs typeface="Monaco"/>
               </a:rPr>
-              <a:t>] + </a:t>
-            </a:r>
-            <a:r>
-              <a:rPr lang="en-US" sz="1200" dirty="0" err="1" smtClean="0">
-                <a:latin typeface="Monaco"/>
-                <a:cs typeface="Monaco"/>
-              </a:rPr>
-              <a:t>slope[c</a:t>
-            </a:r>
-            <a:r>
-              <a:rPr lang="en-US" sz="1200" dirty="0" smtClean="0">
-                <a:latin typeface="Monaco"/>
-                <a:cs typeface="Monaco"/>
-              </a:rPr>
-              <a:t>] * (block - Nblock/2 - 0.5)</a:t>
-            </a:r>
-          </a:p>
-          <a:p>
-            <a:pPr>
-              <a:buNone/>
-            </a:pPr>
-            <a:r>
-              <a:rPr lang="en-US" sz="1200" dirty="0" smtClean="0">
-                <a:latin typeface="Monaco"/>
-                <a:cs typeface="Monaco"/>
-              </a:rPr>
-              <a:t>        </a:t>
-            </a:r>
-            <a:r>
-              <a:rPr lang="en-US" sz="1200" dirty="0" smtClean="0">
-                <a:latin typeface="Monaco"/>
-                <a:cs typeface="Monaco"/>
-              </a:rPr>
-              <a:t>}</a:t>
-            </a:r>
-          </a:p>
-          <a:p>
-            <a:pPr>
-              <a:buNone/>
-            </a:pPr>
-            <a:r>
-              <a:rPr lang="en-US" sz="1200" dirty="0" smtClean="0">
-                <a:latin typeface="Monaco"/>
-                <a:cs typeface="Monaco"/>
-              </a:rPr>
-              <a:t>        # learner rate</a:t>
-            </a:r>
-          </a:p>
-          <a:p>
-            <a:pPr>
-              <a:buNone/>
-            </a:pPr>
-            <a:r>
-              <a:rPr lang="en-US" sz="1200" dirty="0" smtClean="0">
-                <a:latin typeface="Monaco"/>
-                <a:cs typeface="Monaco"/>
-              </a:rPr>
-              <a:t>        </a:t>
-            </a:r>
-            <a:r>
-              <a:rPr lang="en-US" sz="1200" dirty="0" err="1" smtClean="0">
-                <a:latin typeface="Monaco"/>
-                <a:cs typeface="Monaco"/>
-              </a:rPr>
-              <a:t>learnerRate[c</a:t>
-            </a:r>
-            <a:r>
-              <a:rPr lang="en-US" sz="1200" dirty="0" smtClean="0">
-                <a:latin typeface="Monaco"/>
-                <a:cs typeface="Monaco"/>
-              </a:rPr>
-              <a:t>] ~ dbeta(0.5, 0.5)</a:t>
-            </a:r>
-          </a:p>
-          <a:p>
-            <a:pPr>
-              <a:buNone/>
-            </a:pPr>
-            <a:r>
-              <a:rPr lang="en-US" sz="1200" dirty="0" smtClean="0">
-                <a:latin typeface="Monaco"/>
-                <a:cs typeface="Monaco"/>
-              </a:rPr>
-              <a:t>    </a:t>
-            </a:r>
-            <a:r>
-              <a:rPr lang="en-US" sz="1200" dirty="0" smtClean="0">
-                <a:latin typeface="Monaco"/>
-                <a:cs typeface="Monaco"/>
-              </a:rPr>
-              <a:t>}</a:t>
-            </a:r>
-          </a:p>
-          <a:p>
-            <a:pPr>
-              <a:buNone/>
-            </a:pPr>
-            <a:r>
-              <a:rPr lang="en-US" sz="1200" dirty="0" smtClean="0">
-                <a:latin typeface="Monaco"/>
-                <a:cs typeface="Monaco"/>
-              </a:rPr>
-              <a:t>    for (</a:t>
-            </a:r>
-            <a:r>
-              <a:rPr lang="en-US" sz="1200" dirty="0" err="1" smtClean="0">
-                <a:latin typeface="Monaco"/>
-                <a:cs typeface="Monaco"/>
-              </a:rPr>
-              <a:t>subj</a:t>
-            </a:r>
-            <a:r>
-              <a:rPr lang="en-US" sz="1200" dirty="0" smtClean="0">
-                <a:latin typeface="Monaco"/>
-                <a:cs typeface="Monaco"/>
-              </a:rPr>
-              <a:t> in 1:Nsubj) {</a:t>
-            </a:r>
-          </a:p>
-          <a:p>
-            <a:pPr>
-              <a:buNone/>
-            </a:pPr>
-            <a:r>
-              <a:rPr lang="en-US" sz="1200" dirty="0" smtClean="0">
-                <a:latin typeface="Monaco"/>
-                <a:cs typeface="Monaco"/>
-              </a:rPr>
-              <a:t>        # sample non-learner index</a:t>
-            </a:r>
-          </a:p>
-          <a:p>
-            <a:pPr>
-              <a:buNone/>
-            </a:pPr>
-            <a:r>
-              <a:rPr lang="en-US" sz="1200" dirty="0" smtClean="0">
-                <a:latin typeface="Monaco"/>
-                <a:cs typeface="Monaco"/>
-              </a:rPr>
-              <a:t>        </a:t>
-            </a:r>
-            <a:r>
-              <a:rPr lang="en-US" sz="1200" dirty="0" err="1" smtClean="0">
-                <a:latin typeface="Monaco"/>
-                <a:cs typeface="Monaco"/>
-              </a:rPr>
-              <a:t>Learner[subj</a:t>
-            </a:r>
-            <a:r>
-              <a:rPr lang="en-US" sz="1200" dirty="0" smtClean="0">
-                <a:latin typeface="Monaco"/>
-                <a:cs typeface="Monaco"/>
-              </a:rPr>
-              <a:t>] ~ </a:t>
-            </a:r>
-            <a:r>
-              <a:rPr lang="en-US" sz="1200" dirty="0" err="1" smtClean="0">
-                <a:latin typeface="Monaco"/>
-                <a:cs typeface="Monaco"/>
-              </a:rPr>
-              <a:t>dbern(learnerRate[cond[subj</a:t>
-            </a:r>
-            <a:r>
-              <a:rPr lang="en-US" sz="1200" dirty="0" smtClean="0">
-                <a:latin typeface="Monaco"/>
-                <a:cs typeface="Monaco"/>
-              </a:rPr>
-              <a:t>]])</a:t>
-            </a:r>
-          </a:p>
-          <a:p>
-            <a:pPr>
-              <a:buNone/>
-            </a:pPr>
-            <a:r>
-              <a:rPr lang="en-US" sz="1200" dirty="0" smtClean="0">
-                <a:latin typeface="Monaco"/>
-                <a:cs typeface="Monaco"/>
-              </a:rPr>
-              <a:t>        for (block in 1:Nblock) {</a:t>
-            </a:r>
-          </a:p>
-          <a:p>
-            <a:pPr>
-              <a:buNone/>
-            </a:pPr>
-            <a:r>
-              <a:rPr lang="en-US" sz="1200" dirty="0" smtClean="0">
-                <a:latin typeface="Monaco"/>
-                <a:cs typeface="Monaco"/>
-              </a:rPr>
-              <a:t>            </a:t>
-            </a:r>
-            <a:r>
-              <a:rPr lang="en-US" sz="1200" dirty="0" err="1" smtClean="0">
-                <a:latin typeface="Monaco"/>
-                <a:cs typeface="Monaco"/>
-              </a:rPr>
-              <a:t>x[subj</a:t>
-            </a:r>
-            <a:r>
-              <a:rPr lang="en-US" sz="1200" dirty="0" smtClean="0">
-                <a:latin typeface="Monaco"/>
-                <a:cs typeface="Monaco"/>
-              </a:rPr>
-              <a:t>, block] ~ </a:t>
-            </a:r>
-            <a:r>
-              <a:rPr lang="en-US" sz="1200" dirty="0" err="1" smtClean="0">
-                <a:latin typeface="Monaco"/>
-                <a:cs typeface="Monaco"/>
-              </a:rPr>
-              <a:t>dbinom(theta[block</a:t>
-            </a:r>
-            <a:r>
-              <a:rPr lang="en-US" sz="1200" dirty="0" smtClean="0">
-                <a:latin typeface="Monaco"/>
-                <a:cs typeface="Monaco"/>
-              </a:rPr>
-              <a:t>, </a:t>
-            </a:r>
-            <a:r>
-              <a:rPr lang="en-US" sz="1200" dirty="0" err="1" smtClean="0">
-                <a:latin typeface="Monaco"/>
-                <a:cs typeface="Monaco"/>
-              </a:rPr>
-              <a:t>cond[subj</a:t>
-            </a:r>
-            <a:r>
-              <a:rPr lang="en-US" sz="1200" dirty="0" smtClean="0">
-                <a:latin typeface="Monaco"/>
-                <a:cs typeface="Monaco"/>
-              </a:rPr>
-              <a:t>]] * </a:t>
-            </a:r>
-            <a:r>
-              <a:rPr lang="en-US" sz="1200" dirty="0" err="1" smtClean="0">
-                <a:latin typeface="Monaco"/>
-                <a:cs typeface="Monaco"/>
-              </a:rPr>
-              <a:t>Learner[subj</a:t>
-            </a:r>
-            <a:r>
-              <a:rPr lang="en-US" sz="1200" dirty="0" smtClean="0">
-                <a:latin typeface="Monaco"/>
-                <a:cs typeface="Monaco"/>
-              </a:rPr>
-              <a:t>] +</a:t>
-            </a:r>
-            <a:r>
-              <a:rPr lang="en-US" sz="1200" dirty="0" smtClean="0">
-                <a:latin typeface="Monaco"/>
-                <a:cs typeface="Monaco"/>
-              </a:rPr>
-              <a:t> </a:t>
-            </a:r>
-          </a:p>
-          <a:p>
-            <a:pPr>
-              <a:buNone/>
-            </a:pPr>
-            <a:r>
-              <a:rPr lang="en-US" sz="1200" dirty="0" smtClean="0">
-                <a:latin typeface="Monaco"/>
-                <a:cs typeface="Monaco"/>
-              </a:rPr>
-              <a:t>                                      0.5 </a:t>
-            </a:r>
-            <a:r>
-              <a:rPr lang="en-US" sz="1200" dirty="0" smtClean="0">
-                <a:latin typeface="Monaco"/>
-                <a:cs typeface="Monaco"/>
-              </a:rPr>
-              <a:t>* (1-Learner[subj]),</a:t>
-            </a:r>
-          </a:p>
-          <a:p>
-            <a:pPr>
-              <a:buNone/>
-            </a:pPr>
-            <a:r>
-              <a:rPr lang="en-US" sz="1200" dirty="0" smtClean="0">
-                <a:latin typeface="Monaco"/>
-                <a:cs typeface="Monaco"/>
-              </a:rPr>
-              <a:t>                                    </a:t>
-            </a:r>
-            <a:r>
-              <a:rPr lang="en-US" sz="1200" dirty="0" err="1" smtClean="0">
-                <a:latin typeface="Monaco"/>
-                <a:cs typeface="Monaco"/>
-              </a:rPr>
-              <a:t>n[subj</a:t>
-            </a:r>
-            <a:r>
-              <a:rPr lang="en-US" sz="1200" dirty="0" smtClean="0">
-                <a:latin typeface="Monaco"/>
-                <a:cs typeface="Monaco"/>
-              </a:rPr>
-              <a:t>, block])</a:t>
-            </a:r>
-          </a:p>
-          <a:p>
-            <a:pPr>
-              <a:buNone/>
-            </a:pPr>
-            <a:r>
-              <a:rPr lang="en-US" sz="1200" dirty="0" smtClean="0">
-                <a:latin typeface="Monaco"/>
-                <a:cs typeface="Monaco"/>
-              </a:rPr>
-              <a:t>        }</a:t>
-            </a:r>
-          </a:p>
-          <a:p>
-            <a:pPr>
-              <a:buNone/>
-            </a:pPr>
-            <a:r>
-              <a:rPr lang="en-US" sz="1200" dirty="0" smtClean="0">
-                <a:latin typeface="Monaco"/>
-                <a:cs typeface="Monaco"/>
-              </a:rPr>
               <a:t>    }</a:t>
             </a:r>
+            <a:endParaRPr lang="en-US" sz="1200" dirty="0" smtClean="0">
+              <a:latin typeface="Monaco"/>
+              <a:cs typeface="Monaco"/>
+            </a:endParaRPr>
           </a:p>
           <a:p>
             <a:pPr>
@@ -6406,8 +6618,8 @@
 </p:sld>
 </file>
 
-<file path=ppt/slides/slide14.xml><?xml version="1.0" encoding="utf-8"?>
-<p:sld xmlns:a="http://schemas.openxmlformats.org/drawingml/2006/main" xmlns:r="http://schemas.openxmlformats.org/officeDocument/2006/relationships" xmlns:mc="http://schemas.openxmlformats.org/markup-compatibility/2006" xmlns:mv="urn:schemas-microsoft-com:mac:vml" xmlns:p="http://schemas.openxmlformats.org/presentationml/2006/main" mc:Ignorable="mv" mc:PreserveAttributes="mv:*">
+<file path=ppt/slides/slide16.xml><?xml version="1.0" encoding="utf-8"?>
+<p:sld xmlns:a="http://schemas.openxmlformats.org/drawingml/2006/main" xmlns:r="http://schemas.openxmlformats.org/officeDocument/2006/relationships" xmlns:p="http://schemas.openxmlformats.org/presentationml/2006/main">
   <p:cSld>
     <p:spTree>
       <p:nvGrpSpPr>
@@ -6456,10 +6668,10 @@
             <p:ph idx="1"/>
           </p:nvPr>
         </p:nvPicPr>
-        <mc:AlternateContent>
-          <mc:Choice xmlns:ma="http://schemas.microsoft.com/office/mac/drawingml/2008/main" Requires="ma">
+        <mc:AlternateContent xmlns:mc="http://schemas.openxmlformats.org/markup-compatibility/2006">
+          <mc:Choice xmlns:mv="urn:schemas-microsoft-com:mac:vml" xmlns:ma="http://schemas.microsoft.com/office/mac/drawingml/2008/main" Requires="ma">
             <p:blipFill>
-              <a:blip r:embed="rId2"/>
+              <a:blip r:embed="rId1"/>
               <a:srcRect t="-18184" b="-18184"/>
               <a:stretch>
                 <a:fillRect/>
@@ -6468,7 +6680,7 @@
           </mc:Choice>
           <mc:Fallback>
             <p:blipFill>
-              <a:blip r:embed="rId3"/>
+              <a:blip r:embed="rId2"/>
               <a:srcRect t="-18184" b="-18184"/>
               <a:stretch>
                 <a:fillRect/>
@@ -6493,8 +6705,8 @@
 </p:sld>
 </file>
 
-<file path=ppt/slides/slide15.xml><?xml version="1.0" encoding="utf-8"?>
-<p:sld xmlns:a="http://schemas.openxmlformats.org/drawingml/2006/main" xmlns:r="http://schemas.openxmlformats.org/officeDocument/2006/relationships" xmlns:mc="http://schemas.openxmlformats.org/markup-compatibility/2006" xmlns:mv="urn:schemas-microsoft-com:mac:vml" xmlns:p="http://schemas.openxmlformats.org/presentationml/2006/main" mc:Ignorable="mv" mc:PreserveAttributes="mv:*">
+<file path=ppt/slides/slide17.xml><?xml version="1.0" encoding="utf-8"?>
+<p:sld xmlns:a="http://schemas.openxmlformats.org/drawingml/2006/main" xmlns:r="http://schemas.openxmlformats.org/officeDocument/2006/relationships" xmlns:p="http://schemas.openxmlformats.org/presentationml/2006/main">
   <p:cSld>
     <p:spTree>
       <p:nvGrpSpPr>
@@ -6552,10 +6764,10 @@
             <p:ph idx="1"/>
           </p:nvPr>
         </p:nvPicPr>
-        <mc:AlternateContent>
-          <mc:Choice xmlns:ma="http://schemas.microsoft.com/office/mac/drawingml/2008/main" Requires="ma">
+        <mc:AlternateContent xmlns:mc="http://schemas.openxmlformats.org/markup-compatibility/2006">
+          <mc:Choice xmlns:mv="urn:schemas-microsoft-com:mac:vml" xmlns:ma="http://schemas.microsoft.com/office/mac/drawingml/2008/main" Requires="ma">
             <p:blipFill>
-              <a:blip r:embed="rId2"/>
+              <a:blip r:embed="rId1"/>
               <a:stretch>
                 <a:fillRect/>
               </a:stretch>
@@ -6563,7 +6775,7 @@
           </mc:Choice>
           <mc:Fallback>
             <p:blipFill>
-              <a:blip r:embed="rId3"/>
+              <a:blip r:embed="rId2"/>
               <a:stretch>
                 <a:fillRect/>
               </a:stretch>
@@ -6592,8 +6804,8 @@
 </p:sld>
 </file>
 
-<file path=ppt/slides/slide16.xml><?xml version="1.0" encoding="utf-8"?>
-<p:sld xmlns:a="http://schemas.openxmlformats.org/drawingml/2006/main" xmlns:r="http://schemas.openxmlformats.org/officeDocument/2006/relationships" xmlns:mc="http://schemas.openxmlformats.org/markup-compatibility/2006" xmlns:mv="urn:schemas-microsoft-com:mac:vml" xmlns:p="http://schemas.openxmlformats.org/presentationml/2006/main" mc:Ignorable="mv" mc:PreserveAttributes="mv:*">
+<file path=ppt/slides/slide18.xml><?xml version="1.0" encoding="utf-8"?>
+<p:sld xmlns:a="http://schemas.openxmlformats.org/drawingml/2006/main" xmlns:r="http://schemas.openxmlformats.org/officeDocument/2006/relationships" xmlns:p="http://schemas.openxmlformats.org/presentationml/2006/main">
   <p:cSld>
     <p:spTree>
       <p:nvGrpSpPr>
@@ -6638,10 +6850,10 @@
             <p:ph idx="1"/>
           </p:nvPr>
         </p:nvPicPr>
-        <mc:AlternateContent>
-          <mc:Choice xmlns:ma="http://schemas.microsoft.com/office/mac/drawingml/2008/main" Requires="ma">
+        <mc:AlternateContent xmlns:mc="http://schemas.openxmlformats.org/markup-compatibility/2006">
+          <mc:Choice xmlns:mv="urn:schemas-microsoft-com:mac:vml" xmlns:ma="http://schemas.microsoft.com/office/mac/drawingml/2008/main" Requires="ma">
             <p:blipFill>
-              <a:blip r:embed="rId3"/>
+              <a:blip r:embed="rId1"/>
               <a:stretch>
                 <a:fillRect/>
               </a:stretch>
@@ -6649,7 +6861,7 @@
           </mc:Choice>
           <mc:Fallback>
             <p:blipFill>
-              <a:blip r:embed="rId4"/>
+              <a:blip r:embed="rId2"/>
               <a:stretch>
                 <a:fillRect/>
               </a:stretch>
@@ -6678,8 +6890,8 @@
 </p:sld>
 </file>
 
-<file path=ppt/slides/slide17.xml><?xml version="1.0" encoding="utf-8"?>
-<p:sld xmlns:a="http://schemas.openxmlformats.org/drawingml/2006/main" xmlns:r="http://schemas.openxmlformats.org/officeDocument/2006/relationships" xmlns:mc="http://schemas.openxmlformats.org/markup-compatibility/2006" xmlns:mv="urn:schemas-microsoft-com:mac:vml" xmlns:p="http://schemas.openxmlformats.org/presentationml/2006/main" mc:Ignorable="mv" mc:PreserveAttributes="mv:*">
+<file path=ppt/slides/slide19.xml><?xml version="1.0" encoding="utf-8"?>
+<p:sld xmlns:a="http://schemas.openxmlformats.org/drawingml/2006/main" xmlns:r="http://schemas.openxmlformats.org/officeDocument/2006/relationships" xmlns:p="http://schemas.openxmlformats.org/presentationml/2006/main">
   <p:cSld>
     <p:spTree>
       <p:nvGrpSpPr>
@@ -6724,10 +6936,10 @@
             <p:ph idx="1"/>
           </p:nvPr>
         </p:nvPicPr>
-        <mc:AlternateContent>
-          <mc:Choice xmlns:ma="http://schemas.microsoft.com/office/mac/drawingml/2008/main" Requires="ma">
+        <mc:AlternateContent xmlns:mc="http://schemas.openxmlformats.org/markup-compatibility/2006">
+          <mc:Choice xmlns:mv="urn:schemas-microsoft-com:mac:vml" xmlns:ma="http://schemas.microsoft.com/office/mac/drawingml/2008/main" Requires="ma">
             <p:blipFill>
-              <a:blip r:embed="rId3"/>
+              <a:blip r:embed="rId1"/>
               <a:stretch>
                 <a:fillRect/>
               </a:stretch>
@@ -6735,7 +6947,7 @@
           </mc:Choice>
           <mc:Fallback>
             <p:blipFill>
-              <a:blip r:embed="rId4"/>
+              <a:blip r:embed="rId2"/>
               <a:stretch>
                 <a:fillRect/>
               </a:stretch>
@@ -6764,8 +6976,8 @@
 </p:sld>
 </file>
 
-<file path=ppt/slides/slide18.xml><?xml version="1.0" encoding="utf-8"?>
-<p:sld xmlns:a="http://schemas.openxmlformats.org/drawingml/2006/main" xmlns:r="http://schemas.openxmlformats.org/officeDocument/2006/relationships" xmlns:mc="http://schemas.openxmlformats.org/markup-compatibility/2006" xmlns:mv="urn:schemas-microsoft-com:mac:vml" xmlns:p="http://schemas.openxmlformats.org/presentationml/2006/main" mc:Ignorable="mv" mc:PreserveAttributes="mv:*">
+<file path=ppt/slides/slide2.xml><?xml version="1.0" encoding="utf-8"?>
+<p:sld xmlns:a="http://schemas.openxmlformats.org/drawingml/2006/main" xmlns:r="http://schemas.openxmlformats.org/officeDocument/2006/relationships" xmlns:p="http://schemas.openxmlformats.org/presentationml/2006/main">
   <p:cSld>
     <p:spTree>
       <p:nvGrpSpPr>
@@ -6793,6 +7005,100 @@
         </p:nvSpPr>
         <p:spPr/>
         <p:txBody>
+          <a:bodyPr/>
+          <a:lstStyle/>
+          <a:p>
+            <a:r>
+              <a:rPr lang="en-US" dirty="0" smtClean="0"/>
+              <a:t>Background</a:t>
+            </a:r>
+            <a:endParaRPr lang="en-US" dirty="0"/>
+          </a:p>
+        </p:txBody>
+      </p:sp>
+      <p:sp>
+        <p:nvSpPr>
+          <p:cNvPr id="3" name="Content Placeholder 2"/>
+          <p:cNvSpPr>
+            <a:spLocks noGrp="1"/>
+          </p:cNvSpPr>
+          <p:nvPr>
+            <p:ph idx="1"/>
+          </p:nvPr>
+        </p:nvSpPr>
+        <p:spPr/>
+        <p:txBody>
+          <a:bodyPr/>
+          <a:lstStyle/>
+          <a:p>
+            <a:r>
+              <a:rPr lang="en-US" dirty="0" smtClean="0"/>
+              <a:t>How do </a:t>
+            </a:r>
+            <a:r>
+              <a:rPr lang="en-US" i="1" dirty="0" smtClean="0"/>
+              <a:t>task</a:t>
+            </a:r>
+            <a:r>
+              <a:rPr lang="en-US" dirty="0" smtClean="0"/>
+              <a:t> and </a:t>
+            </a:r>
+            <a:r>
+              <a:rPr lang="en-US" i="1" dirty="0" smtClean="0"/>
+              <a:t>training</a:t>
+            </a:r>
+            <a:r>
+              <a:rPr lang="en-US" dirty="0" smtClean="0"/>
+              <a:t> interact in learning?</a:t>
+            </a:r>
+            <a:endParaRPr lang="en-US" dirty="0"/>
+          </a:p>
+        </p:txBody>
+      </p:sp>
+    </p:spTree>
+  </p:cSld>
+  <p:clrMapOvr>
+    <a:masterClrMapping/>
+  </p:clrMapOvr>
+  <p:timing>
+    <p:tnLst>
+      <p:par>
+        <p:cTn id="1" dur="indefinite" restart="never" nodeType="tmRoot"/>
+      </p:par>
+    </p:tnLst>
+  </p:timing>
+</p:sld>
+</file>
+
+<file path=ppt/slides/slide20.xml><?xml version="1.0" encoding="utf-8"?>
+<p:sld xmlns:a="http://schemas.openxmlformats.org/drawingml/2006/main" xmlns:r="http://schemas.openxmlformats.org/officeDocument/2006/relationships" xmlns:p="http://schemas.openxmlformats.org/presentationml/2006/main">
+  <p:cSld>
+    <p:spTree>
+      <p:nvGrpSpPr>
+        <p:cNvPr id="1" name=""/>
+        <p:cNvGrpSpPr/>
+        <p:nvPr/>
+      </p:nvGrpSpPr>
+      <p:grpSpPr>
+        <a:xfrm>
+          <a:off x="0" y="0"/>
+          <a:ext cx="0" cy="0"/>
+          <a:chOff x="0" y="0"/>
+          <a:chExt cx="0" cy="0"/>
+        </a:xfrm>
+      </p:grpSpPr>
+      <p:sp>
+        <p:nvSpPr>
+          <p:cNvPr id="2" name="Title 1"/>
+          <p:cNvSpPr>
+            <a:spLocks noGrp="1"/>
+          </p:cNvSpPr>
+          <p:nvPr>
+            <p:ph type="title"/>
+          </p:nvPr>
+        </p:nvSpPr>
+        <p:spPr/>
+        <p:txBody>
           <a:bodyPr>
             <a:noAutofit/>
           </a:bodyPr>
@@ -6814,10 +7120,10 @@
           </p:cNvPicPr>
           <p:nvPr/>
         </p:nvPicPr>
-        <mc:AlternateContent>
-          <mc:Choice xmlns:ma="http://schemas.microsoft.com/office/mac/drawingml/2008/main" Requires="ma">
+        <mc:AlternateContent xmlns:mc="http://schemas.openxmlformats.org/markup-compatibility/2006">
+          <mc:Choice xmlns:mv="urn:schemas-microsoft-com:mac:vml" xmlns:ma="http://schemas.microsoft.com/office/mac/drawingml/2008/main" Requires="ma">
             <p:blipFill>
-              <a:blip r:embed="rId3"/>
+              <a:blip r:embed="rId1"/>
               <a:stretch>
                 <a:fillRect/>
               </a:stretch>
@@ -6825,7 +7131,7 @@
           </mc:Choice>
           <mc:Fallback>
             <p:blipFill>
-              <a:blip r:embed="rId4"/>
+              <a:blip r:embed="rId2"/>
               <a:stretch>
                 <a:fillRect/>
               </a:stretch>
@@ -6850,8 +7156,8 @@
 </p:sld>
 </file>
 
-<file path=ppt/slides/slide19.xml><?xml version="1.0" encoding="utf-8"?>
-<p:sld xmlns:a="http://schemas.openxmlformats.org/drawingml/2006/main" xmlns:r="http://schemas.openxmlformats.org/officeDocument/2006/relationships" xmlns:mc="http://schemas.openxmlformats.org/markup-compatibility/2006" xmlns:mv="urn:schemas-microsoft-com:mac:vml" xmlns:p="http://schemas.openxmlformats.org/presentationml/2006/main" mc:Ignorable="mv" mc:PreserveAttributes="mv:*">
+<file path=ppt/slides/slide21.xml><?xml version="1.0" encoding="utf-8"?>
+<p:sld xmlns:a="http://schemas.openxmlformats.org/drawingml/2006/main" xmlns:r="http://schemas.openxmlformats.org/officeDocument/2006/relationships" xmlns:p="http://schemas.openxmlformats.org/presentationml/2006/main">
   <p:cSld>
     <p:spTree>
       <p:nvGrpSpPr>
@@ -6922,14 +7228,7 @@
                 <a:latin typeface="Monaco"/>
                 <a:cs typeface="Monaco"/>
               </a:rPr>
-              <a:t>model </a:t>
-            </a:r>
-            <a:r>
-              <a:rPr lang="en-US" sz="1200" dirty="0" smtClean="0">
-                <a:latin typeface="Monaco"/>
-                <a:cs typeface="Monaco"/>
-              </a:rPr>
-              <a:t>{</a:t>
+              <a:t>model {</a:t>
             </a:r>
             <a:endParaRPr lang="en-US" sz="1200" dirty="0" smtClean="0">
               <a:latin typeface="Monaco"/>
@@ -6945,92 +7244,21 @@
                 <a:latin typeface="Monaco"/>
                 <a:cs typeface="Monaco"/>
               </a:rPr>
-              <a:t>    for </a:t>
+              <a:t>    for (</a:t>
+            </a:r>
+            <a:r>
+              <a:rPr lang="en-US" sz="1200" dirty="0" err="1" smtClean="0">
+                <a:latin typeface="Monaco"/>
+                <a:cs typeface="Monaco"/>
+              </a:rPr>
+              <a:t>c</a:t>
             </a:r>
             <a:r>
               <a:rPr lang="en-US" sz="1200" dirty="0" smtClean="0">
                 <a:latin typeface="Monaco"/>
                 <a:cs typeface="Monaco"/>
               </a:rPr>
-              <a:t>(</a:t>
-            </a:r>
-            <a:r>
-              <a:rPr lang="en-US" sz="1200" dirty="0" err="1" smtClean="0">
-                <a:latin typeface="Monaco"/>
-                <a:cs typeface="Monaco"/>
-              </a:rPr>
-              <a:t>c</a:t>
-            </a:r>
-            <a:r>
-              <a:rPr lang="en-US" sz="1200" dirty="0" smtClean="0">
-                <a:latin typeface="Monaco"/>
-                <a:cs typeface="Monaco"/>
-              </a:rPr>
               <a:t> in 1:Ncond) {</a:t>
-            </a:r>
-          </a:p>
-          <a:p>
-            <a:pPr>
-              <a:buNone/>
-            </a:pPr>
-            <a:r>
-              <a:rPr lang="en-US" sz="1200" dirty="0" smtClean="0">
-                <a:latin typeface="Monaco"/>
-                <a:cs typeface="Monaco"/>
-              </a:rPr>
-              <a:t>        # regression parameters</a:t>
-            </a:r>
-          </a:p>
-          <a:p>
-            <a:pPr>
-              <a:buNone/>
-            </a:pPr>
-            <a:r>
-              <a:rPr lang="en-US" sz="1200" dirty="0" smtClean="0">
-                <a:latin typeface="Monaco"/>
-                <a:cs typeface="Monaco"/>
-              </a:rPr>
-              <a:t>        </a:t>
-            </a:r>
-            <a:r>
-              <a:rPr lang="en-US" sz="1200" dirty="0" err="1" smtClean="0">
-                <a:latin typeface="Monaco"/>
-                <a:cs typeface="Monaco"/>
-              </a:rPr>
-              <a:t>intercept[c</a:t>
-            </a:r>
-            <a:r>
-              <a:rPr lang="en-US" sz="1200" dirty="0" smtClean="0">
-                <a:latin typeface="Monaco"/>
-                <a:cs typeface="Monaco"/>
-              </a:rPr>
-              <a:t>] ~ dnorm(0, 1e-3)</a:t>
-            </a:r>
-          </a:p>
-          <a:p>
-            <a:pPr>
-              <a:buNone/>
-            </a:pPr>
-            <a:r>
-              <a:rPr lang="en-US" sz="1200" dirty="0" smtClean="0">
-                <a:latin typeface="Monaco"/>
-                <a:cs typeface="Monaco"/>
-              </a:rPr>
-              <a:t>        </a:t>
-            </a:r>
-            <a:r>
-              <a:rPr lang="en-US" sz="1200" dirty="0" err="1" smtClean="0">
-                <a:latin typeface="Monaco"/>
-                <a:cs typeface="Monaco"/>
-              </a:rPr>
-              <a:t>slope[c</a:t>
-            </a:r>
-            <a:r>
-              <a:rPr lang="en-US" sz="1200" dirty="0" smtClean="0">
-                <a:latin typeface="Monaco"/>
-                <a:cs typeface="Monaco"/>
-              </a:rPr>
-              <a:t>] ~ dnorm(0, 1e-3)</a:t>
             </a:r>
             <a:endParaRPr lang="en-US" sz="1200" dirty="0" smtClean="0">
               <a:latin typeface="Monaco"/>
@@ -7046,33 +7274,7 @@
                 <a:latin typeface="Monaco"/>
                 <a:cs typeface="Monaco"/>
               </a:rPr>
-              <a:t>    }</a:t>
-            </a:r>
-          </a:p>
-          <a:p>
-            <a:pPr>
-              <a:buNone/>
-            </a:pPr>
-            <a:r>
-              <a:rPr lang="en-US" sz="1200" dirty="0" smtClean="0">
-                <a:latin typeface="Monaco"/>
-                <a:cs typeface="Monaco"/>
-              </a:rPr>
-              <a:t>    for (</a:t>
-            </a:r>
-            <a:r>
-              <a:rPr lang="en-US" sz="1200" dirty="0" err="1" smtClean="0">
-                <a:latin typeface="Monaco"/>
-                <a:cs typeface="Monaco"/>
-              </a:rPr>
-              <a:t>subj</a:t>
-            </a:r>
-            <a:r>
-              <a:rPr lang="en-US" sz="1200" dirty="0" smtClean="0">
-                <a:latin typeface="Monaco"/>
-                <a:cs typeface="Monaco"/>
-              </a:rPr>
-              <a:t> in 1:Nsubj) {</a:t>
+              <a:t>        # regression parameters</a:t>
             </a:r>
             <a:endParaRPr lang="en-US" sz="1200" dirty="0" smtClean="0">
               <a:latin typeface="Monaco"/>
@@ -7095,33 +7297,14 @@
                 <a:latin typeface="Monaco"/>
                 <a:cs typeface="Monaco"/>
               </a:rPr>
-              <a:t>delay</a:t>
-            </a:r>
-            <a:r>
-              <a:rPr lang="en-US" sz="1200" dirty="0" err="1" smtClean="0">
-                <a:latin typeface="Monaco"/>
-                <a:cs typeface="Monaco"/>
-              </a:rPr>
-              <a:t>[subj</a:t>
+              <a:t>intercept[c</a:t>
             </a:r>
             <a:r>
               <a:rPr lang="en-US" sz="1200" dirty="0" smtClean="0">
                 <a:latin typeface="Monaco"/>
                 <a:cs typeface="Monaco"/>
               </a:rPr>
-              <a:t>] ~ dunif(0, Nblock+1)</a:t>
-            </a:r>
-          </a:p>
-          <a:p>
-            <a:pPr>
-              <a:buNone/>
-            </a:pPr>
-            <a:r>
-              <a:rPr lang="en-US" sz="1200" dirty="0" smtClean="0">
-                <a:latin typeface="Monaco"/>
-                <a:cs typeface="Monaco"/>
-              </a:rPr>
-              <a:t>        for (block in 1:Nblock) {</a:t>
+              <a:t>] ~ dnorm(0, 1e-3)</a:t>
             </a:r>
             <a:endParaRPr lang="en-US" sz="1200" dirty="0" smtClean="0">
               <a:latin typeface="Monaco"/>
@@ -7137,167 +7320,21 @@
                 <a:latin typeface="Monaco"/>
                 <a:cs typeface="Monaco"/>
               </a:rPr>
-              <a:t>            </a:t>
+              <a:t>        </a:t>
             </a:r>
             <a:r>
               <a:rPr lang="en-US" sz="1200" dirty="0" err="1" smtClean="0">
                 <a:latin typeface="Monaco"/>
                 <a:cs typeface="Monaco"/>
               </a:rPr>
-              <a:t>logit</a:t>
-            </a:r>
-            <a:r>
-              <a:rPr lang="en-US" sz="1200" dirty="0" err="1" smtClean="0">
-                <a:latin typeface="Monaco"/>
-                <a:cs typeface="Monaco"/>
-              </a:rPr>
-              <a:t>(theta[subj</a:t>
+              <a:t>slope[c</a:t>
             </a:r>
             <a:r>
               <a:rPr lang="en-US" sz="1200" dirty="0" smtClean="0">
                 <a:latin typeface="Monaco"/>
                 <a:cs typeface="Monaco"/>
               </a:rPr>
-              <a:t>, block]) &lt;- (</a:t>
-            </a:r>
-            <a:r>
-              <a:rPr lang="en-US" sz="1200" dirty="0" err="1" smtClean="0">
-                <a:latin typeface="Monaco"/>
-                <a:cs typeface="Monaco"/>
-              </a:rPr>
-              <a:t>intercept[cond[subj</a:t>
-            </a:r>
-            <a:r>
-              <a:rPr lang="en-US" sz="1200" dirty="0" smtClean="0">
-                <a:latin typeface="Monaco"/>
-                <a:cs typeface="Monaco"/>
-              </a:rPr>
-              <a:t>]] +</a:t>
-            </a:r>
-            <a:r>
-              <a:rPr lang="en-US" sz="1200" dirty="0" smtClean="0">
-                <a:latin typeface="Monaco"/>
-                <a:cs typeface="Monaco"/>
-              </a:rPr>
-              <a:t> </a:t>
-            </a:r>
-          </a:p>
-          <a:p>
-            <a:pPr>
-              <a:buNone/>
-            </a:pPr>
-            <a:r>
-              <a:rPr lang="en-US" sz="1200" dirty="0" smtClean="0">
-                <a:latin typeface="Monaco"/>
-                <a:cs typeface="Monaco"/>
-              </a:rPr>
-              <a:t>                                          </a:t>
-            </a:r>
-            <a:r>
-              <a:rPr lang="en-US" sz="1200" dirty="0" err="1" smtClean="0">
-                <a:latin typeface="Monaco"/>
-                <a:cs typeface="Monaco"/>
-              </a:rPr>
-              <a:t>slope</a:t>
-            </a:r>
-            <a:r>
-              <a:rPr lang="en-US" sz="1200" dirty="0" err="1" smtClean="0">
-                <a:latin typeface="Monaco"/>
-                <a:cs typeface="Monaco"/>
-              </a:rPr>
-              <a:t>[cond[subj</a:t>
-            </a:r>
-            <a:r>
-              <a:rPr lang="en-US" sz="1200" dirty="0" smtClean="0">
-                <a:latin typeface="Monaco"/>
-                <a:cs typeface="Monaco"/>
-              </a:rPr>
-              <a:t>]] *</a:t>
-            </a:r>
-            <a:r>
-              <a:rPr lang="en-US" sz="1200" dirty="0" smtClean="0">
-                <a:latin typeface="Monaco"/>
-                <a:cs typeface="Monaco"/>
-              </a:rPr>
-              <a:t> </a:t>
-            </a:r>
-          </a:p>
-          <a:p>
-            <a:pPr>
-              <a:buNone/>
-            </a:pPr>
-            <a:r>
-              <a:rPr lang="en-US" sz="1200" dirty="0" smtClean="0">
-                <a:latin typeface="Monaco"/>
-                <a:cs typeface="Monaco"/>
-              </a:rPr>
-              <a:t>                                            (</a:t>
-            </a:r>
-            <a:r>
-              <a:rPr lang="en-US" sz="1200" dirty="0" smtClean="0">
-                <a:latin typeface="Monaco"/>
-                <a:cs typeface="Monaco"/>
-              </a:rPr>
-              <a:t>block-Nblock/2-0.5-delay[subj]</a:t>
-            </a:r>
-            <a:r>
-              <a:rPr lang="en-US" sz="1200" dirty="0" smtClean="0">
-                <a:latin typeface="Monaco"/>
-                <a:cs typeface="Monaco"/>
-              </a:rPr>
-              <a:t>)</a:t>
-            </a:r>
-          </a:p>
-          <a:p>
-            <a:pPr>
-              <a:buNone/>
-            </a:pPr>
-            <a:r>
-              <a:rPr lang="en-US" sz="1200" dirty="0" smtClean="0">
-                <a:latin typeface="Monaco"/>
-                <a:cs typeface="Monaco"/>
-              </a:rPr>
-              <a:t>                                          ) * (</a:t>
-            </a:r>
-            <a:r>
-              <a:rPr lang="en-US" sz="1200" dirty="0" smtClean="0">
-                <a:latin typeface="Monaco"/>
-                <a:cs typeface="Monaco"/>
-              </a:rPr>
-              <a:t>block &gt; </a:t>
-            </a:r>
-            <a:r>
-              <a:rPr lang="en-US" sz="1200" dirty="0" err="1" smtClean="0">
-                <a:latin typeface="Monaco"/>
-                <a:cs typeface="Monaco"/>
-              </a:rPr>
-              <a:t>delay[subj</a:t>
-            </a:r>
-            <a:r>
-              <a:rPr lang="en-US" sz="1200" dirty="0" smtClean="0">
-                <a:latin typeface="Monaco"/>
-                <a:cs typeface="Monaco"/>
-              </a:rPr>
-              <a:t>])</a:t>
-            </a:r>
-          </a:p>
-          <a:p>
-            <a:pPr>
-              <a:buNone/>
-            </a:pPr>
-            <a:r>
-              <a:rPr lang="en-US" sz="1200" dirty="0" smtClean="0">
-                <a:latin typeface="Monaco"/>
-                <a:cs typeface="Monaco"/>
-              </a:rPr>
-              <a:t>            # sample </a:t>
-            </a:r>
-            <a:r>
-              <a:rPr lang="en-US" sz="1200" dirty="0" err="1" smtClean="0">
-                <a:latin typeface="Monaco"/>
-                <a:cs typeface="Monaco"/>
-              </a:rPr>
-              <a:t>succeses</a:t>
+              <a:t>] ~ dnorm(0, 1e-3)</a:t>
             </a:r>
             <a:endParaRPr lang="en-US" sz="1200" dirty="0" smtClean="0">
               <a:latin typeface="Monaco"/>
@@ -7313,34 +7350,255 @@
                 <a:latin typeface="Monaco"/>
                 <a:cs typeface="Monaco"/>
               </a:rPr>
-              <a:t>           </a:t>
-            </a:r>
+              <a:t>    }</a:t>
+            </a:r>
+            <a:endParaRPr lang="en-US" sz="1200" dirty="0" smtClean="0">
+              <a:latin typeface="Monaco"/>
+              <a:cs typeface="Monaco"/>
+            </a:endParaRPr>
+          </a:p>
+          <a:p>
+            <a:pPr>
+              <a:buNone/>
+            </a:pPr>
             <a:r>
               <a:rPr lang="en-US" sz="1200" dirty="0" smtClean="0">
                 <a:latin typeface="Monaco"/>
                 <a:cs typeface="Monaco"/>
               </a:rPr>
-              <a:t> </a:t>
+              <a:t>    for (</a:t>
             </a:r>
             <a:r>
               <a:rPr lang="en-US" sz="1200" dirty="0" err="1" smtClean="0">
                 <a:latin typeface="Monaco"/>
                 <a:cs typeface="Monaco"/>
               </a:rPr>
-              <a:t>y[</a:t>
+              <a:t>subj</a:t>
+            </a:r>
+            <a:r>
+              <a:rPr lang="en-US" sz="1200" dirty="0" smtClean="0">
+                <a:latin typeface="Monaco"/>
+                <a:cs typeface="Monaco"/>
+              </a:rPr>
+              <a:t> in 1:Nsubj) {</a:t>
+            </a:r>
+            <a:endParaRPr lang="en-US" sz="1200" dirty="0" smtClean="0">
+              <a:latin typeface="Monaco"/>
+              <a:cs typeface="Monaco"/>
+            </a:endParaRPr>
+          </a:p>
+          <a:p>
+            <a:pPr>
+              <a:buNone/>
+            </a:pPr>
+            <a:r>
+              <a:rPr lang="en-US" sz="1200" dirty="0" smtClean="0">
+                <a:latin typeface="Monaco"/>
+                <a:cs typeface="Monaco"/>
+              </a:rPr>
+              <a:t>        </a:t>
             </a:r>
             <a:r>
               <a:rPr lang="en-US" sz="1200" dirty="0" err="1" smtClean="0">
                 <a:latin typeface="Monaco"/>
                 <a:cs typeface="Monaco"/>
               </a:rPr>
-              <a:t>subj</a:t>
+              <a:t>delay[subj</a:t>
             </a:r>
             <a:r>
               <a:rPr lang="en-US" sz="1200" dirty="0" smtClean="0">
                 <a:latin typeface="Monaco"/>
                 <a:cs typeface="Monaco"/>
               </a:rPr>
+              <a:t>] ~ dunif(0, Nblock+1)</a:t>
+            </a:r>
+            <a:endParaRPr lang="en-US" sz="1200" dirty="0" smtClean="0">
+              <a:latin typeface="Monaco"/>
+              <a:cs typeface="Monaco"/>
+            </a:endParaRPr>
+          </a:p>
+          <a:p>
+            <a:pPr>
+              <a:buNone/>
+            </a:pPr>
+            <a:r>
+              <a:rPr lang="en-US" sz="1200" dirty="0" smtClean="0">
+                <a:latin typeface="Monaco"/>
+                <a:cs typeface="Monaco"/>
+              </a:rPr>
+              <a:t>        for (block in 1:Nblock) {</a:t>
+            </a:r>
+            <a:endParaRPr lang="en-US" sz="1200" dirty="0" smtClean="0">
+              <a:latin typeface="Monaco"/>
+              <a:cs typeface="Monaco"/>
+            </a:endParaRPr>
+          </a:p>
+          <a:p>
+            <a:pPr>
+              <a:buNone/>
+            </a:pPr>
+            <a:r>
+              <a:rPr lang="en-US" sz="1200" dirty="0" smtClean="0">
+                <a:latin typeface="Monaco"/>
+                <a:cs typeface="Monaco"/>
+              </a:rPr>
+              <a:t>            </a:t>
+            </a:r>
+            <a:r>
+              <a:rPr lang="en-US" sz="1200" dirty="0" err="1" smtClean="0">
+                <a:latin typeface="Monaco"/>
+                <a:cs typeface="Monaco"/>
+              </a:rPr>
+              <a:t>logit(theta[subj</a:t>
+            </a:r>
+            <a:r>
+              <a:rPr lang="en-US" sz="1200" dirty="0" smtClean="0">
+                <a:latin typeface="Monaco"/>
+                <a:cs typeface="Monaco"/>
+              </a:rPr>
+              <a:t>, block]) &lt;- (</a:t>
+            </a:r>
+            <a:r>
+              <a:rPr lang="en-US" sz="1200" dirty="0" err="1" smtClean="0">
+                <a:latin typeface="Monaco"/>
+                <a:cs typeface="Monaco"/>
+              </a:rPr>
+              <a:t>intercept[cond[subj</a:t>
+            </a:r>
+            <a:r>
+              <a:rPr lang="en-US" sz="1200" dirty="0" smtClean="0">
+                <a:latin typeface="Monaco"/>
+                <a:cs typeface="Monaco"/>
+              </a:rPr>
+              <a:t>]] + </a:t>
+            </a:r>
+            <a:endParaRPr lang="en-US" sz="1200" dirty="0" smtClean="0">
+              <a:latin typeface="Monaco"/>
+              <a:cs typeface="Monaco"/>
+            </a:endParaRPr>
+          </a:p>
+          <a:p>
+            <a:pPr>
+              <a:buNone/>
+            </a:pPr>
+            <a:r>
+              <a:rPr lang="en-US" sz="1200" dirty="0" smtClean="0">
+                <a:latin typeface="Monaco"/>
+                <a:cs typeface="Monaco"/>
+              </a:rPr>
+              <a:t>                                          </a:t>
+            </a:r>
+            <a:r>
+              <a:rPr lang="en-US" sz="1200" dirty="0" err="1" smtClean="0">
+                <a:latin typeface="Monaco"/>
+                <a:cs typeface="Monaco"/>
+              </a:rPr>
+              <a:t>slope[cond[subj</a:t>
+            </a:r>
+            <a:r>
+              <a:rPr lang="en-US" sz="1200" dirty="0" smtClean="0">
+                <a:latin typeface="Monaco"/>
+                <a:cs typeface="Monaco"/>
+              </a:rPr>
+              <a:t>]] * </a:t>
+            </a:r>
+            <a:endParaRPr lang="en-US" sz="1200" dirty="0" smtClean="0">
+              <a:latin typeface="Monaco"/>
+              <a:cs typeface="Monaco"/>
+            </a:endParaRPr>
+          </a:p>
+          <a:p>
+            <a:pPr>
+              <a:buNone/>
+            </a:pPr>
+            <a:r>
+              <a:rPr lang="en-US" sz="1200" dirty="0" smtClean="0">
+                <a:latin typeface="Monaco"/>
+                <a:cs typeface="Monaco"/>
+              </a:rPr>
+              <a:t>                                            (block-Nblock/2-0.5-delay[subj])</a:t>
+            </a:r>
+            <a:endParaRPr lang="en-US" sz="1200" dirty="0" smtClean="0">
+              <a:latin typeface="Monaco"/>
+              <a:cs typeface="Monaco"/>
+            </a:endParaRPr>
+          </a:p>
+          <a:p>
+            <a:pPr>
+              <a:buNone/>
+            </a:pPr>
+            <a:r>
+              <a:rPr lang="en-US" sz="1200" dirty="0" smtClean="0">
+                <a:latin typeface="Monaco"/>
+                <a:cs typeface="Monaco"/>
+              </a:rPr>
+              <a:t>                                          ) * (block &gt; </a:t>
+            </a:r>
+            <a:r>
+              <a:rPr lang="en-US" sz="1200" dirty="0" err="1" smtClean="0">
+                <a:latin typeface="Monaco"/>
+                <a:cs typeface="Monaco"/>
+              </a:rPr>
+              <a:t>delay[subj</a:t>
+            </a:r>
+            <a:r>
+              <a:rPr lang="en-US" sz="1200" dirty="0" smtClean="0">
+                <a:latin typeface="Monaco"/>
+                <a:cs typeface="Monaco"/>
+              </a:rPr>
+              <a:t>])</a:t>
+            </a:r>
+            <a:endParaRPr lang="en-US" sz="1200" dirty="0" smtClean="0">
+              <a:latin typeface="Monaco"/>
+              <a:cs typeface="Monaco"/>
+            </a:endParaRPr>
+          </a:p>
+          <a:p>
+            <a:pPr>
+              <a:buNone/>
+            </a:pPr>
+            <a:r>
+              <a:rPr lang="en-US" sz="1200" dirty="0" smtClean="0">
+                <a:latin typeface="Monaco"/>
+                <a:cs typeface="Monaco"/>
+              </a:rPr>
+              <a:t>            # sample </a:t>
+            </a:r>
+            <a:r>
+              <a:rPr lang="en-US" sz="1200" dirty="0" err="1" smtClean="0">
+                <a:latin typeface="Monaco"/>
+                <a:cs typeface="Monaco"/>
+              </a:rPr>
+              <a:t>succeses</a:t>
+            </a:r>
+            <a:endParaRPr lang="en-US" sz="1200" dirty="0" smtClean="0">
+              <a:latin typeface="Monaco"/>
+              <a:cs typeface="Monaco"/>
+            </a:endParaRPr>
+          </a:p>
+          <a:p>
+            <a:pPr>
+              <a:buNone/>
+            </a:pPr>
+            <a:r>
+              <a:rPr lang="en-US" sz="1200" dirty="0" smtClean="0">
+                <a:latin typeface="Monaco"/>
+                <a:cs typeface="Monaco"/>
+              </a:rPr>
+              <a:t>            </a:t>
+            </a:r>
+            <a:r>
+              <a:rPr lang="en-US" sz="1200" dirty="0" err="1" smtClean="0">
+                <a:latin typeface="Monaco"/>
+                <a:cs typeface="Monaco"/>
+              </a:rPr>
+              <a:t>y[subj</a:t>
+            </a:r>
+            <a:r>
+              <a:rPr lang="en-US" sz="1200" dirty="0" smtClean="0">
+                <a:latin typeface="Monaco"/>
+                <a:cs typeface="Monaco"/>
+              </a:rPr>
               <a:t>, block] ~ </a:t>
             </a:r>
             <a:r>
@@ -7371,6 +7629,10 @@
               </a:rPr>
               <a:t>, block])</a:t>
             </a:r>
+            <a:endParaRPr lang="en-US" sz="1200" dirty="0" smtClean="0">
+              <a:latin typeface="Monaco"/>
+              <a:cs typeface="Monaco"/>
+            </a:endParaRPr>
           </a:p>
           <a:p>
             <a:pPr>
@@ -7383,6 +7645,10 @@
               </a:rPr>
               <a:t>        }</a:t>
             </a:r>
+            <a:endParaRPr lang="en-US" sz="1200" dirty="0" smtClean="0">
+              <a:latin typeface="Monaco"/>
+              <a:cs typeface="Monaco"/>
+            </a:endParaRPr>
           </a:p>
           <a:p>
             <a:pPr>
@@ -7395,6 +7661,10 @@
               </a:rPr>
               <a:t>    }</a:t>
             </a:r>
+            <a:endParaRPr lang="en-US" sz="1200" dirty="0" smtClean="0">
+              <a:latin typeface="Monaco"/>
+              <a:cs typeface="Monaco"/>
+            </a:endParaRPr>
           </a:p>
           <a:p>
             <a:pPr>
@@ -7414,298 +7684,6 @@
           </a:p>
         </p:txBody>
       </p:sp>
-    </p:spTree>
-  </p:cSld>
-  <p:clrMapOvr>
-    <a:masterClrMapping/>
-  </p:clrMapOvr>
-  <p:timing>
-    <p:tnLst>
-      <p:par>
-        <p:cTn id="1" dur="indefinite" restart="never" nodeType="tmRoot"/>
-      </p:par>
-    </p:tnLst>
-  </p:timing>
-</p:sld>
-</file>
-
-<file path=ppt/slides/slide2.xml><?xml version="1.0" encoding="utf-8"?>
-<p:sld xmlns:a="http://schemas.openxmlformats.org/drawingml/2006/main" xmlns:r="http://schemas.openxmlformats.org/officeDocument/2006/relationships" xmlns:mc="http://schemas.openxmlformats.org/markup-compatibility/2006" xmlns:mv="urn:schemas-microsoft-com:mac:vml" xmlns:p="http://schemas.openxmlformats.org/presentationml/2006/main" mc:Ignorable="mv" mc:PreserveAttributes="mv:*">
-  <p:cSld>
-    <p:spTree>
-      <p:nvGrpSpPr>
-        <p:cNvPr id="1" name=""/>
-        <p:cNvGrpSpPr/>
-        <p:nvPr/>
-      </p:nvGrpSpPr>
-      <p:grpSpPr>
-        <a:xfrm>
-          <a:off x="0" y="0"/>
-          <a:ext cx="0" cy="0"/>
-          <a:chOff x="0" y="0"/>
-          <a:chExt cx="0" cy="0"/>
-        </a:xfrm>
-      </p:grpSpPr>
-      <p:sp>
-        <p:nvSpPr>
-          <p:cNvPr id="2" name="Title 1"/>
-          <p:cNvSpPr>
-            <a:spLocks noGrp="1"/>
-          </p:cNvSpPr>
-          <p:nvPr>
-            <p:ph type="title"/>
-          </p:nvPr>
-        </p:nvSpPr>
-        <p:spPr/>
-        <p:txBody>
-          <a:bodyPr/>
-          <a:lstStyle/>
-          <a:p>
-            <a:r>
-              <a:rPr lang="en-US" dirty="0" smtClean="0"/>
-              <a:t>Background</a:t>
-            </a:r>
-            <a:endParaRPr lang="en-US" dirty="0"/>
-          </a:p>
-        </p:txBody>
-      </p:sp>
-      <p:sp>
-        <p:nvSpPr>
-          <p:cNvPr id="3" name="Content Placeholder 2"/>
-          <p:cNvSpPr>
-            <a:spLocks noGrp="1"/>
-          </p:cNvSpPr>
-          <p:nvPr>
-            <p:ph idx="1"/>
-          </p:nvPr>
-        </p:nvSpPr>
-        <p:spPr/>
-        <p:txBody>
-          <a:bodyPr/>
-          <a:lstStyle/>
-          <a:p>
-            <a:r>
-              <a:rPr lang="en-US" dirty="0" smtClean="0"/>
-              <a:t>How do </a:t>
-            </a:r>
-            <a:r>
-              <a:rPr lang="en-US" i="1" dirty="0" smtClean="0"/>
-              <a:t>task</a:t>
-            </a:r>
-            <a:r>
-              <a:rPr lang="en-US" dirty="0" smtClean="0"/>
-              <a:t> and </a:t>
-            </a:r>
-            <a:r>
-              <a:rPr lang="en-US" i="1" dirty="0" smtClean="0"/>
-              <a:t>training</a:t>
-            </a:r>
-            <a:r>
-              <a:rPr lang="en-US" dirty="0" smtClean="0"/>
-              <a:t> interact in learning?</a:t>
-            </a:r>
-            <a:endParaRPr lang="en-US" dirty="0"/>
-          </a:p>
-        </p:txBody>
-      </p:sp>
-    </p:spTree>
-  </p:cSld>
-  <p:clrMapOvr>
-    <a:masterClrMapping/>
-  </p:clrMapOvr>
-  <p:timing>
-    <p:tnLst>
-      <p:par>
-        <p:cTn id="1" dur="indefinite" restart="never" nodeType="tmRoot"/>
-      </p:par>
-    </p:tnLst>
-  </p:timing>
-</p:sld>
-</file>
-
-<file path=ppt/slides/slide20.xml><?xml version="1.0" encoding="utf-8"?>
-<p:sld xmlns:a="http://schemas.openxmlformats.org/drawingml/2006/main" xmlns:r="http://schemas.openxmlformats.org/officeDocument/2006/relationships" xmlns:mc="http://schemas.openxmlformats.org/markup-compatibility/2006" xmlns:mv="urn:schemas-microsoft-com:mac:vml" xmlns:p="http://schemas.openxmlformats.org/presentationml/2006/main" mc:Ignorable="mv" mc:PreserveAttributes="mv:*">
-  <p:cSld>
-    <p:spTree>
-      <p:nvGrpSpPr>
-        <p:cNvPr id="1" name=""/>
-        <p:cNvGrpSpPr/>
-        <p:nvPr/>
-      </p:nvGrpSpPr>
-      <p:grpSpPr>
-        <a:xfrm>
-          <a:off x="0" y="0"/>
-          <a:ext cx="0" cy="0"/>
-          <a:chOff x="0" y="0"/>
-          <a:chExt cx="0" cy="0"/>
-        </a:xfrm>
-      </p:grpSpPr>
-      <p:sp>
-        <p:nvSpPr>
-          <p:cNvPr id="2" name="Title 1"/>
-          <p:cNvSpPr>
-            <a:spLocks noGrp="1"/>
-          </p:cNvSpPr>
-          <p:nvPr>
-            <p:ph type="title"/>
-          </p:nvPr>
-        </p:nvSpPr>
-        <p:spPr/>
-        <p:txBody>
-          <a:bodyPr>
-            <a:normAutofit fontScale="90000"/>
-          </a:bodyPr>
-          <a:lstStyle/>
-          <a:p>
-            <a:r>
-              <a:rPr lang="en-US" dirty="0" smtClean="0"/>
-              <a:t>Logistic regression + </a:t>
-            </a:r>
-            <a:br>
-              <a:rPr lang="en-US" dirty="0" smtClean="0"/>
-            </a:br>
-            <a:r>
-              <a:rPr lang="en-US" dirty="0" smtClean="0"/>
-              <a:t>non-learners fits</a:t>
-            </a:r>
-            <a:endParaRPr lang="en-US" dirty="0"/>
-          </a:p>
-        </p:txBody>
-      </p:sp>
-      <p:pic>
-        <p:nvPicPr>
-          <p:cNvPr id="6" name="Content Placeholder 5" descr="alllearner-preds.pdf"/>
-          <p:cNvPicPr>
-            <a:picLocks noGrp="1" noChangeAspect="1"/>
-          </p:cNvPicPr>
-          <p:nvPr>
-            <p:ph idx="1"/>
-          </p:nvPr>
-        </p:nvPicPr>
-        <mc:AlternateContent>
-          <mc:Choice xmlns:ma="http://schemas.microsoft.com/office/mac/drawingml/2008/main" Requires="ma">
-            <p:blipFill>
-              <a:blip r:embed="rId2"/>
-              <a:stretch>
-                <a:fillRect/>
-              </a:stretch>
-            </p:blipFill>
-          </mc:Choice>
-          <mc:Fallback>
-            <p:blipFill>
-              <a:blip r:embed="rId3"/>
-              <a:stretch>
-                <a:fillRect/>
-              </a:stretch>
-            </p:blipFill>
-          </mc:Fallback>
-        </mc:AlternateContent>
-        <p:spPr>
-          <a:xfrm>
-            <a:off x="457200" y="2478881"/>
-            <a:ext cx="8229600" cy="3086100"/>
-          </a:xfrm>
-        </p:spPr>
-      </p:pic>
-    </p:spTree>
-  </p:cSld>
-  <p:clrMapOvr>
-    <a:masterClrMapping/>
-  </p:clrMapOvr>
-  <p:timing>
-    <p:tnLst>
-      <p:par>
-        <p:cTn id="1" dur="indefinite" restart="never" nodeType="tmRoot"/>
-      </p:par>
-    </p:tnLst>
-  </p:timing>
-</p:sld>
-</file>
-
-<file path=ppt/slides/slide21.xml><?xml version="1.0" encoding="utf-8"?>
-<p:sld xmlns:a="http://schemas.openxmlformats.org/drawingml/2006/main" xmlns:r="http://schemas.openxmlformats.org/officeDocument/2006/relationships" xmlns:mc="http://schemas.openxmlformats.org/markup-compatibility/2006" xmlns:mv="urn:schemas-microsoft-com:mac:vml" xmlns:p="http://schemas.openxmlformats.org/presentationml/2006/main" mc:Ignorable="mv" mc:PreserveAttributes="mv:*">
-  <p:cSld>
-    <p:spTree>
-      <p:nvGrpSpPr>
-        <p:cNvPr id="1" name=""/>
-        <p:cNvGrpSpPr/>
-        <p:nvPr/>
-      </p:nvGrpSpPr>
-      <p:grpSpPr>
-        <a:xfrm>
-          <a:off x="0" y="0"/>
-          <a:ext cx="0" cy="0"/>
-          <a:chOff x="0" y="0"/>
-          <a:chExt cx="0" cy="0"/>
-        </a:xfrm>
-      </p:grpSpPr>
-      <p:sp>
-        <p:nvSpPr>
-          <p:cNvPr id="2" name="Title 1"/>
-          <p:cNvSpPr>
-            <a:spLocks noGrp="1"/>
-          </p:cNvSpPr>
-          <p:nvPr>
-            <p:ph type="title"/>
-          </p:nvPr>
-        </p:nvSpPr>
-        <p:spPr/>
-        <p:txBody>
-          <a:bodyPr>
-            <a:normAutofit fontScale="90000"/>
-          </a:bodyPr>
-          <a:lstStyle/>
-          <a:p>
-            <a:r>
-              <a:rPr lang="en-US" dirty="0" smtClean="0"/>
-              <a:t>Logistic regression + </a:t>
-            </a:r>
-            <a:br>
-              <a:rPr lang="en-US" dirty="0" smtClean="0"/>
-            </a:br>
-            <a:r>
-              <a:rPr lang="en-US" dirty="0" smtClean="0"/>
-              <a:t>Delayed learners fits</a:t>
-            </a:r>
-            <a:endParaRPr lang="en-US" dirty="0"/>
-          </a:p>
-        </p:txBody>
-      </p:sp>
-      <p:pic>
-        <p:nvPicPr>
-          <p:cNvPr id="6" name="Content Placeholder 5" descr="alllearner-preds.pdf"/>
-          <p:cNvPicPr>
-            <a:picLocks noGrp="1" noChangeAspect="1"/>
-          </p:cNvPicPr>
-          <p:nvPr>
-            <p:ph idx="1"/>
-          </p:nvPr>
-        </p:nvPicPr>
-        <mc:AlternateContent>
-          <mc:Choice xmlns:ma="http://schemas.microsoft.com/office/mac/drawingml/2008/main" Requires="ma">
-            <p:blipFill>
-              <a:blip r:embed="rId3"/>
-              <a:stretch>
-                <a:fillRect/>
-              </a:stretch>
-            </p:blipFill>
-          </mc:Choice>
-          <mc:Fallback>
-            <p:blipFill>
-              <a:blip r:embed="rId4"/>
-              <a:stretch>
-                <a:fillRect/>
-              </a:stretch>
-            </p:blipFill>
-          </mc:Fallback>
-        </mc:AlternateContent>
-        <p:spPr>
-          <a:xfrm>
-            <a:off x="457200" y="2478881"/>
-            <a:ext cx="8229600" cy="3086100"/>
-          </a:xfrm>
-        </p:spPr>
-      </p:pic>
     </p:spTree>
   </p:cSld>
   <p:clrMapOvr>
@@ -7722,7 +7700,7 @@
 </file>
 
 <file path=ppt/slides/slide22.xml><?xml version="1.0" encoding="utf-8"?>
-<p:sld xmlns:a="http://schemas.openxmlformats.org/drawingml/2006/main" xmlns:r="http://schemas.openxmlformats.org/officeDocument/2006/relationships" xmlns:mc="http://schemas.openxmlformats.org/markup-compatibility/2006" xmlns:mv="urn:schemas-microsoft-com:mac:vml" xmlns:p="http://schemas.openxmlformats.org/presentationml/2006/main" mc:Ignorable="mv" mc:PreserveAttributes="mv:*">
+<p:sld xmlns:a="http://schemas.openxmlformats.org/drawingml/2006/main" xmlns:r="http://schemas.openxmlformats.org/officeDocument/2006/relationships" xmlns:p="http://schemas.openxmlformats.org/presentationml/2006/main">
   <p:cSld>
     <p:spTree>
       <p:nvGrpSpPr>
@@ -7764,7 +7742,7 @@
             </a:br>
             <a:r>
               <a:rPr lang="en-US" dirty="0" smtClean="0"/>
-              <a:t>Delayed learners fits</a:t>
+              <a:t>non-learners fits</a:t>
             </a:r>
             <a:endParaRPr lang="en-US" dirty="0"/>
           </a:p>
@@ -7780,10 +7758,10 @@
             <p:ph idx="1"/>
           </p:nvPr>
         </p:nvPicPr>
-        <mc:AlternateContent>
-          <mc:Choice xmlns:ma="http://schemas.microsoft.com/office/mac/drawingml/2008/main" Requires="ma">
+        <mc:AlternateContent xmlns:mc="http://schemas.openxmlformats.org/markup-compatibility/2006">
+          <mc:Choice xmlns:mv="urn:schemas-microsoft-com:mac:vml" xmlns:ma="http://schemas.microsoft.com/office/mac/drawingml/2008/main" Requires="ma">
             <p:blipFill>
-              <a:blip r:embed="rId3"/>
+              <a:blip r:embed="rId1"/>
               <a:stretch>
                 <a:fillRect/>
               </a:stretch>
@@ -7791,7 +7769,7 @@
           </mc:Choice>
           <mc:Fallback>
             <p:blipFill>
-              <a:blip r:embed="rId4"/>
+              <a:blip r:embed="rId2"/>
               <a:stretch>
                 <a:fillRect/>
               </a:stretch>
@@ -7821,7 +7799,7 @@
 </file>
 
 <file path=ppt/slides/slide23.xml><?xml version="1.0" encoding="utf-8"?>
-<p:sld xmlns:a="http://schemas.openxmlformats.org/drawingml/2006/main" xmlns:r="http://schemas.openxmlformats.org/officeDocument/2006/relationships" xmlns:mc="http://schemas.openxmlformats.org/markup-compatibility/2006" xmlns:mv="urn:schemas-microsoft-com:mac:vml" xmlns:p="http://schemas.openxmlformats.org/presentationml/2006/main" mc:Ignorable="mv" mc:PreserveAttributes="mv:*">
+<p:sld xmlns:a="http://schemas.openxmlformats.org/drawingml/2006/main" xmlns:r="http://schemas.openxmlformats.org/officeDocument/2006/relationships" xmlns:p="http://schemas.openxmlformats.org/presentationml/2006/main">
   <p:cSld>
     <p:spTree>
       <p:nvGrpSpPr>
@@ -7879,10 +7857,10 @@
             <p:ph idx="1"/>
           </p:nvPr>
         </p:nvPicPr>
-        <mc:AlternateContent>
-          <mc:Choice xmlns:ma="http://schemas.microsoft.com/office/mac/drawingml/2008/main" Requires="ma">
+        <mc:AlternateContent xmlns:mc="http://schemas.openxmlformats.org/markup-compatibility/2006">
+          <mc:Choice xmlns:mv="urn:schemas-microsoft-com:mac:vml" xmlns:ma="http://schemas.microsoft.com/office/mac/drawingml/2008/main" Requires="ma">
             <p:blipFill>
-              <a:blip r:embed="rId3"/>
+              <a:blip r:embed="rId1"/>
               <a:stretch>
                 <a:fillRect/>
               </a:stretch>
@@ -7890,7 +7868,7 @@
           </mc:Choice>
           <mc:Fallback>
             <p:blipFill>
-              <a:blip r:embed="rId4"/>
+              <a:blip r:embed="rId2"/>
               <a:stretch>
                 <a:fillRect/>
               </a:stretch>
@@ -7920,7 +7898,7 @@
 </file>
 
 <file path=ppt/slides/slide24.xml><?xml version="1.0" encoding="utf-8"?>
-<p:sld xmlns:a="http://schemas.openxmlformats.org/drawingml/2006/main" xmlns:r="http://schemas.openxmlformats.org/officeDocument/2006/relationships" xmlns:mc="http://schemas.openxmlformats.org/markup-compatibility/2006" xmlns:mv="urn:schemas-microsoft-com:mac:vml" xmlns:p="http://schemas.openxmlformats.org/presentationml/2006/main" mc:Ignorable="mv" mc:PreserveAttributes="mv:*">
+<p:sld xmlns:a="http://schemas.openxmlformats.org/drawingml/2006/main" xmlns:r="http://schemas.openxmlformats.org/officeDocument/2006/relationships" xmlns:p="http://schemas.openxmlformats.org/presentationml/2006/main">
   <p:cSld>
     <p:spTree>
       <p:nvGrpSpPr>
@@ -7948,56 +7926,78 @@
         </p:nvSpPr>
         <p:spPr/>
         <p:txBody>
-          <a:bodyPr/>
+          <a:bodyPr>
+            <a:normAutofit fontScale="90000"/>
+          </a:bodyPr>
           <a:lstStyle/>
           <a:p>
             <a:r>
               <a:rPr lang="en-US" dirty="0" smtClean="0"/>
-              <a:t>Conclusions</a:t>
+              <a:t>Logistic regression + </a:t>
+            </a:r>
+            <a:br>
+              <a:rPr lang="en-US" dirty="0" smtClean="0"/>
+            </a:br>
+            <a:r>
+              <a:rPr lang="en-US" dirty="0" smtClean="0"/>
+              <a:t>Delayed learners fits</a:t>
             </a:r>
             <a:endParaRPr lang="en-US" dirty="0"/>
           </a:p>
         </p:txBody>
       </p:sp>
-      <p:sp>
-        <p:nvSpPr>
-          <p:cNvPr id="3" name="Content Placeholder 2"/>
-          <p:cNvSpPr>
-            <a:spLocks noGrp="1"/>
-          </p:cNvSpPr>
+      <p:pic>
+        <p:nvPicPr>
+          <p:cNvPr id="6" name="Content Placeholder 5" descr="alllearner-preds.pdf"/>
+          <p:cNvPicPr>
+            <a:picLocks noGrp="1" noChangeAspect="1"/>
+          </p:cNvPicPr>
           <p:nvPr>
             <p:ph idx="1"/>
           </p:nvPr>
-        </p:nvSpPr>
-        <p:spPr/>
-        <p:txBody>
-          <a:bodyPr/>
-          <a:lstStyle/>
-          <a:p>
-            <a:r>
-              <a:rPr lang="en-US" dirty="0" smtClean="0"/>
-              <a:t>Bayesian data analysis provides flexible tools for understanding behavioral data</a:t>
-            </a:r>
-          </a:p>
-          <a:p>
-            <a:r>
-              <a:rPr lang="en-US" dirty="0" smtClean="0"/>
-              <a:t>Capture effects of non-learners in a sensible way</a:t>
-            </a:r>
-            <a:endParaRPr lang="en-US" dirty="0"/>
-          </a:p>
-        </p:txBody>
-      </p:sp>
+        </p:nvPicPr>
+        <mc:AlternateContent xmlns:mc="http://schemas.openxmlformats.org/markup-compatibility/2006">
+          <mc:Choice xmlns:mv="urn:schemas-microsoft-com:mac:vml" xmlns:ma="http://schemas.microsoft.com/office/mac/drawingml/2008/main" Requires="ma">
+            <p:blipFill>
+              <a:blip r:embed="rId1"/>
+              <a:stretch>
+                <a:fillRect/>
+              </a:stretch>
+            </p:blipFill>
+          </mc:Choice>
+          <mc:Fallback>
+            <p:blipFill>
+              <a:blip r:embed="rId2"/>
+              <a:stretch>
+                <a:fillRect/>
+              </a:stretch>
+            </p:blipFill>
+          </mc:Fallback>
+        </mc:AlternateContent>
+        <p:spPr>
+          <a:xfrm>
+            <a:off x="457200" y="2478881"/>
+            <a:ext cx="8229600" cy="3086100"/>
+          </a:xfrm>
+        </p:spPr>
+      </p:pic>
     </p:spTree>
   </p:cSld>
   <p:clrMapOvr>
     <a:masterClrMapping/>
   </p:clrMapOvr>
+  <p:timing>
+    <p:tnLst>
+      <p:par>
+        <p:cTn id="1" dur="indefinite" restart="never" nodeType="tmRoot"/>
+      </p:par>
+    </p:tnLst>
+  </p:timing>
 </p:sld>
 </file>
 
 <file path=ppt/slides/slide25.xml><?xml version="1.0" encoding="utf-8"?>
-<p:sld xmlns:a="http://schemas.openxmlformats.org/drawingml/2006/main" xmlns:r="http://schemas.openxmlformats.org/officeDocument/2006/relationships" xmlns:mc="http://schemas.openxmlformats.org/markup-compatibility/2006" xmlns:mv="urn:schemas-microsoft-com:mac:vml" xmlns:p="http://schemas.openxmlformats.org/presentationml/2006/main" mc:Ignorable="mv" mc:PreserveAttributes="mv:*">
+<p:sld xmlns:a="http://schemas.openxmlformats.org/drawingml/2006/main" xmlns:r="http://schemas.openxmlformats.org/officeDocument/2006/relationships" xmlns:p="http://schemas.openxmlformats.org/presentationml/2006/main">
   <p:cSld>
     <p:spTree>
       <p:nvGrpSpPr>
@@ -8025,42 +8025,78 @@
         </p:nvSpPr>
         <p:spPr/>
         <p:txBody>
-          <a:bodyPr/>
-          <a:lstStyle/>
-          <a:p>
-            <a:endParaRPr lang="en-US"/>
-          </a:p>
-        </p:txBody>
-      </p:sp>
-      <p:sp>
-        <p:nvSpPr>
-          <p:cNvPr id="3" name="Content Placeholder 2"/>
-          <p:cNvSpPr>
-            <a:spLocks noGrp="1"/>
-          </p:cNvSpPr>
+          <a:bodyPr>
+            <a:normAutofit fontScale="90000"/>
+          </a:bodyPr>
+          <a:lstStyle/>
+          <a:p>
+            <a:r>
+              <a:rPr lang="en-US" dirty="0" smtClean="0"/>
+              <a:t>Logistic regression + </a:t>
+            </a:r>
+            <a:br>
+              <a:rPr lang="en-US" dirty="0" smtClean="0"/>
+            </a:br>
+            <a:r>
+              <a:rPr lang="en-US" dirty="0" smtClean="0"/>
+              <a:t>Delayed learners fits</a:t>
+            </a:r>
+            <a:endParaRPr lang="en-US" dirty="0"/>
+          </a:p>
+        </p:txBody>
+      </p:sp>
+      <p:pic>
+        <p:nvPicPr>
+          <p:cNvPr id="6" name="Content Placeholder 5" descr="alllearner-preds.pdf"/>
+          <p:cNvPicPr>
+            <a:picLocks noGrp="1" noChangeAspect="1"/>
+          </p:cNvPicPr>
           <p:nvPr>
             <p:ph idx="1"/>
           </p:nvPr>
-        </p:nvSpPr>
-        <p:spPr/>
-        <p:txBody>
-          <a:bodyPr/>
-          <a:lstStyle/>
-          <a:p>
-            <a:endParaRPr lang="en-US"/>
-          </a:p>
-        </p:txBody>
-      </p:sp>
+        </p:nvPicPr>
+        <mc:AlternateContent xmlns:mc="http://schemas.openxmlformats.org/markup-compatibility/2006">
+          <mc:Choice xmlns:mv="urn:schemas-microsoft-com:mac:vml" xmlns:ma="http://schemas.microsoft.com/office/mac/drawingml/2008/main" Requires="ma">
+            <p:blipFill>
+              <a:blip r:embed="rId1"/>
+              <a:stretch>
+                <a:fillRect/>
+              </a:stretch>
+            </p:blipFill>
+          </mc:Choice>
+          <mc:Fallback>
+            <p:blipFill>
+              <a:blip r:embed="rId2"/>
+              <a:stretch>
+                <a:fillRect/>
+              </a:stretch>
+            </p:blipFill>
+          </mc:Fallback>
+        </mc:AlternateContent>
+        <p:spPr>
+          <a:xfrm>
+            <a:off x="457200" y="2478881"/>
+            <a:ext cx="8229600" cy="3086100"/>
+          </a:xfrm>
+        </p:spPr>
+      </p:pic>
     </p:spTree>
   </p:cSld>
   <p:clrMapOvr>
     <a:masterClrMapping/>
   </p:clrMapOvr>
+  <p:timing>
+    <p:tnLst>
+      <p:par>
+        <p:cTn id="1" dur="indefinite" restart="never" nodeType="tmRoot"/>
+      </p:par>
+    </p:tnLst>
+  </p:timing>
 </p:sld>
 </file>
 
 <file path=ppt/slides/slide26.xml><?xml version="1.0" encoding="utf-8"?>
-<p:sld xmlns:a="http://schemas.openxmlformats.org/drawingml/2006/main" xmlns:r="http://schemas.openxmlformats.org/officeDocument/2006/relationships" xmlns:mc="http://schemas.openxmlformats.org/markup-compatibility/2006" xmlns:mv="urn:schemas-microsoft-com:mac:vml" xmlns:p="http://schemas.openxmlformats.org/presentationml/2006/main" mc:Ignorable="mv" mc:PreserveAttributes="mv:*">
+<p:sld xmlns:a="http://schemas.openxmlformats.org/drawingml/2006/main" xmlns:r="http://schemas.openxmlformats.org/officeDocument/2006/relationships" xmlns:p="http://schemas.openxmlformats.org/presentationml/2006/main">
   <p:cSld>
     <p:spTree>
       <p:nvGrpSpPr>
@@ -8093,44 +8129,42 @@
           <a:p>
             <a:r>
               <a:rPr lang="en-US" dirty="0" smtClean="0"/>
-              <a:t>Training</a:t>
+              <a:t>Conclusions</a:t>
             </a:r>
             <a:endParaRPr lang="en-US" dirty="0"/>
           </a:p>
         </p:txBody>
       </p:sp>
-      <p:pic>
-        <p:nvPicPr>
-          <p:cNvPr id="4" name="Content Placeholder 3" descr="psychonomics-poster-training-conds.pdf"/>
-          <p:cNvPicPr>
-            <a:picLocks noGrp="1" noChangeAspect="1"/>
-          </p:cNvPicPr>
+      <p:sp>
+        <p:nvSpPr>
+          <p:cNvPr id="3" name="Content Placeholder 2"/>
+          <p:cNvSpPr>
+            <a:spLocks noGrp="1"/>
+          </p:cNvSpPr>
           <p:nvPr>
             <p:ph idx="1"/>
           </p:nvPr>
-        </p:nvPicPr>
-        <mc:AlternateContent>
-          <mc:Choice xmlns:ma="http://schemas.microsoft.com/office/mac/drawingml/2008/main" Requires="ma">
-            <p:blipFill>
-              <a:blip r:embed="rId2"/>
-              <a:srcRect l="-23426" r="-23426"/>
-              <a:stretch>
-                <a:fillRect/>
-              </a:stretch>
-            </p:blipFill>
-          </mc:Choice>
-          <mc:Fallback>
-            <p:blipFill>
-              <a:blip r:embed="rId3"/>
-              <a:srcRect l="-23426" r="-23426"/>
-              <a:stretch>
-                <a:fillRect/>
-              </a:stretch>
-            </p:blipFill>
-          </mc:Fallback>
-        </mc:AlternateContent>
-        <p:spPr/>
-      </p:pic>
+        </p:nvSpPr>
+        <p:spPr/>
+        <p:txBody>
+          <a:bodyPr/>
+          <a:lstStyle/>
+          <a:p>
+            <a:r>
+              <a:rPr lang="en-US" dirty="0" smtClean="0"/>
+              <a:t>Bayesian data analysis provides flexible tools for understanding behavioral data</a:t>
+            </a:r>
+            <a:endParaRPr lang="en-US" dirty="0" smtClean="0"/>
+          </a:p>
+          <a:p>
+            <a:r>
+              <a:rPr lang="en-US" dirty="0" smtClean="0"/>
+              <a:t>Capture effects of non-learners in a sensible way</a:t>
+            </a:r>
+            <a:endParaRPr lang="en-US" dirty="0"/>
+          </a:p>
+        </p:txBody>
+      </p:sp>
     </p:spTree>
   </p:cSld>
   <p:clrMapOvr>
@@ -8140,7 +8174,7 @@
 </file>
 
 <file path=ppt/slides/slide27.xml><?xml version="1.0" encoding="utf-8"?>
-<p:sld xmlns:a="http://schemas.openxmlformats.org/drawingml/2006/main" xmlns:r="http://schemas.openxmlformats.org/officeDocument/2006/relationships" xmlns:mc="http://schemas.openxmlformats.org/markup-compatibility/2006" xmlns:mv="urn:schemas-microsoft-com:mac:vml" xmlns:p="http://schemas.openxmlformats.org/presentationml/2006/main" mc:Ignorable="mv" mc:PreserveAttributes="mv:*">
+<p:sld xmlns:a="http://schemas.openxmlformats.org/drawingml/2006/main" xmlns:r="http://schemas.openxmlformats.org/officeDocument/2006/relationships" xmlns:p="http://schemas.openxmlformats.org/presentationml/2006/main">
   <p:cSld>
     <p:spTree>
       <p:nvGrpSpPr>
@@ -8171,115 +8205,26 @@
           <a:bodyPr/>
           <a:lstStyle/>
           <a:p>
-            <a:r>
-              <a:rPr lang="en-US" dirty="0" smtClean="0"/>
-              <a:t>Tasks</a:t>
-            </a:r>
-            <a:endParaRPr lang="en-US" dirty="0"/>
-          </a:p>
-        </p:txBody>
-      </p:sp>
-      <p:pic>
-        <p:nvPicPr>
-          <p:cNvPr id="4" name="Content Placeholder 3" descr="psychonomics-poster-task-conds.pdf"/>
-          <p:cNvPicPr>
-            <a:picLocks noGrp="1" noChangeAspect="1"/>
-          </p:cNvPicPr>
+            <a:endParaRPr lang="en-US"/>
+          </a:p>
+        </p:txBody>
+      </p:sp>
+      <p:sp>
+        <p:nvSpPr>
+          <p:cNvPr id="3" name="Content Placeholder 2"/>
+          <p:cNvSpPr>
+            <a:spLocks noGrp="1"/>
+          </p:cNvSpPr>
           <p:nvPr>
             <p:ph idx="1"/>
           </p:nvPr>
-        </p:nvPicPr>
-        <mc:AlternateContent>
-          <mc:Choice xmlns:ma="http://schemas.microsoft.com/office/mac/drawingml/2008/main" Requires="ma">
-            <p:blipFill>
-              <a:blip r:embed="rId2"/>
-              <a:srcRect l="-20190" r="-20190"/>
-              <a:stretch>
-                <a:fillRect/>
-              </a:stretch>
-            </p:blipFill>
-          </mc:Choice>
-          <mc:Fallback>
-            <p:blipFill>
-              <a:blip r:embed="rId3"/>
-              <a:srcRect l="-20190" r="-20190"/>
-              <a:stretch>
-                <a:fillRect/>
-              </a:stretch>
-            </p:blipFill>
-          </mc:Fallback>
-        </mc:AlternateContent>
-        <p:spPr/>
-      </p:pic>
-      <p:sp>
-        <p:nvSpPr>
-          <p:cNvPr id="5" name="TextBox 4"/>
-          <p:cNvSpPr txBox="1"/>
-          <p:nvPr/>
-        </p:nvSpPr>
-        <p:spPr>
-          <a:xfrm>
-            <a:off x="457200" y="2147422"/>
-            <a:ext cx="616447" cy="646331"/>
-          </a:xfrm>
-          <a:prstGeom prst="rect">
-            <a:avLst/>
-          </a:prstGeom>
-          <a:noFill/>
-        </p:spPr>
-        <p:txBody>
-          <a:bodyPr wrap="square" rtlCol="0">
-            <a:spAutoFit/>
-          </a:bodyPr>
-          <a:lstStyle/>
-          <a:p>
-            <a:r>
-              <a:rPr lang="en-US" sz="3500" dirty="0" smtClean="0">
-                <a:latin typeface="Helvetica Light"/>
-                <a:cs typeface="Helvetica Light"/>
-              </a:rPr>
-              <a:t>II</a:t>
-            </a:r>
-            <a:endParaRPr lang="en-US" sz="3500" dirty="0">
-              <a:latin typeface="Helvetica Light"/>
-              <a:cs typeface="Helvetica Light"/>
-            </a:endParaRPr>
-          </a:p>
-        </p:txBody>
-      </p:sp>
-      <p:sp>
-        <p:nvSpPr>
-          <p:cNvPr id="6" name="TextBox 5"/>
-          <p:cNvSpPr txBox="1"/>
-          <p:nvPr/>
-        </p:nvSpPr>
-        <p:spPr>
-          <a:xfrm>
-            <a:off x="457200" y="4119897"/>
-            <a:ext cx="799752" cy="630942"/>
-          </a:xfrm>
-          <a:prstGeom prst="rect">
-            <a:avLst/>
-          </a:prstGeom>
-          <a:noFill/>
-        </p:spPr>
-        <p:txBody>
-          <a:bodyPr wrap="square" rtlCol="0">
-            <a:spAutoFit/>
-          </a:bodyPr>
-          <a:lstStyle/>
-          <a:p>
-            <a:r>
-              <a:rPr lang="en-US" sz="3500" dirty="0" smtClean="0">
-                <a:latin typeface="Helvetica Light"/>
-                <a:cs typeface="Helvetica Light"/>
-              </a:rPr>
-              <a:t>RB</a:t>
-            </a:r>
-            <a:endParaRPr lang="en-US" sz="3500" dirty="0">
-              <a:latin typeface="Helvetica Light"/>
-              <a:cs typeface="Helvetica Light"/>
-            </a:endParaRPr>
+        </p:nvSpPr>
+        <p:spPr/>
+        <p:txBody>
+          <a:bodyPr/>
+          <a:lstStyle/>
+          <a:p>
+            <a:endParaRPr lang="en-US"/>
           </a:p>
         </p:txBody>
       </p:sp>
@@ -8292,7 +8237,7 @@
 </file>
 
 <file path=ppt/slides/slide3.xml><?xml version="1.0" encoding="utf-8"?>
-<p:sld xmlns:a="http://schemas.openxmlformats.org/drawingml/2006/main" xmlns:r="http://schemas.openxmlformats.org/officeDocument/2006/relationships" xmlns:mc="http://schemas.openxmlformats.org/markup-compatibility/2006" xmlns:mv="urn:schemas-microsoft-com:mac:vml" xmlns:p="http://schemas.openxmlformats.org/presentationml/2006/main" mc:Ignorable="mv" mc:PreserveAttributes="mv:*">
+<p:sld xmlns:a="http://schemas.openxmlformats.org/drawingml/2006/main" xmlns:r="http://schemas.openxmlformats.org/officeDocument/2006/relationships" xmlns:p="http://schemas.openxmlformats.org/presentationml/2006/main">
   <p:cSld>
     <p:spTree>
       <p:nvGrpSpPr>
@@ -8325,7 +8270,7 @@
           <a:p>
             <a:r>
               <a:rPr lang="en-US" dirty="0" smtClean="0"/>
-              <a:t>Data</a:t>
+              <a:t>Training</a:t>
             </a:r>
             <a:endParaRPr lang="en-US" dirty="0"/>
           </a:p>
@@ -8333,7 +8278,7 @@
       </p:sp>
       <p:pic>
         <p:nvPicPr>
-          <p:cNvPr id="5" name="Content Placeholder 4" descr="basic-data-plot.pdf"/>
+          <p:cNvPr id="4" name="Content Placeholder 3" descr="psychonomics-poster-training-conds.pdf"/>
           <p:cNvPicPr>
             <a:picLocks noGrp="1" noChangeAspect="1"/>
           </p:cNvPicPr>
@@ -8341,10 +8286,11 @@
             <p:ph idx="1"/>
           </p:nvPr>
         </p:nvPicPr>
-        <mc:AlternateContent>
-          <mc:Choice xmlns:ma="http://schemas.microsoft.com/office/mac/drawingml/2008/main" Requires="ma">
+        <mc:AlternateContent xmlns:mc="http://schemas.openxmlformats.org/markup-compatibility/2006">
+          <mc:Choice xmlns:mv="urn:schemas-microsoft-com:mac:vml" xmlns:ma="http://schemas.microsoft.com/office/mac/drawingml/2008/main" Requires="ma">
             <p:blipFill>
-              <a:blip r:embed="rId3"/>
+              <a:blip r:embed="rId1"/>
+              <a:srcRect l="-23426" r="-23426"/>
               <a:stretch>
                 <a:fillRect/>
               </a:stretch>
@@ -8352,7 +8298,238 @@
           </mc:Choice>
           <mc:Fallback>
             <p:blipFill>
-              <a:blip r:embed="rId4"/>
+              <a:blip r:embed="rId2"/>
+              <a:srcRect l="-23426" r="-23426"/>
+              <a:stretch>
+                <a:fillRect/>
+              </a:stretch>
+            </p:blipFill>
+          </mc:Fallback>
+        </mc:AlternateContent>
+        <p:spPr/>
+      </p:pic>
+    </p:spTree>
+  </p:cSld>
+  <p:clrMapOvr>
+    <a:masterClrMapping/>
+  </p:clrMapOvr>
+</p:sld>
+</file>
+
+<file path=ppt/slides/slide4.xml><?xml version="1.0" encoding="utf-8"?>
+<p:sld xmlns:a="http://schemas.openxmlformats.org/drawingml/2006/main" xmlns:r="http://schemas.openxmlformats.org/officeDocument/2006/relationships" xmlns:p="http://schemas.openxmlformats.org/presentationml/2006/main">
+  <p:cSld>
+    <p:spTree>
+      <p:nvGrpSpPr>
+        <p:cNvPr id="1" name=""/>
+        <p:cNvGrpSpPr/>
+        <p:nvPr/>
+      </p:nvGrpSpPr>
+      <p:grpSpPr>
+        <a:xfrm>
+          <a:off x="0" y="0"/>
+          <a:ext cx="0" cy="0"/>
+          <a:chOff x="0" y="0"/>
+          <a:chExt cx="0" cy="0"/>
+        </a:xfrm>
+      </p:grpSpPr>
+      <p:sp>
+        <p:nvSpPr>
+          <p:cNvPr id="2" name="Title 1"/>
+          <p:cNvSpPr>
+            <a:spLocks noGrp="1"/>
+          </p:cNvSpPr>
+          <p:nvPr>
+            <p:ph type="title"/>
+          </p:nvPr>
+        </p:nvSpPr>
+        <p:spPr/>
+        <p:txBody>
+          <a:bodyPr/>
+          <a:lstStyle/>
+          <a:p>
+            <a:r>
+              <a:rPr lang="en-US" dirty="0" smtClean="0"/>
+              <a:t>Tasks</a:t>
+            </a:r>
+            <a:endParaRPr lang="en-US" dirty="0"/>
+          </a:p>
+        </p:txBody>
+      </p:sp>
+      <p:pic>
+        <p:nvPicPr>
+          <p:cNvPr id="4" name="Content Placeholder 3" descr="psychonomics-poster-task-conds.pdf"/>
+          <p:cNvPicPr>
+            <a:picLocks noGrp="1" noChangeAspect="1"/>
+          </p:cNvPicPr>
+          <p:nvPr>
+            <p:ph idx="1"/>
+          </p:nvPr>
+        </p:nvPicPr>
+        <mc:AlternateContent xmlns:mc="http://schemas.openxmlformats.org/markup-compatibility/2006">
+          <mc:Choice xmlns:mv="urn:schemas-microsoft-com:mac:vml" xmlns:ma="http://schemas.microsoft.com/office/mac/drawingml/2008/main" Requires="ma">
+            <p:blipFill>
+              <a:blip r:embed="rId1"/>
+              <a:srcRect l="-20190" r="-20190"/>
+              <a:stretch>
+                <a:fillRect/>
+              </a:stretch>
+            </p:blipFill>
+          </mc:Choice>
+          <mc:Fallback>
+            <p:blipFill>
+              <a:blip r:embed="rId2"/>
+              <a:srcRect l="-20190" r="-20190"/>
+              <a:stretch>
+                <a:fillRect/>
+              </a:stretch>
+            </p:blipFill>
+          </mc:Fallback>
+        </mc:AlternateContent>
+        <p:spPr/>
+      </p:pic>
+      <p:sp>
+        <p:nvSpPr>
+          <p:cNvPr id="5" name="TextBox 4"/>
+          <p:cNvSpPr txBox="1"/>
+          <p:nvPr/>
+        </p:nvSpPr>
+        <p:spPr>
+          <a:xfrm>
+            <a:off x="457200" y="2147422"/>
+            <a:ext cx="616447" cy="646331"/>
+          </a:xfrm>
+          <a:prstGeom prst="rect">
+            <a:avLst/>
+          </a:prstGeom>
+          <a:noFill/>
+        </p:spPr>
+        <p:txBody>
+          <a:bodyPr wrap="square" rtlCol="0">
+            <a:spAutoFit/>
+          </a:bodyPr>
+          <a:lstStyle/>
+          <a:p>
+            <a:r>
+              <a:rPr lang="en-US" sz="3500" dirty="0" smtClean="0">
+                <a:latin typeface="Helvetica Light"/>
+                <a:cs typeface="Helvetica Light"/>
+              </a:rPr>
+              <a:t>II</a:t>
+            </a:r>
+            <a:endParaRPr lang="en-US" sz="3500" dirty="0">
+              <a:latin typeface="Helvetica Light"/>
+              <a:cs typeface="Helvetica Light"/>
+            </a:endParaRPr>
+          </a:p>
+        </p:txBody>
+      </p:sp>
+      <p:sp>
+        <p:nvSpPr>
+          <p:cNvPr id="6" name="TextBox 5"/>
+          <p:cNvSpPr txBox="1"/>
+          <p:nvPr/>
+        </p:nvSpPr>
+        <p:spPr>
+          <a:xfrm>
+            <a:off x="457200" y="4119897"/>
+            <a:ext cx="799752" cy="630942"/>
+          </a:xfrm>
+          <a:prstGeom prst="rect">
+            <a:avLst/>
+          </a:prstGeom>
+          <a:noFill/>
+        </p:spPr>
+        <p:txBody>
+          <a:bodyPr wrap="square" rtlCol="0">
+            <a:spAutoFit/>
+          </a:bodyPr>
+          <a:lstStyle/>
+          <a:p>
+            <a:r>
+              <a:rPr lang="en-US" sz="3500" dirty="0" smtClean="0">
+                <a:latin typeface="Helvetica Light"/>
+                <a:cs typeface="Helvetica Light"/>
+              </a:rPr>
+              <a:t>RB</a:t>
+            </a:r>
+            <a:endParaRPr lang="en-US" sz="3500" dirty="0">
+              <a:latin typeface="Helvetica Light"/>
+              <a:cs typeface="Helvetica Light"/>
+            </a:endParaRPr>
+          </a:p>
+        </p:txBody>
+      </p:sp>
+    </p:spTree>
+  </p:cSld>
+  <p:clrMapOvr>
+    <a:masterClrMapping/>
+  </p:clrMapOvr>
+</p:sld>
+</file>
+
+<file path=ppt/slides/slide5.xml><?xml version="1.0" encoding="utf-8"?>
+<p:sld xmlns:a="http://schemas.openxmlformats.org/drawingml/2006/main" xmlns:r="http://schemas.openxmlformats.org/officeDocument/2006/relationships" xmlns:p="http://schemas.openxmlformats.org/presentationml/2006/main">
+  <p:cSld>
+    <p:spTree>
+      <p:nvGrpSpPr>
+        <p:cNvPr id="1" name=""/>
+        <p:cNvGrpSpPr/>
+        <p:nvPr/>
+      </p:nvGrpSpPr>
+      <p:grpSpPr>
+        <a:xfrm>
+          <a:off x="0" y="0"/>
+          <a:ext cx="0" cy="0"/>
+          <a:chOff x="0" y="0"/>
+          <a:chExt cx="0" cy="0"/>
+        </a:xfrm>
+      </p:grpSpPr>
+      <p:sp>
+        <p:nvSpPr>
+          <p:cNvPr id="2" name="Title 1"/>
+          <p:cNvSpPr>
+            <a:spLocks noGrp="1"/>
+          </p:cNvSpPr>
+          <p:nvPr>
+            <p:ph type="title"/>
+          </p:nvPr>
+        </p:nvSpPr>
+        <p:spPr/>
+        <p:txBody>
+          <a:bodyPr/>
+          <a:lstStyle/>
+          <a:p>
+            <a:r>
+              <a:rPr lang="en-US" dirty="0" smtClean="0"/>
+              <a:t>Data</a:t>
+            </a:r>
+            <a:endParaRPr lang="en-US" dirty="0"/>
+          </a:p>
+        </p:txBody>
+      </p:sp>
+      <p:pic>
+        <p:nvPicPr>
+          <p:cNvPr id="5" name="Content Placeholder 4" descr="basic-data-plot.pdf"/>
+          <p:cNvPicPr>
+            <a:picLocks noGrp="1" noChangeAspect="1"/>
+          </p:cNvPicPr>
+          <p:nvPr>
+            <p:ph idx="1"/>
+          </p:nvPr>
+        </p:nvPicPr>
+        <mc:AlternateContent xmlns:mc="http://schemas.openxmlformats.org/markup-compatibility/2006">
+          <mc:Choice xmlns:mv="urn:schemas-microsoft-com:mac:vml" xmlns:ma="http://schemas.microsoft.com/office/mac/drawingml/2008/main" Requires="ma">
+            <p:blipFill>
+              <a:blip r:embed="rId1"/>
+              <a:stretch>
+                <a:fillRect/>
+              </a:stretch>
+            </p:blipFill>
+          </mc:Choice>
+          <mc:Fallback>
+            <p:blipFill>
+              <a:blip r:embed="rId2"/>
               <a:stretch>
                 <a:fillRect/>
               </a:stretch>
@@ -8381,8 +8558,8 @@
 </p:sld>
 </file>
 
-<file path=ppt/slides/slide4.xml><?xml version="1.0" encoding="utf-8"?>
-<p:sld xmlns:a="http://schemas.openxmlformats.org/drawingml/2006/main" xmlns:r="http://schemas.openxmlformats.org/officeDocument/2006/relationships" xmlns:mc="http://schemas.openxmlformats.org/markup-compatibility/2006" xmlns:mv="urn:schemas-microsoft-com:mac:vml" xmlns:p="http://schemas.openxmlformats.org/presentationml/2006/main" mc:Ignorable="mv" mc:PreserveAttributes="mv:*">
+<file path=ppt/slides/slide6.xml><?xml version="1.0" encoding="utf-8"?>
+<p:sld xmlns:a="http://schemas.openxmlformats.org/drawingml/2006/main" xmlns:r="http://schemas.openxmlformats.org/officeDocument/2006/relationships" xmlns:p="http://schemas.openxmlformats.org/presentationml/2006/main">
   <p:cSld>
     <p:spTree>
       <p:nvGrpSpPr>
@@ -8427,10 +8604,10 @@
             <p:ph idx="1"/>
           </p:nvPr>
         </p:nvPicPr>
-        <mc:AlternateContent>
-          <mc:Choice xmlns:ma="http://schemas.microsoft.com/office/mac/drawingml/2008/main" Requires="ma">
+        <mc:AlternateContent xmlns:mc="http://schemas.openxmlformats.org/markup-compatibility/2006">
+          <mc:Choice xmlns:mv="urn:schemas-microsoft-com:mac:vml" xmlns:ma="http://schemas.microsoft.com/office/mac/drawingml/2008/main" Requires="ma">
             <p:blipFill>
-              <a:blip r:embed="rId3"/>
+              <a:blip r:embed="rId1"/>
               <a:stretch>
                 <a:fillRect/>
               </a:stretch>
@@ -8438,7 +8615,7 @@
           </mc:Choice>
           <mc:Fallback>
             <p:blipFill>
-              <a:blip r:embed="rId4"/>
+              <a:blip r:embed="rId2"/>
               <a:stretch>
                 <a:fillRect/>
               </a:stretch>
@@ -8467,8 +8644,8 @@
 </p:sld>
 </file>
 
-<file path=ppt/slides/slide5.xml><?xml version="1.0" encoding="utf-8"?>
-<p:sld xmlns:a="http://schemas.openxmlformats.org/drawingml/2006/main" xmlns:r="http://schemas.openxmlformats.org/officeDocument/2006/relationships" xmlns:mc="http://schemas.openxmlformats.org/markup-compatibility/2006" xmlns:mv="urn:schemas-microsoft-com:mac:vml" xmlns:p="http://schemas.openxmlformats.org/presentationml/2006/main" mc:Ignorable="mv" mc:PreserveAttributes="mv:*">
+<file path=ppt/slides/slide7.xml><?xml version="1.0" encoding="utf-8"?>
+<p:sld xmlns:a="http://schemas.openxmlformats.org/drawingml/2006/main" xmlns:r="http://schemas.openxmlformats.org/officeDocument/2006/relationships" xmlns:p="http://schemas.openxmlformats.org/presentationml/2006/main">
   <p:cSld>
     <p:spTree>
       <p:nvGrpSpPr>
@@ -8513,10 +8690,10 @@
             <p:ph idx="1"/>
           </p:nvPr>
         </p:nvPicPr>
-        <mc:AlternateContent>
-          <mc:Choice xmlns:ma="http://schemas.microsoft.com/office/mac/drawingml/2008/main" Requires="ma">
+        <mc:AlternateContent xmlns:mc="http://schemas.openxmlformats.org/markup-compatibility/2006">
+          <mc:Choice xmlns:mv="urn:schemas-microsoft-com:mac:vml" xmlns:ma="http://schemas.microsoft.com/office/mac/drawingml/2008/main" Requires="ma">
             <p:blipFill>
-              <a:blip r:embed="rId3"/>
+              <a:blip r:embed="rId1"/>
               <a:stretch>
                 <a:fillRect/>
               </a:stretch>
@@ -8524,7 +8701,7 @@
           </mc:Choice>
           <mc:Fallback>
             <p:blipFill>
-              <a:blip r:embed="rId4"/>
+              <a:blip r:embed="rId2"/>
               <a:stretch>
                 <a:fillRect/>
               </a:stretch>
@@ -8553,8 +8730,8 @@
 </p:sld>
 </file>
 
-<file path=ppt/slides/slide6.xml><?xml version="1.0" encoding="utf-8"?>
-<p:sld xmlns:a="http://schemas.openxmlformats.org/drawingml/2006/main" xmlns:r="http://schemas.openxmlformats.org/officeDocument/2006/relationships" xmlns:mc="http://schemas.openxmlformats.org/markup-compatibility/2006" xmlns:mv="urn:schemas-microsoft-com:mac:vml" xmlns:p="http://schemas.openxmlformats.org/presentationml/2006/main" mc:Ignorable="mv" mc:PreserveAttributes="mv:*">
+<file path=ppt/slides/slide8.xml><?xml version="1.0" encoding="utf-8"?>
+<p:sld xmlns:a="http://schemas.openxmlformats.org/drawingml/2006/main" xmlns:r="http://schemas.openxmlformats.org/officeDocument/2006/relationships" xmlns:p="http://schemas.openxmlformats.org/presentationml/2006/main">
   <p:cSld>
     <p:spTree>
       <p:nvGrpSpPr>
@@ -8599,10 +8776,10 @@
             <p:ph idx="1"/>
           </p:nvPr>
         </p:nvPicPr>
-        <mc:AlternateContent>
-          <mc:Choice xmlns:ma="http://schemas.microsoft.com/office/mac/drawingml/2008/main" Requires="ma">
+        <mc:AlternateContent xmlns:mc="http://schemas.openxmlformats.org/markup-compatibility/2006">
+          <mc:Choice xmlns:mv="urn:schemas-microsoft-com:mac:vml" xmlns:ma="http://schemas.microsoft.com/office/mac/drawingml/2008/main" Requires="ma">
             <p:blipFill>
-              <a:blip r:embed="rId3"/>
+              <a:blip r:embed="rId1"/>
               <a:stretch>
                 <a:fillRect/>
               </a:stretch>
@@ -8610,7 +8787,7 @@
           </mc:Choice>
           <mc:Fallback>
             <p:blipFill>
-              <a:blip r:embed="rId4"/>
+              <a:blip r:embed="rId2"/>
               <a:stretch>
                 <a:fillRect/>
               </a:stretch>
@@ -8639,8 +8816,8 @@
 </p:sld>
 </file>
 
-<file path=ppt/slides/slide7.xml><?xml version="1.0" encoding="utf-8"?>
-<p:sld xmlns:a="http://schemas.openxmlformats.org/drawingml/2006/main" xmlns:r="http://schemas.openxmlformats.org/officeDocument/2006/relationships" xmlns:mc="http://schemas.openxmlformats.org/markup-compatibility/2006" xmlns:mv="urn:schemas-microsoft-com:mac:vml" xmlns:p="http://schemas.openxmlformats.org/presentationml/2006/main" mc:Ignorable="mv" mc:PreserveAttributes="mv:*">
+<file path=ppt/slides/slide9.xml><?xml version="1.0" encoding="utf-8"?>
+<p:sld xmlns:a="http://schemas.openxmlformats.org/drawingml/2006/main" xmlns:r="http://schemas.openxmlformats.org/officeDocument/2006/relationships" xmlns:p="http://schemas.openxmlformats.org/presentationml/2006/main">
   <p:cSld>
     <p:spTree>
       <p:nvGrpSpPr>
@@ -8685,10 +8862,10 @@
             <p:ph idx="1"/>
           </p:nvPr>
         </p:nvPicPr>
-        <mc:AlternateContent>
-          <mc:Choice xmlns:ma="http://schemas.microsoft.com/office/mac/drawingml/2008/main" Requires="ma">
+        <mc:AlternateContent xmlns:mc="http://schemas.openxmlformats.org/markup-compatibility/2006">
+          <mc:Choice xmlns:mv="urn:schemas-microsoft-com:mac:vml" xmlns:ma="http://schemas.microsoft.com/office/mac/drawingml/2008/main" Requires="ma">
             <p:blipFill>
-              <a:blip r:embed="rId3"/>
+              <a:blip r:embed="rId1"/>
               <a:stretch>
                 <a:fillRect/>
               </a:stretch>
@@ -8696,7 +8873,7 @@
           </mc:Choice>
           <mc:Fallback>
             <p:blipFill>
-              <a:blip r:embed="rId4"/>
+              <a:blip r:embed="rId2"/>
               <a:stretch>
                 <a:fillRect/>
               </a:stretch>
@@ -8708,184 +8885,6 @@
             <a:off x="1205230" y="1301971"/>
             <a:ext cx="6733540" cy="4208463"/>
           </a:xfrm>
-        </p:spPr>
-      </p:pic>
-    </p:spTree>
-  </p:cSld>
-  <p:clrMapOvr>
-    <a:masterClrMapping/>
-  </p:clrMapOvr>
-  <p:timing>
-    <p:tnLst>
-      <p:par>
-        <p:cTn id="1" dur="indefinite" restart="never" nodeType="tmRoot"/>
-      </p:par>
-    </p:tnLst>
-  </p:timing>
-</p:sld>
-</file>
-
-<file path=ppt/slides/slide8.xml><?xml version="1.0" encoding="utf-8"?>
-<p:sld xmlns:a="http://schemas.openxmlformats.org/drawingml/2006/main" xmlns:r="http://schemas.openxmlformats.org/officeDocument/2006/relationships" xmlns:mc="http://schemas.openxmlformats.org/markup-compatibility/2006" xmlns:mv="urn:schemas-microsoft-com:mac:vml" xmlns:p="http://schemas.openxmlformats.org/presentationml/2006/main" mc:Ignorable="mv" mc:PreserveAttributes="mv:*">
-  <p:cSld>
-    <p:spTree>
-      <p:nvGrpSpPr>
-        <p:cNvPr id="1" name=""/>
-        <p:cNvGrpSpPr/>
-        <p:nvPr/>
-      </p:nvGrpSpPr>
-      <p:grpSpPr>
-        <a:xfrm>
-          <a:off x="0" y="0"/>
-          <a:ext cx="0" cy="0"/>
-          <a:chOff x="0" y="0"/>
-          <a:chExt cx="0" cy="0"/>
-        </a:xfrm>
-      </p:grpSpPr>
-      <p:sp>
-        <p:nvSpPr>
-          <p:cNvPr id="2" name="Title 1"/>
-          <p:cNvSpPr>
-            <a:spLocks noGrp="1"/>
-          </p:cNvSpPr>
-          <p:nvPr>
-            <p:ph type="title"/>
-          </p:nvPr>
-        </p:nvSpPr>
-        <p:spPr/>
-        <p:txBody>
-          <a:bodyPr/>
-          <a:lstStyle/>
-          <a:p>
-            <a:r>
-              <a:rPr lang="en-US" dirty="0" smtClean="0"/>
-              <a:t>Questions</a:t>
-            </a:r>
-            <a:endParaRPr lang="en-US" dirty="0"/>
-          </a:p>
-        </p:txBody>
-      </p:sp>
-      <p:sp>
-        <p:nvSpPr>
-          <p:cNvPr id="3" name="Content Placeholder 2"/>
-          <p:cNvSpPr>
-            <a:spLocks noGrp="1"/>
-          </p:cNvSpPr>
-          <p:nvPr>
-            <p:ph idx="1"/>
-          </p:nvPr>
-        </p:nvSpPr>
-        <p:spPr/>
-        <p:txBody>
-          <a:bodyPr/>
-          <a:lstStyle/>
-          <a:p>
-            <a:r>
-              <a:rPr lang="en-US" dirty="0" smtClean="0"/>
-              <a:t>What are the effects of experimental conditions on </a:t>
-            </a:r>
-            <a:r>
-              <a:rPr lang="en-US" i="1" dirty="0" smtClean="0"/>
-              <a:t>who</a:t>
-            </a:r>
-            <a:r>
-              <a:rPr lang="en-US" dirty="0" smtClean="0"/>
-              <a:t> learns?</a:t>
-            </a:r>
-            <a:endParaRPr lang="en-US" i="1" dirty="0" smtClean="0"/>
-          </a:p>
-          <a:p>
-            <a:r>
-              <a:rPr lang="en-US" dirty="0" smtClean="0"/>
-              <a:t>On how well/fast they learn?</a:t>
-            </a:r>
-          </a:p>
-        </p:txBody>
-      </p:sp>
-    </p:spTree>
-  </p:cSld>
-  <p:clrMapOvr>
-    <a:masterClrMapping/>
-  </p:clrMapOvr>
-</p:sld>
-</file>
-
-<file path=ppt/slides/slide9.xml><?xml version="1.0" encoding="utf-8"?>
-<p:sld xmlns:a="http://schemas.openxmlformats.org/drawingml/2006/main" xmlns:r="http://schemas.openxmlformats.org/officeDocument/2006/relationships" xmlns:mc="http://schemas.openxmlformats.org/markup-compatibility/2006" xmlns:mv="urn:schemas-microsoft-com:mac:vml" xmlns:p="http://schemas.openxmlformats.org/presentationml/2006/main" mc:Ignorable="mv" mc:PreserveAttributes="mv:*">
-  <p:cSld>
-    <p:spTree>
-      <p:nvGrpSpPr>
-        <p:cNvPr id="1" name=""/>
-        <p:cNvGrpSpPr/>
-        <p:nvPr/>
-      </p:nvGrpSpPr>
-      <p:grpSpPr>
-        <a:xfrm>
-          <a:off x="0" y="0"/>
-          <a:ext cx="0" cy="0"/>
-          <a:chOff x="0" y="0"/>
-          <a:chExt cx="0" cy="0"/>
-        </a:xfrm>
-      </p:grpSpPr>
-      <p:sp>
-        <p:nvSpPr>
-          <p:cNvPr id="2" name="Title 1"/>
-          <p:cNvSpPr>
-            <a:spLocks noGrp="1"/>
-          </p:cNvSpPr>
-          <p:nvPr>
-            <p:ph type="title"/>
-          </p:nvPr>
-        </p:nvSpPr>
-        <p:spPr/>
-        <p:txBody>
-          <a:bodyPr>
-            <a:normAutofit fontScale="90000"/>
-          </a:bodyPr>
-          <a:lstStyle/>
-          <a:p>
-            <a:r>
-              <a:rPr lang="en-US" dirty="0" smtClean="0"/>
-              <a:t>LEARNING CURVE MODEL: BAYESIAN LOGISTIC REGRESSION </a:t>
-            </a:r>
-            <a:endParaRPr lang="en-US" dirty="0"/>
-          </a:p>
-        </p:txBody>
-      </p:sp>
-      <p:pic>
-        <p:nvPicPr>
-          <p:cNvPr id="7" name="Picture 6" descr="latex-image-1.pdf"/>
-          <p:cNvPicPr>
-            <a:picLocks noChangeAspect="1"/>
-          </p:cNvPicPr>
-          <p:nvPr/>
-        </p:nvPicPr>
-        <mc:AlternateContent>
-          <mc:Choice xmlns:ma="http://schemas.microsoft.com/office/mac/drawingml/2008/main" Requires="ma">
-            <p:blipFill>
-              <a:blip r:embed="rId3"/>
-              <a:stretch>
-                <a:fillRect/>
-              </a:stretch>
-            </p:blipFill>
-          </mc:Choice>
-          <mc:Fallback>
-            <p:blipFill>
-              <a:blip r:embed="rId4"/>
-              <a:stretch>
-                <a:fillRect/>
-              </a:stretch>
-            </p:blipFill>
-          </mc:Fallback>
-        </mc:AlternateContent>
-        <p:spPr>
-          <a:xfrm>
-            <a:off x="457200" y="2622585"/>
-            <a:ext cx="6769100" cy="1905000"/>
-          </a:xfrm>
-          <a:prstGeom prst="rect">
-            <a:avLst/>
-          </a:prstGeom>
         </p:spPr>
       </p:pic>
     </p:spTree>
@@ -9217,7 +9216,11 @@
       </a:style>
     </a:lnDef>
   </a:objectDefaults>
-  <a:extraClrSchemeLst/>
+  <a:extLst>
+    <a:ext uri="{05A4C25C-085E-4340-85A3-A5531E510DB2}">
+      <thm15:themeFamily xmlns:thm15="http://schemas.microsoft.com/office/thememl/2012/main" name="Office Theme" id="{62F939B6-93AF-4DB8-9C6B-D6C7DFDC589F}" vid="{4A3C46E8-61CC-4603-A589-7422A47A8E4A}"/>
+    </a:ext>
+  </a:extLst>
 </a:theme>
 </file>
 
@@ -9535,7 +9538,11 @@
       </a:style>
     </a:lnDef>
   </a:objectDefaults>
-  <a:extraClrSchemeLst/>
+  <a:extLst>
+    <a:ext uri="{05A4C25C-085E-4340-85A3-A5531E510DB2}">
+      <thm15:themeFamily xmlns:thm15="http://schemas.microsoft.com/office/thememl/2012/main" name="Office Theme" id="{62F939B6-93AF-4DB8-9C6B-D6C7DFDC589F}" vid="{4A3C46E8-61CC-4603-A589-7422A47A8E4A}"/>
+    </a:ext>
+  </a:extLst>
 </a:theme>
 </file>
 
@@ -9853,6 +9860,10 @@
       </a:style>
     </a:lnDef>
   </a:objectDefaults>
-  <a:extraClrSchemeLst/>
+  <a:extLst>
+    <a:ext uri="{05A4C25C-085E-4340-85A3-A5531E510DB2}">
+      <thm15:themeFamily xmlns:thm15="http://schemas.microsoft.com/office/thememl/2012/main" name="Office Theme" id="{62F939B6-93AF-4DB8-9C6B-D6C7DFDC589F}" vid="{4A3C46E8-61CC-4603-A589-7422A47A8E4A}"/>
+    </a:ext>
+  </a:extLst>
 </a:theme>
 </file>